--- a/03.pptx
+++ b/03.pptx
@@ -57,7 +57,7 @@
     <p:sldId id="1017" r:id="rId45"/>
     <p:sldId id="1018" r:id="rId46"/>
     <p:sldId id="1019" r:id="rId47"/>
-    <p:sldId id="1021" r:id="rId48"/>
+    <p:sldId id="1038" r:id="rId48"/>
     <p:sldId id="1022" r:id="rId49"/>
     <p:sldId id="1023" r:id="rId50"/>
     <p:sldId id="1024" r:id="rId51"/>
@@ -287,7 +287,7 @@
             <a:fld id="{68F88C59-319B-4332-9A1D-2A62CFCB00D8}" type="datetimeFigureOut">
               <a:rPr lang="en-US" smtClean="0"/>
               <a:pPr/>
-              <a:t>5/18/2023</a:t>
+              <a:t>5/24/2023</a:t>
             </a:fld>
             <a:endParaRPr lang="en-US" dirty="0"/>
           </a:p>
@@ -458,7 +458,7 @@
             <a:fld id="{968B300D-05F0-4B43-940D-46DED5A791AD}" type="datetimeFigureOut">
               <a:rPr lang="en-US" smtClean="0"/>
               <a:pPr/>
-              <a:t>5/18/2023</a:t>
+              <a:t>5/24/2023</a:t>
             </a:fld>
             <a:endParaRPr lang="en-US" dirty="0"/>
           </a:p>
@@ -4268,7 +4268,7 @@
                   <a:schemeClr val="tx2"/>
                 </a:solidFill>
               </a:rPr>
-              <a:t>5/18/2023</a:t>
+              <a:t>5/24/2023</a:t>
             </a:fld>
             <a:endParaRPr kumimoji="0" lang="en-US" dirty="0"/>
           </a:p>
@@ -4658,7 +4658,7 @@
                   <a:schemeClr val="tx2"/>
                 </a:solidFill>
               </a:rPr>
-              <a:t>5/18/2023</a:t>
+              <a:t>5/24/2023</a:t>
             </a:fld>
             <a:endParaRPr kumimoji="0" lang="en-US" dirty="0"/>
           </a:p>
@@ -4992,7 +4992,7 @@
                   <a:schemeClr val="tx2"/>
                 </a:solidFill>
               </a:rPr>
-              <a:t>5/18/2023</a:t>
+              <a:t>5/24/2023</a:t>
             </a:fld>
             <a:endParaRPr kumimoji="0" lang="en-US" dirty="0"/>
           </a:p>
@@ -5567,7 +5567,7 @@
                   <a:schemeClr val="tx2"/>
                 </a:solidFill>
               </a:rPr>
-              <a:t>5/18/2023</a:t>
+              <a:t>5/24/2023</a:t>
             </a:fld>
             <a:endParaRPr kumimoji="0" lang="en-US" dirty="0"/>
           </a:p>
@@ -6130,7 +6130,7 @@
                   <a:schemeClr val="tx2"/>
                 </a:solidFill>
               </a:rPr>
-              <a:t>5/18/2023</a:t>
+              <a:t>5/24/2023</a:t>
             </a:fld>
             <a:endParaRPr kumimoji="0" lang="en-US" dirty="0"/>
           </a:p>
@@ -6588,7 +6588,7 @@
                   <a:schemeClr val="tx2"/>
                 </a:solidFill>
               </a:rPr>
-              <a:t>5/18/2023</a:t>
+              <a:t>5/24/2023</a:t>
             </a:fld>
             <a:endParaRPr kumimoji="0" lang="en-US" dirty="0"/>
           </a:p>
@@ -7011,7 +7011,7 @@
                   <a:schemeClr val="tx2"/>
                 </a:solidFill>
               </a:rPr>
-              <a:t>5/18/2023</a:t>
+              <a:t>5/24/2023</a:t>
             </a:fld>
             <a:endParaRPr kumimoji="0" lang="en-US" dirty="0"/>
           </a:p>
@@ -7514,7 +7514,7 @@
                   <a:schemeClr val="tx2"/>
                 </a:solidFill>
               </a:rPr>
-              <a:t>5/18/2023</a:t>
+              <a:t>5/24/2023</a:t>
             </a:fld>
             <a:endParaRPr kumimoji="0" lang="en-US" dirty="0"/>
           </a:p>
@@ -8017,7 +8017,7 @@
                   <a:schemeClr val="tx2"/>
                 </a:solidFill>
               </a:rPr>
-              <a:t>5/18/2023</a:t>
+              <a:t>5/24/2023</a:t>
             </a:fld>
             <a:endParaRPr kumimoji="0" lang="en-US" dirty="0"/>
           </a:p>
@@ -8232,7 +8232,7 @@
                   <a:schemeClr val="tx2"/>
                 </a:solidFill>
               </a:rPr>
-              <a:t>5/18/2023</a:t>
+              <a:t>5/24/2023</a:t>
             </a:fld>
             <a:endParaRPr kumimoji="0" lang="en-US" dirty="0"/>
           </a:p>
@@ -8559,7 +8559,7 @@
                   <a:schemeClr val="tx2"/>
                 </a:solidFill>
               </a:rPr>
-              <a:t>5/18/2023</a:t>
+              <a:t>5/24/2023</a:t>
             </a:fld>
             <a:endParaRPr kumimoji="0" lang="en-US" dirty="0"/>
           </a:p>
@@ -8784,7 +8784,7 @@
                   <a:schemeClr val="tx2"/>
                 </a:solidFill>
               </a:rPr>
-              <a:t>5/18/2023</a:t>
+              <a:t>5/24/2023</a:t>
             </a:fld>
             <a:endParaRPr kumimoji="0" lang="en-US" dirty="0"/>
           </a:p>
@@ -9002,7 +9002,7 @@
                   <a:schemeClr val="tx2"/>
                 </a:solidFill>
               </a:rPr>
-              <a:t>5/18/2023</a:t>
+              <a:t>5/24/2023</a:t>
             </a:fld>
             <a:endParaRPr kumimoji="0" lang="en-US" dirty="0"/>
           </a:p>
@@ -9177,7 +9177,7 @@
           <a:p>
             <a:fld id="{40B5BDA6-E047-4318-94BB-F4D08EB7A25B}" type="datetime1">
               <a:rPr kumimoji="0" lang="en-US" altLang="zh-TW" smtClean="0"/>
-              <a:t>5/18/2023</a:t>
+              <a:t>5/24/2023</a:t>
             </a:fld>
             <a:endParaRPr kumimoji="0" lang="en-US" dirty="0"/>
           </a:p>
@@ -9421,7 +9421,7 @@
                   <a:schemeClr val="tx2"/>
                 </a:solidFill>
               </a:rPr>
-              <a:t>5/18/2023</a:t>
+              <a:t>5/24/2023</a:t>
             </a:fld>
             <a:endParaRPr kumimoji="0" lang="en-US" dirty="0"/>
           </a:p>
@@ -9892,7 +9892,7 @@
                   <a:schemeClr val="tx2"/>
                 </a:solidFill>
               </a:rPr>
-              <a:t>5/18/2023</a:t>
+              <a:t>5/24/2023</a:t>
             </a:fld>
             <a:endParaRPr kumimoji="0" lang="en-US" dirty="0"/>
           </a:p>
@@ -10243,7 +10243,7 @@
                   <a:schemeClr val="tx2"/>
                 </a:solidFill>
               </a:rPr>
-              <a:t>5/18/2023</a:t>
+              <a:t>5/24/2023</a:t>
             </a:fld>
             <a:endParaRPr kumimoji="0" lang="en-US" dirty="0"/>
           </a:p>
@@ -10600,7 +10600,7 @@
                   <a:schemeClr val="tx2"/>
                 </a:solidFill>
               </a:rPr>
-              <a:t>5/18/2023</a:t>
+              <a:t>5/24/2023</a:t>
             </a:fld>
             <a:endParaRPr kumimoji="0" lang="en-US" dirty="0"/>
           </a:p>
@@ -10904,7 +10904,7 @@
                   <a:schemeClr val="tx2"/>
                 </a:solidFill>
               </a:rPr>
-              <a:t>5/18/2023</a:t>
+              <a:t>5/24/2023</a:t>
             </a:fld>
             <a:endParaRPr kumimoji="0" lang="en-US" dirty="0"/>
           </a:p>
@@ -11379,7 +11379,7 @@
                   <a:schemeClr val="tx2"/>
                 </a:solidFill>
               </a:rPr>
-              <a:t>5/18/2023</a:t>
+              <a:t>5/24/2023</a:t>
             </a:fld>
             <a:endParaRPr kumimoji="0" lang="en-US" dirty="0"/>
           </a:p>
@@ -11615,7 +11615,7 @@
                   <a:schemeClr val="tx2"/>
                 </a:solidFill>
               </a:rPr>
-              <a:t>5/18/2023</a:t>
+              <a:t>5/24/2023</a:t>
             </a:fld>
             <a:endParaRPr kumimoji="0" lang="en-US" sz="1200" dirty="0">
               <a:solidFill>
@@ -12272,7 +12272,7 @@
                   <a:schemeClr val="tx2"/>
                 </a:solidFill>
               </a:rPr>
-              <a:t>5/18/2023</a:t>
+              <a:t>5/24/2023</a:t>
             </a:fld>
             <a:endParaRPr kumimoji="0" lang="en-US" dirty="0"/>
           </a:p>
@@ -12484,7 +12484,7 @@
                 <a:latin typeface="Arial" panose="020B0604020202020204" pitchFamily="34" charset="0"/>
                 <a:cs typeface="Arial" panose="020B0604020202020204" pitchFamily="34" charset="0"/>
               </a:rPr>
-              <a:t>5/18/2023</a:t>
+              <a:t>5/24/2023</a:t>
             </a:fld>
             <a:endParaRPr kumimoji="0" lang="en-US" dirty="0">
               <a:latin typeface="Arial" panose="020B0604020202020204" pitchFamily="34" charset="0"/>
@@ -12921,7 +12921,7 @@
                 <a:latin typeface="Arial" panose="020B0604020202020204" pitchFamily="34" charset="0"/>
                 <a:cs typeface="Arial" panose="020B0604020202020204" pitchFamily="34" charset="0"/>
               </a:rPr>
-              <a:t>5/18/2023</a:t>
+              <a:t>5/24/2023</a:t>
             </a:fld>
             <a:endParaRPr kumimoji="0" lang="en-US" dirty="0">
               <a:latin typeface="Arial" panose="020B0604020202020204" pitchFamily="34" charset="0"/>
@@ -13589,7 +13589,7 @@
                 <a:latin typeface="Arial" panose="020B0604020202020204" pitchFamily="34" charset="0"/>
                 <a:cs typeface="Arial" panose="020B0604020202020204" pitchFamily="34" charset="0"/>
               </a:rPr>
-              <a:t>5/18/2023</a:t>
+              <a:t>5/24/2023</a:t>
             </a:fld>
             <a:endParaRPr kumimoji="0" lang="en-US" dirty="0">
               <a:latin typeface="Arial" panose="020B0604020202020204" pitchFamily="34" charset="0"/>
@@ -14239,7 +14239,7 @@
                 <a:latin typeface="Arial" panose="020B0604020202020204" pitchFamily="34" charset="0"/>
                 <a:cs typeface="Arial" panose="020B0604020202020204" pitchFamily="34" charset="0"/>
               </a:rPr>
-              <a:t>5/18/2023</a:t>
+              <a:t>5/24/2023</a:t>
             </a:fld>
             <a:endParaRPr kumimoji="0" lang="en-US" dirty="0">
               <a:latin typeface="Arial" panose="020B0604020202020204" pitchFamily="34" charset="0"/>
@@ -14916,7 +14916,7 @@
                 <a:latin typeface="Arial" panose="020B0604020202020204" pitchFamily="34" charset="0"/>
                 <a:cs typeface="Arial" panose="020B0604020202020204" pitchFamily="34" charset="0"/>
               </a:rPr>
-              <a:t>5/18/2023</a:t>
+              <a:t>5/24/2023</a:t>
             </a:fld>
             <a:endParaRPr kumimoji="0" lang="en-US" dirty="0">
               <a:latin typeface="Arial" panose="020B0604020202020204" pitchFamily="34" charset="0"/>
@@ -15343,7 +15343,7 @@
                 <a:latin typeface="Arial" panose="020B0604020202020204" pitchFamily="34" charset="0"/>
                 <a:cs typeface="Arial" panose="020B0604020202020204" pitchFamily="34" charset="0"/>
               </a:rPr>
-              <a:t>5/18/2023</a:t>
+              <a:t>5/24/2023</a:t>
             </a:fld>
             <a:endParaRPr kumimoji="0" lang="en-US" dirty="0">
               <a:latin typeface="Arial" panose="020B0604020202020204" pitchFamily="34" charset="0"/>
@@ -16038,7 +16038,7 @@
                 <a:latin typeface="Arial" panose="020B0604020202020204" pitchFamily="34" charset="0"/>
                 <a:cs typeface="Arial" panose="020B0604020202020204" pitchFamily="34" charset="0"/>
               </a:rPr>
-              <a:t>5/18/2023</a:t>
+              <a:t>5/24/2023</a:t>
             </a:fld>
             <a:endParaRPr kumimoji="0" lang="en-US" dirty="0">
               <a:latin typeface="Arial" panose="020B0604020202020204" pitchFamily="34" charset="0"/>
@@ -16685,7 +16685,7 @@
                 <a:latin typeface="Arial" panose="020B0604020202020204" pitchFamily="34" charset="0"/>
                 <a:cs typeface="Arial" panose="020B0604020202020204" pitchFamily="34" charset="0"/>
               </a:rPr>
-              <a:t>5/18/2023</a:t>
+              <a:t>5/24/2023</a:t>
             </a:fld>
             <a:endParaRPr kumimoji="0" lang="en-US" dirty="0">
               <a:latin typeface="Arial" panose="020B0604020202020204" pitchFamily="34" charset="0"/>
@@ -17139,7 +17139,7 @@
                 <a:latin typeface="Arial" panose="020B0604020202020204" pitchFamily="34" charset="0"/>
                 <a:cs typeface="Arial" panose="020B0604020202020204" pitchFamily="34" charset="0"/>
               </a:rPr>
-              <a:t>5/18/2023</a:t>
+              <a:t>5/24/2023</a:t>
             </a:fld>
             <a:endParaRPr kumimoji="0" lang="en-US" dirty="0">
               <a:latin typeface="Arial" panose="020B0604020202020204" pitchFamily="34" charset="0"/>
@@ -17759,7 +17759,7 @@
                 <a:latin typeface="Arial" panose="020B0604020202020204" pitchFamily="34" charset="0"/>
                 <a:cs typeface="Arial" panose="020B0604020202020204" pitchFamily="34" charset="0"/>
               </a:rPr>
-              <a:t>5/18/2023</a:t>
+              <a:t>5/24/2023</a:t>
             </a:fld>
             <a:endParaRPr kumimoji="0" lang="en-US" dirty="0">
               <a:latin typeface="Arial" panose="020B0604020202020204" pitchFamily="34" charset="0"/>
@@ -18189,7 +18189,7 @@
                 <a:latin typeface="Arial" panose="020B0604020202020204" pitchFamily="34" charset="0"/>
                 <a:cs typeface="Arial" panose="020B0604020202020204" pitchFamily="34" charset="0"/>
               </a:rPr>
-              <a:t>5/18/2023</a:t>
+              <a:t>5/24/2023</a:t>
             </a:fld>
             <a:endParaRPr kumimoji="0" lang="en-US" dirty="0">
               <a:latin typeface="Arial" panose="020B0604020202020204" pitchFamily="34" charset="0"/>
@@ -18404,7 +18404,7 @@
                 <a:latin typeface="Arial" panose="020B0604020202020204" pitchFamily="34" charset="0"/>
                 <a:cs typeface="Arial" panose="020B0604020202020204" pitchFamily="34" charset="0"/>
               </a:rPr>
-              <a:t>5/18/2023</a:t>
+              <a:t>5/24/2023</a:t>
             </a:fld>
             <a:endParaRPr kumimoji="0" lang="en-US" dirty="0">
               <a:latin typeface="Arial" panose="020B0604020202020204" pitchFamily="34" charset="0"/>
@@ -18965,7 +18965,7 @@
                   <a:schemeClr val="tx2"/>
                 </a:solidFill>
               </a:rPr>
-              <a:t>5/18/2023</a:t>
+              <a:t>5/24/2023</a:t>
             </a:fld>
             <a:endParaRPr kumimoji="0" lang="en-US" dirty="0"/>
           </a:p>
@@ -19134,7 +19134,7 @@
                 <a:latin typeface="Arial" panose="020B0604020202020204" pitchFamily="34" charset="0"/>
                 <a:cs typeface="Arial" panose="020B0604020202020204" pitchFamily="34" charset="0"/>
               </a:rPr>
-              <a:t>5/18/2023</a:t>
+              <a:t>5/24/2023</a:t>
             </a:fld>
             <a:endParaRPr kumimoji="0" lang="en-US" dirty="0">
               <a:latin typeface="Arial" panose="020B0604020202020204" pitchFamily="34" charset="0"/>
@@ -19982,7 +19982,7 @@
                 <a:latin typeface="Arial" panose="020B0604020202020204" pitchFamily="34" charset="0"/>
                 <a:cs typeface="Arial" panose="020B0604020202020204" pitchFamily="34" charset="0"/>
               </a:rPr>
-              <a:t>5/18/2023</a:t>
+              <a:t>5/24/2023</a:t>
             </a:fld>
             <a:endParaRPr kumimoji="0" lang="en-US" dirty="0">
               <a:latin typeface="Arial" panose="020B0604020202020204" pitchFamily="34" charset="0"/>
@@ -20698,7 +20698,7 @@
                 <a:latin typeface="Arial" panose="020B0604020202020204" pitchFamily="34" charset="0"/>
                 <a:cs typeface="Arial" panose="020B0604020202020204" pitchFamily="34" charset="0"/>
               </a:rPr>
-              <a:t>5/18/2023</a:t>
+              <a:t>5/24/2023</a:t>
             </a:fld>
             <a:endParaRPr kumimoji="0" lang="en-US" dirty="0">
               <a:latin typeface="Arial" panose="020B0604020202020204" pitchFamily="34" charset="0"/>
@@ -21320,7 +21320,7 @@
                 <a:latin typeface="Arial" panose="020B0604020202020204" pitchFamily="34" charset="0"/>
                 <a:cs typeface="Arial" panose="020B0604020202020204" pitchFamily="34" charset="0"/>
               </a:rPr>
-              <a:t>5/18/2023</a:t>
+              <a:t>5/24/2023</a:t>
             </a:fld>
             <a:endParaRPr kumimoji="0" lang="en-US" dirty="0">
               <a:latin typeface="Arial" panose="020B0604020202020204" pitchFamily="34" charset="0"/>
@@ -22229,7 +22229,7 @@
                 <a:latin typeface="Arial" panose="020B0604020202020204" pitchFamily="34" charset="0"/>
                 <a:cs typeface="Arial" panose="020B0604020202020204" pitchFamily="34" charset="0"/>
               </a:rPr>
-              <a:t>5/18/2023</a:t>
+              <a:t>5/24/2023</a:t>
             </a:fld>
             <a:endParaRPr kumimoji="0" lang="en-US" dirty="0">
               <a:latin typeface="Arial" panose="020B0604020202020204" pitchFamily="34" charset="0"/>
@@ -23052,7 +23052,7 @@
                 <a:latin typeface="Arial" panose="020B0604020202020204" pitchFamily="34" charset="0"/>
                 <a:cs typeface="Arial" panose="020B0604020202020204" pitchFamily="34" charset="0"/>
               </a:rPr>
-              <a:t>5/18/2023</a:t>
+              <a:t>5/24/2023</a:t>
             </a:fld>
             <a:endParaRPr kumimoji="0" lang="en-US" dirty="0">
               <a:latin typeface="Arial" panose="020B0604020202020204" pitchFamily="34" charset="0"/>
@@ -23734,7 +23734,7 @@
                   <a:schemeClr val="tx2"/>
                 </a:solidFill>
               </a:rPr>
-              <a:t>5/18/2023</a:t>
+              <a:t>5/24/2023</a:t>
             </a:fld>
             <a:endParaRPr kumimoji="0" lang="en-US" dirty="0"/>
           </a:p>
@@ -23903,7 +23903,7 @@
                 <a:latin typeface="Arial" panose="020B0604020202020204" pitchFamily="34" charset="0"/>
                 <a:cs typeface="Arial" panose="020B0604020202020204" pitchFamily="34" charset="0"/>
               </a:rPr>
-              <a:t>5/18/2023</a:t>
+              <a:t>5/24/2023</a:t>
             </a:fld>
             <a:endParaRPr kumimoji="0" lang="en-US" dirty="0">
               <a:latin typeface="Arial" panose="020B0604020202020204" pitchFamily="34" charset="0"/>
@@ -24610,7 +24610,7 @@
                   <a:schemeClr val="tx2"/>
                 </a:solidFill>
               </a:rPr>
-              <a:t>5/18/2023</a:t>
+              <a:t>5/24/2023</a:t>
             </a:fld>
             <a:endParaRPr kumimoji="0" lang="en-US" dirty="0"/>
           </a:p>
@@ -24859,7 +24859,7 @@
                 <a:latin typeface="Arial" panose="020B0604020202020204" pitchFamily="34" charset="0"/>
                 <a:cs typeface="Arial" panose="020B0604020202020204" pitchFamily="34" charset="0"/>
               </a:rPr>
-              <a:t>5/18/2023</a:t>
+              <a:t>5/24/2023</a:t>
             </a:fld>
             <a:endParaRPr kumimoji="0" lang="en-US" dirty="0">
               <a:latin typeface="Arial" panose="020B0604020202020204" pitchFamily="34" charset="0"/>
@@ -25504,7 +25504,7 @@
                   <a:schemeClr val="tx2"/>
                 </a:solidFill>
               </a:rPr>
-              <a:t>5/18/2023</a:t>
+              <a:t>5/24/2023</a:t>
             </a:fld>
             <a:endParaRPr kumimoji="0" lang="en-US" dirty="0"/>
           </a:p>
@@ -25673,7 +25673,7 @@
                 <a:latin typeface="Arial" panose="020B0604020202020204" pitchFamily="34" charset="0"/>
                 <a:cs typeface="Arial" panose="020B0604020202020204" pitchFamily="34" charset="0"/>
               </a:rPr>
-              <a:t>5/18/2023</a:t>
+              <a:t>5/24/2023</a:t>
             </a:fld>
             <a:endParaRPr kumimoji="0" lang="en-US" dirty="0">
               <a:latin typeface="Arial" panose="020B0604020202020204" pitchFamily="34" charset="0"/>
@@ -26699,7 +26699,7 @@
                 <a:latin typeface="Arial" panose="020B0604020202020204" pitchFamily="34" charset="0"/>
                 <a:cs typeface="Arial" panose="020B0604020202020204" pitchFamily="34" charset="0"/>
               </a:rPr>
-              <a:t>5/18/2023</a:t>
+              <a:t>5/24/2023</a:t>
             </a:fld>
             <a:endParaRPr kumimoji="0" lang="en-US" dirty="0">
               <a:latin typeface="Arial" panose="020B0604020202020204" pitchFamily="34" charset="0"/>
@@ -27605,7 +27605,7 @@
                 <a:latin typeface="Arial" panose="020B0604020202020204" pitchFamily="34" charset="0"/>
                 <a:cs typeface="Arial" panose="020B0604020202020204" pitchFamily="34" charset="0"/>
               </a:rPr>
-              <a:t>5/18/2023</a:t>
+              <a:t>5/24/2023</a:t>
             </a:fld>
             <a:endParaRPr kumimoji="0" lang="en-US" dirty="0">
               <a:latin typeface="Arial" panose="020B0604020202020204" pitchFamily="34" charset="0"/>
@@ -28559,7 +28559,7 @@
                 <a:latin typeface="Arial" panose="020B0604020202020204" pitchFamily="34" charset="0"/>
                 <a:cs typeface="Arial" panose="020B0604020202020204" pitchFamily="34" charset="0"/>
               </a:rPr>
-              <a:t>5/18/2023</a:t>
+              <a:t>5/24/2023</a:t>
             </a:fld>
             <a:endParaRPr kumimoji="0" lang="en-US" dirty="0">
               <a:latin typeface="Arial" panose="020B0604020202020204" pitchFamily="34" charset="0"/>
@@ -29228,7 +29228,7 @@
                 <a:latin typeface="Arial" panose="020B0604020202020204" pitchFamily="34" charset="0"/>
                 <a:cs typeface="Arial" panose="020B0604020202020204" pitchFamily="34" charset="0"/>
               </a:rPr>
-              <a:t>5/18/2023</a:t>
+              <a:t>5/24/2023</a:t>
             </a:fld>
             <a:endParaRPr kumimoji="0" lang="en-US" dirty="0">
               <a:latin typeface="Arial" panose="020B0604020202020204" pitchFamily="34" charset="0"/>
@@ -30142,7 +30142,7 @@
                   <a:schemeClr val="tx2"/>
                 </a:solidFill>
               </a:rPr>
-              <a:t>5/18/2023</a:t>
+              <a:t>5/24/2023</a:t>
             </a:fld>
             <a:endParaRPr kumimoji="0" lang="en-US" dirty="0"/>
           </a:p>
@@ -30348,7 +30348,7 @@
                 <a:latin typeface="Arial" panose="020B0604020202020204" pitchFamily="34" charset="0"/>
                 <a:cs typeface="Arial" panose="020B0604020202020204" pitchFamily="34" charset="0"/>
               </a:rPr>
-              <a:t>5/18/2023</a:t>
+              <a:t>5/24/2023</a:t>
             </a:fld>
             <a:endParaRPr kumimoji="0" lang="en-US" dirty="0">
               <a:latin typeface="Arial" panose="020B0604020202020204" pitchFamily="34" charset="0"/>
@@ -31394,7 +31394,7 @@
                 <a:latin typeface="Arial" panose="020B0604020202020204" pitchFamily="34" charset="0"/>
                 <a:cs typeface="Arial" panose="020B0604020202020204" pitchFamily="34" charset="0"/>
               </a:rPr>
-              <a:t>5/18/2023</a:t>
+              <a:t>5/24/2023</a:t>
             </a:fld>
             <a:endParaRPr kumimoji="0" lang="en-US" dirty="0">
               <a:latin typeface="Arial" panose="020B0604020202020204" pitchFamily="34" charset="0"/>
@@ -31589,7 +31589,7 @@
                 <a:latin typeface="Arial" panose="020B0604020202020204" pitchFamily="34" charset="0"/>
                 <a:cs typeface="Arial" panose="020B0604020202020204" pitchFamily="34" charset="0"/>
               </a:rPr>
-              <a:t>5/18/2023</a:t>
+              <a:t>5/24/2023</a:t>
             </a:fld>
             <a:endParaRPr kumimoji="0" lang="en-US" dirty="0">
               <a:latin typeface="Arial" panose="020B0604020202020204" pitchFamily="34" charset="0"/>
@@ -32557,7 +32557,7 @@
             </a:r>
             <a:r>
               <a:rPr lang="en-US" altLang="zh-TW" dirty="0"/>
-              <a:t>"&gt;Learning XML&lt;/title&gt;</a:t>
+              <a:t>”&gt;Learning XML&lt;/title&gt;</a:t>
             </a:r>
           </a:p>
           <a:p>
@@ -32667,33 +32667,46 @@
           <p:cNvGraphicFramePr>
             <a:graphicFrameLocks noGrp="1"/>
           </p:cNvGraphicFramePr>
-          <p:nvPr/>
+          <p:nvPr>
+            <p:extLst>
+              <p:ext uri="{D42A27DB-BD31-4B8C-83A1-F6EECF244321}">
+                <p14:modId xmlns:p14="http://schemas.microsoft.com/office/powerpoint/2010/main" val="1135681128"/>
+              </p:ext>
+            </p:extLst>
+          </p:nvPr>
         </p:nvGraphicFramePr>
         <p:xfrm>
-          <a:off x="457200" y="2369661"/>
-          <a:ext cx="8229600" cy="2987040"/>
+          <a:off x="381000" y="838200"/>
+          <a:ext cx="8534401" cy="5882640"/>
         </p:xfrm>
         <a:graphic>
           <a:graphicData uri="http://schemas.openxmlformats.org/drawingml/2006/table">
             <a:tbl>
               <a:tblPr/>
               <a:tblGrid>
-                <a:gridCol w="4114800">
+                <a:gridCol w="1610265">
                   <a:extLst>
                     <a:ext uri="{9D8B030D-6E8A-4147-A177-3AD203B41FA5}">
                       <a16:colId xmlns:a16="http://schemas.microsoft.com/office/drawing/2014/main" val="1989546909"/>
                     </a:ext>
                   </a:extLst>
                 </a:gridCol>
-                <a:gridCol w="4114800">
+                <a:gridCol w="3037935">
                   <a:extLst>
                     <a:ext uri="{9D8B030D-6E8A-4147-A177-3AD203B41FA5}">
                       <a16:colId xmlns:a16="http://schemas.microsoft.com/office/drawing/2014/main" val="3088664884"/>
                     </a:ext>
                   </a:extLst>
                 </a:gridCol>
+                <a:gridCol w="3886201">
+                  <a:extLst>
+                    <a:ext uri="{9D8B030D-6E8A-4147-A177-3AD203B41FA5}">
+                      <a16:colId xmlns:a16="http://schemas.microsoft.com/office/drawing/2014/main" val="3614670609"/>
+                    </a:ext>
+                  </a:extLst>
+                </a:gridCol>
               </a:tblGrid>
-              <a:tr h="0">
+              <a:tr h="381000">
                 <a:tc>
                   <a:txBody>
                     <a:bodyPr/>
@@ -32701,8 +32714,10 @@
                     <a:p>
                       <a:pPr algn="l"/>
                       <a:r>
-                        <a:rPr lang="zh-TW" altLang="en-US">
+                        <a:rPr lang="zh-TW" altLang="en-US" b="1" dirty="0">
                           <a:effectLst/>
+                          <a:latin typeface="微軟正黑體" panose="020B0604030504040204" pitchFamily="34" charset="-120"/>
+                          <a:ea typeface="微軟正黑體" panose="020B0604030504040204" pitchFamily="34" charset="-120"/>
                         </a:rPr>
                         <a:t>表示式</a:t>
                       </a:r>
@@ -32757,10 +32772,70 @@
                     <a:p>
                       <a:pPr algn="l"/>
                       <a:r>
-                        <a:rPr lang="zh-TW" altLang="en-US">
+                        <a:rPr lang="zh-TW" altLang="en-US" b="1" dirty="0">
                           <a:effectLst/>
+                          <a:latin typeface="微軟正黑體" panose="020B0604030504040204" pitchFamily="34" charset="-120"/>
+                          <a:ea typeface="微軟正黑體" panose="020B0604030504040204" pitchFamily="34" charset="-120"/>
                         </a:rPr>
                         <a:t>說明</a:t>
+                      </a:r>
+                    </a:p>
+                  </a:txBody>
+                  <a:tcPr marL="76200" marR="76200" marT="76200" marB="76200" anchor="ctr">
+                    <a:lnL w="9525" cap="flat" cmpd="sng" algn="ctr">
+                      <a:solidFill>
+                        <a:srgbClr val="666666"/>
+                      </a:solidFill>
+                      <a:prstDash val="solid"/>
+                      <a:round/>
+                      <a:headEnd type="none" w="med" len="med"/>
+                      <a:tailEnd type="none" w="med" len="med"/>
+                    </a:lnL>
+                    <a:lnR w="9525" cap="flat" cmpd="sng" algn="ctr">
+                      <a:solidFill>
+                        <a:srgbClr val="666666"/>
+                      </a:solidFill>
+                      <a:prstDash val="solid"/>
+                      <a:round/>
+                      <a:headEnd type="none" w="med" len="med"/>
+                      <a:tailEnd type="none" w="med" len="med"/>
+                    </a:lnR>
+                    <a:lnT w="9525" cap="flat" cmpd="sng" algn="ctr">
+                      <a:solidFill>
+                        <a:srgbClr val="666666"/>
+                      </a:solidFill>
+                      <a:prstDash val="solid"/>
+                      <a:round/>
+                      <a:headEnd type="none" w="med" len="med"/>
+                      <a:tailEnd type="none" w="med" len="med"/>
+                    </a:lnT>
+                    <a:lnB w="9525" cap="flat" cmpd="sng" algn="ctr">
+                      <a:solidFill>
+                        <a:srgbClr val="666666"/>
+                      </a:solidFill>
+                      <a:prstDash val="solid"/>
+                      <a:round/>
+                      <a:headEnd type="none" w="med" len="med"/>
+                      <a:tailEnd type="none" w="med" len="med"/>
+                    </a:lnB>
+                    <a:solidFill>
+                      <a:srgbClr val="111111"/>
+                    </a:solidFill>
+                  </a:tcPr>
+                </a:tc>
+                <a:tc>
+                  <a:txBody>
+                    <a:bodyPr/>
+                    <a:lstStyle/>
+                    <a:p>
+                      <a:pPr algn="l"/>
+                      <a:r>
+                        <a:rPr lang="zh-TW" altLang="en-US" b="1" dirty="0">
+                          <a:effectLst/>
+                          <a:latin typeface="微軟正黑體" panose="020B0604030504040204" pitchFamily="34" charset="-120"/>
+                          <a:ea typeface="微軟正黑體" panose="020B0604030504040204" pitchFamily="34" charset="-120"/>
+                        </a:rPr>
+                        <a:t>範例</a:t>
                       </a:r>
                     </a:p>
                   </a:txBody>
@@ -32822,6 +32897,8 @@
                       <a:r>
                         <a:rPr lang="en-US">
                           <a:effectLst/>
+                          <a:latin typeface="微軟正黑體" panose="020B0604030504040204" pitchFamily="34" charset="-120"/>
+                          <a:ea typeface="微軟正黑體" panose="020B0604030504040204" pitchFamily="34" charset="-120"/>
                         </a:rPr>
                         <a:t>nodename</a:t>
                       </a:r>
@@ -32876,23 +32953,119 @@
                     <a:p>
                       <a:pPr algn="l"/>
                       <a:r>
-                        <a:rPr lang="zh-TW" altLang="en-US">
+                        <a:rPr lang="zh-TW" altLang="en-US" dirty="0">
                           <a:effectLst/>
+                          <a:latin typeface="微軟正黑體" panose="020B0604030504040204" pitchFamily="34" charset="-120"/>
+                          <a:ea typeface="微軟正黑體" panose="020B0604030504040204" pitchFamily="34" charset="-120"/>
                         </a:rPr>
-                        <a:t>選擇所有的</a:t>
+                        <a:t>選擇根</a:t>
                       </a:r>
                       <a:r>
-                        <a:rPr lang="en-US" altLang="zh-TW">
+                        <a:rPr lang="en-US" altLang="zh-TW" dirty="0">
                           <a:effectLst/>
+                          <a:latin typeface="微軟正黑體" panose="020B0604030504040204" pitchFamily="34" charset="-120"/>
+                          <a:ea typeface="微軟正黑體" panose="020B0604030504040204" pitchFamily="34" charset="-120"/>
                         </a:rPr>
-                        <a:t>&lt;nodename&gt;</a:t>
+                        <a:t>&lt;</a:t>
                       </a:r>
                       <a:r>
-                        <a:rPr lang="zh-TW" altLang="en-US">
+                        <a:rPr lang="en-US" altLang="zh-TW" dirty="0" err="1">
                           <a:effectLst/>
+                          <a:latin typeface="微軟正黑體" panose="020B0604030504040204" pitchFamily="34" charset="-120"/>
+                          <a:ea typeface="微軟正黑體" panose="020B0604030504040204" pitchFamily="34" charset="-120"/>
                         </a:rPr>
-                        <a:t>的節點</a:t>
+                        <a:t>nodename</a:t>
                       </a:r>
+                      <a:r>
+                        <a:rPr lang="en-US" altLang="zh-TW" dirty="0">
+                          <a:effectLst/>
+                          <a:latin typeface="微軟正黑體" panose="020B0604030504040204" pitchFamily="34" charset="-120"/>
+                          <a:ea typeface="微軟正黑體" panose="020B0604030504040204" pitchFamily="34" charset="-120"/>
+                        </a:rPr>
+                        <a:t>&gt;</a:t>
+                      </a:r>
+                      <a:r>
+                        <a:rPr lang="zh-TW" altLang="en-US" dirty="0">
+                          <a:effectLst/>
+                          <a:latin typeface="微軟正黑體" panose="020B0604030504040204" pitchFamily="34" charset="-120"/>
+                          <a:ea typeface="微軟正黑體" panose="020B0604030504040204" pitchFamily="34" charset="-120"/>
+                        </a:rPr>
+                        <a:t>節點</a:t>
+                      </a:r>
+                    </a:p>
+                  </a:txBody>
+                  <a:tcPr marL="76200" marR="76200" marT="76200" marB="76200" anchor="ctr">
+                    <a:lnL w="9525" cap="flat" cmpd="sng" algn="ctr">
+                      <a:solidFill>
+                        <a:srgbClr val="666666"/>
+                      </a:solidFill>
+                      <a:prstDash val="solid"/>
+                      <a:round/>
+                      <a:headEnd type="none" w="med" len="med"/>
+                      <a:tailEnd type="none" w="med" len="med"/>
+                    </a:lnL>
+                    <a:lnR w="9525" cap="flat" cmpd="sng" algn="ctr">
+                      <a:solidFill>
+                        <a:srgbClr val="666666"/>
+                      </a:solidFill>
+                      <a:prstDash val="solid"/>
+                      <a:round/>
+                      <a:headEnd type="none" w="med" len="med"/>
+                      <a:tailEnd type="none" w="med" len="med"/>
+                    </a:lnR>
+                    <a:lnT w="9525" cap="flat" cmpd="sng" algn="ctr">
+                      <a:solidFill>
+                        <a:srgbClr val="666666"/>
+                      </a:solidFill>
+                      <a:prstDash val="solid"/>
+                      <a:round/>
+                      <a:headEnd type="none" w="med" len="med"/>
+                      <a:tailEnd type="none" w="med" len="med"/>
+                    </a:lnT>
+                    <a:lnB w="9525" cap="flat" cmpd="sng" algn="ctr">
+                      <a:solidFill>
+                        <a:srgbClr val="666666"/>
+                      </a:solidFill>
+                      <a:prstDash val="solid"/>
+                      <a:round/>
+                      <a:headEnd type="none" w="med" len="med"/>
+                      <a:tailEnd type="none" w="med" len="med"/>
+                    </a:lnB>
+                    <a:solidFill>
+                      <a:srgbClr val="111111"/>
+                    </a:solidFill>
+                  </a:tcPr>
+                </a:tc>
+                <a:tc>
+                  <a:txBody>
+                    <a:bodyPr/>
+                    <a:lstStyle/>
+                    <a:p>
+                      <a:pPr algn="l"/>
+                      <a:r>
+                        <a:rPr lang="en-US" altLang="zh-TW" dirty="0">
+                          <a:effectLst/>
+                          <a:latin typeface="微軟正黑體" panose="020B0604030504040204" pitchFamily="34" charset="-120"/>
+                          <a:ea typeface="微軟正黑體" panose="020B0604030504040204" pitchFamily="34" charset="-120"/>
+                        </a:rPr>
+                        <a:t>bookstore(O)</a:t>
+                      </a:r>
+                    </a:p>
+                    <a:p>
+                      <a:pPr algn="l"/>
+                      <a:r>
+                        <a:rPr lang="en-US" altLang="zh-TW" dirty="0">
+                          <a:effectLst/>
+                          <a:latin typeface="微軟正黑體" panose="020B0604030504040204" pitchFamily="34" charset="-120"/>
+                          <a:ea typeface="微軟正黑體" panose="020B0604030504040204" pitchFamily="34" charset="-120"/>
+                        </a:rPr>
+                        <a:t>book(X)</a:t>
+                      </a:r>
+                      <a:endParaRPr lang="zh-TW" altLang="en-US" dirty="0">
+                        <a:effectLst/>
+                        <a:latin typeface="微軟正黑體" panose="020B0604030504040204" pitchFamily="34" charset="-120"/>
+                        <a:ea typeface="微軟正黑體" panose="020B0604030504040204" pitchFamily="34" charset="-120"/>
+                      </a:endParaRPr>
                     </a:p>
                   </a:txBody>
                   <a:tcPr marL="76200" marR="76200" marT="76200" marB="76200" anchor="ctr">
@@ -32953,6 +33126,8 @@
                       <a:r>
                         <a:rPr lang="en-US" altLang="zh-TW">
                           <a:effectLst/>
+                          <a:latin typeface="微軟正黑體" panose="020B0604030504040204" pitchFamily="34" charset="-120"/>
+                          <a:ea typeface="微軟正黑體" panose="020B0604030504040204" pitchFamily="34" charset="-120"/>
                         </a:rPr>
                         <a:t>/</a:t>
                       </a:r>
@@ -33007,23 +33182,103 @@
                     <a:p>
                       <a:pPr algn="l"/>
                       <a:r>
-                        <a:rPr lang="zh-TW" altLang="en-US">
+                        <a:rPr lang="zh-TW" altLang="en-US" dirty="0">
                           <a:effectLst/>
+                          <a:latin typeface="微軟正黑體" panose="020B0604030504040204" pitchFamily="34" charset="-120"/>
+                          <a:ea typeface="微軟正黑體" panose="020B0604030504040204" pitchFamily="34" charset="-120"/>
                         </a:rPr>
                         <a:t>從</a:t>
                       </a:r>
                       <a:r>
-                        <a:rPr lang="en-US">
+                        <a:rPr lang="en-US" dirty="0">
                           <a:effectLst/>
+                          <a:latin typeface="微軟正黑體" panose="020B0604030504040204" pitchFamily="34" charset="-120"/>
+                          <a:ea typeface="微軟正黑體" panose="020B0604030504040204" pitchFamily="34" charset="-120"/>
                         </a:rPr>
                         <a:t>root node</a:t>
                       </a:r>
                       <a:r>
-                        <a:rPr lang="zh-TW" altLang="en-US">
+                        <a:rPr lang="zh-TW" altLang="en-US" dirty="0">
                           <a:effectLst/>
+                          <a:latin typeface="微軟正黑體" panose="020B0604030504040204" pitchFamily="34" charset="-120"/>
+                          <a:ea typeface="微軟正黑體" panose="020B0604030504040204" pitchFamily="34" charset="-120"/>
                         </a:rPr>
                         <a:t>開始選取</a:t>
                       </a:r>
+                    </a:p>
+                  </a:txBody>
+                  <a:tcPr marL="76200" marR="76200" marT="76200" marB="76200" anchor="ctr">
+                    <a:lnL w="9525" cap="flat" cmpd="sng" algn="ctr">
+                      <a:solidFill>
+                        <a:srgbClr val="666666"/>
+                      </a:solidFill>
+                      <a:prstDash val="solid"/>
+                      <a:round/>
+                      <a:headEnd type="none" w="med" len="med"/>
+                      <a:tailEnd type="none" w="med" len="med"/>
+                    </a:lnL>
+                    <a:lnR w="9525" cap="flat" cmpd="sng" algn="ctr">
+                      <a:solidFill>
+                        <a:srgbClr val="666666"/>
+                      </a:solidFill>
+                      <a:prstDash val="solid"/>
+                      <a:round/>
+                      <a:headEnd type="none" w="med" len="med"/>
+                      <a:tailEnd type="none" w="med" len="med"/>
+                    </a:lnR>
+                    <a:lnT w="9525" cap="flat" cmpd="sng" algn="ctr">
+                      <a:solidFill>
+                        <a:srgbClr val="666666"/>
+                      </a:solidFill>
+                      <a:prstDash val="solid"/>
+                      <a:round/>
+                      <a:headEnd type="none" w="med" len="med"/>
+                      <a:tailEnd type="none" w="med" len="med"/>
+                    </a:lnT>
+                    <a:lnB w="9525" cap="flat" cmpd="sng" algn="ctr">
+                      <a:solidFill>
+                        <a:srgbClr val="666666"/>
+                      </a:solidFill>
+                      <a:prstDash val="solid"/>
+                      <a:round/>
+                      <a:headEnd type="none" w="med" len="med"/>
+                      <a:tailEnd type="none" w="med" len="med"/>
+                    </a:lnB>
+                    <a:solidFill>
+                      <a:srgbClr val="111111"/>
+                    </a:solidFill>
+                  </a:tcPr>
+                </a:tc>
+                <a:tc>
+                  <a:txBody>
+                    <a:bodyPr/>
+                    <a:lstStyle/>
+                    <a:p>
+                      <a:pPr algn="l"/>
+                      <a:r>
+                        <a:rPr lang="en-US" altLang="zh-TW" dirty="0">
+                          <a:effectLst/>
+                          <a:latin typeface="微軟正黑體" panose="020B0604030504040204" pitchFamily="34" charset="-120"/>
+                          <a:ea typeface="微軟正黑體" panose="020B0604030504040204" pitchFamily="34" charset="-120"/>
+                        </a:rPr>
+                        <a:t>/bookstore(O)</a:t>
+                      </a:r>
+                    </a:p>
+                    <a:p>
+                      <a:pPr algn="l"/>
+                      <a:r>
+                        <a:rPr lang="en-US" altLang="zh-TW" dirty="0">
+                          <a:effectLst/>
+                          <a:latin typeface="微軟正黑體" panose="020B0604030504040204" pitchFamily="34" charset="-120"/>
+                          <a:ea typeface="微軟正黑體" panose="020B0604030504040204" pitchFamily="34" charset="-120"/>
+                        </a:rPr>
+                        <a:t>/book(X)</a:t>
+                      </a:r>
+                      <a:endParaRPr lang="zh-TW" altLang="en-US" dirty="0">
+                        <a:effectLst/>
+                        <a:latin typeface="微軟正黑體" panose="020B0604030504040204" pitchFamily="34" charset="-120"/>
+                        <a:ea typeface="微軟正黑體" panose="020B0604030504040204" pitchFamily="34" charset="-120"/>
+                      </a:endParaRPr>
                     </a:p>
                   </a:txBody>
                   <a:tcPr marL="76200" marR="76200" marT="76200" marB="76200" anchor="ctr">
@@ -33084,6 +33339,8 @@
                       <a:r>
                         <a:rPr lang="en-US" altLang="zh-TW">
                           <a:effectLst/>
+                          <a:latin typeface="微軟正黑體" panose="020B0604030504040204" pitchFamily="34" charset="-120"/>
+                          <a:ea typeface="微軟正黑體" panose="020B0604030504040204" pitchFamily="34" charset="-120"/>
                         </a:rPr>
                         <a:t>//</a:t>
                       </a:r>
@@ -33138,11 +33395,98 @@
                     <a:p>
                       <a:pPr algn="l"/>
                       <a:r>
-                        <a:rPr lang="zh-TW" altLang="en-US">
+                        <a:rPr lang="zh-TW" altLang="en-US" dirty="0">
                           <a:effectLst/>
+                          <a:latin typeface="微軟正黑體" panose="020B0604030504040204" pitchFamily="34" charset="-120"/>
+                          <a:ea typeface="微軟正黑體" panose="020B0604030504040204" pitchFamily="34" charset="-120"/>
                         </a:rPr>
-                        <a:t>選取目前節點下所有的節點</a:t>
+                        <a:t>選取目前所有的節點</a:t>
                       </a:r>
+                    </a:p>
+                  </a:txBody>
+                  <a:tcPr marL="76200" marR="76200" marT="76200" marB="76200" anchor="ctr">
+                    <a:lnL w="9525" cap="flat" cmpd="sng" algn="ctr">
+                      <a:solidFill>
+                        <a:srgbClr val="666666"/>
+                      </a:solidFill>
+                      <a:prstDash val="solid"/>
+                      <a:round/>
+                      <a:headEnd type="none" w="med" len="med"/>
+                      <a:tailEnd type="none" w="med" len="med"/>
+                    </a:lnL>
+                    <a:lnR w="9525" cap="flat" cmpd="sng" algn="ctr">
+                      <a:solidFill>
+                        <a:srgbClr val="666666"/>
+                      </a:solidFill>
+                      <a:prstDash val="solid"/>
+                      <a:round/>
+                      <a:headEnd type="none" w="med" len="med"/>
+                      <a:tailEnd type="none" w="med" len="med"/>
+                    </a:lnR>
+                    <a:lnT w="9525" cap="flat" cmpd="sng" algn="ctr">
+                      <a:solidFill>
+                        <a:srgbClr val="666666"/>
+                      </a:solidFill>
+                      <a:prstDash val="solid"/>
+                      <a:round/>
+                      <a:headEnd type="none" w="med" len="med"/>
+                      <a:tailEnd type="none" w="med" len="med"/>
+                    </a:lnT>
+                    <a:lnB w="9525" cap="flat" cmpd="sng" algn="ctr">
+                      <a:solidFill>
+                        <a:srgbClr val="666666"/>
+                      </a:solidFill>
+                      <a:prstDash val="solid"/>
+                      <a:round/>
+                      <a:headEnd type="none" w="med" len="med"/>
+                      <a:tailEnd type="none" w="med" len="med"/>
+                    </a:lnB>
+                    <a:solidFill>
+                      <a:srgbClr val="111111"/>
+                    </a:solidFill>
+                  </a:tcPr>
+                </a:tc>
+                <a:tc>
+                  <a:txBody>
+                    <a:bodyPr/>
+                    <a:lstStyle/>
+                    <a:p>
+                      <a:pPr algn="l"/>
+                      <a:r>
+                        <a:rPr lang="en-US" altLang="zh-TW" dirty="0">
+                          <a:effectLst/>
+                          <a:latin typeface="微軟正黑體" panose="020B0604030504040204" pitchFamily="34" charset="-120"/>
+                          <a:ea typeface="微軟正黑體" panose="020B0604030504040204" pitchFamily="34" charset="-120"/>
+                        </a:rPr>
+                        <a:t>//bookstore(O)</a:t>
+                      </a:r>
+                    </a:p>
+                    <a:p>
+                      <a:pPr algn="l"/>
+                      <a:r>
+                        <a:rPr lang="en-US" altLang="zh-TW" dirty="0">
+                          <a:effectLst/>
+                          <a:latin typeface="微軟正黑體" panose="020B0604030504040204" pitchFamily="34" charset="-120"/>
+                          <a:ea typeface="微軟正黑體" panose="020B0604030504040204" pitchFamily="34" charset="-120"/>
+                        </a:rPr>
+                        <a:t>//book(O)</a:t>
+                      </a:r>
+                    </a:p>
+                    <a:p>
+                      <a:pPr algn="l"/>
+                      <a:r>
+                        <a:rPr lang="en-US" altLang="zh-TW" dirty="0">
+                          <a:effectLst/>
+                          <a:latin typeface="微軟正黑體" panose="020B0604030504040204" pitchFamily="34" charset="-120"/>
+                          <a:ea typeface="微軟正黑體" panose="020B0604030504040204" pitchFamily="34" charset="-120"/>
+                        </a:rPr>
+                        <a:t>//title(O)</a:t>
+                      </a:r>
+                      <a:endParaRPr lang="zh-TW" altLang="en-US" dirty="0">
+                        <a:effectLst/>
+                        <a:latin typeface="微軟正黑體" panose="020B0604030504040204" pitchFamily="34" charset="-120"/>
+                        <a:ea typeface="微軟正黑體" panose="020B0604030504040204" pitchFamily="34" charset="-120"/>
+                      </a:endParaRPr>
                     </a:p>
                   </a:txBody>
                   <a:tcPr marL="76200" marR="76200" marT="76200" marB="76200" anchor="ctr">
@@ -33203,250 +33547,8 @@
                       <a:r>
                         <a:rPr lang="en-US" altLang="zh-TW">
                           <a:effectLst/>
-                        </a:rPr>
-                        <a:t>.</a:t>
-                      </a:r>
-                    </a:p>
-                  </a:txBody>
-                  <a:tcPr marL="76200" marR="76200" marT="76200" marB="76200" anchor="ctr">
-                    <a:lnL w="9525" cap="flat" cmpd="sng" algn="ctr">
-                      <a:solidFill>
-                        <a:srgbClr val="666666"/>
-                      </a:solidFill>
-                      <a:prstDash val="solid"/>
-                      <a:round/>
-                      <a:headEnd type="none" w="med" len="med"/>
-                      <a:tailEnd type="none" w="med" len="med"/>
-                    </a:lnL>
-                    <a:lnR w="9525" cap="flat" cmpd="sng" algn="ctr">
-                      <a:solidFill>
-                        <a:srgbClr val="666666"/>
-                      </a:solidFill>
-                      <a:prstDash val="solid"/>
-                      <a:round/>
-                      <a:headEnd type="none" w="med" len="med"/>
-                      <a:tailEnd type="none" w="med" len="med"/>
-                    </a:lnR>
-                    <a:lnT w="9525" cap="flat" cmpd="sng" algn="ctr">
-                      <a:solidFill>
-                        <a:srgbClr val="666666"/>
-                      </a:solidFill>
-                      <a:prstDash val="solid"/>
-                      <a:round/>
-                      <a:headEnd type="none" w="med" len="med"/>
-                      <a:tailEnd type="none" w="med" len="med"/>
-                    </a:lnT>
-                    <a:lnB w="9525" cap="flat" cmpd="sng" algn="ctr">
-                      <a:solidFill>
-                        <a:srgbClr val="666666"/>
-                      </a:solidFill>
-                      <a:prstDash val="solid"/>
-                      <a:round/>
-                      <a:headEnd type="none" w="med" len="med"/>
-                      <a:tailEnd type="none" w="med" len="med"/>
-                    </a:lnB>
-                    <a:solidFill>
-                      <a:srgbClr val="111111"/>
-                    </a:solidFill>
-                  </a:tcPr>
-                </a:tc>
-                <a:tc>
-                  <a:txBody>
-                    <a:bodyPr/>
-                    <a:lstStyle/>
-                    <a:p>
-                      <a:pPr algn="l"/>
-                      <a:r>
-                        <a:rPr lang="zh-TW" altLang="en-US">
-                          <a:effectLst/>
-                        </a:rPr>
-                        <a:t>從目前的節點選取</a:t>
-                      </a:r>
-                    </a:p>
-                  </a:txBody>
-                  <a:tcPr marL="76200" marR="76200" marT="76200" marB="76200" anchor="ctr">
-                    <a:lnL w="9525" cap="flat" cmpd="sng" algn="ctr">
-                      <a:solidFill>
-                        <a:srgbClr val="666666"/>
-                      </a:solidFill>
-                      <a:prstDash val="solid"/>
-                      <a:round/>
-                      <a:headEnd type="none" w="med" len="med"/>
-                      <a:tailEnd type="none" w="med" len="med"/>
-                    </a:lnL>
-                    <a:lnR w="9525" cap="flat" cmpd="sng" algn="ctr">
-                      <a:solidFill>
-                        <a:srgbClr val="666666"/>
-                      </a:solidFill>
-                      <a:prstDash val="solid"/>
-                      <a:round/>
-                      <a:headEnd type="none" w="med" len="med"/>
-                      <a:tailEnd type="none" w="med" len="med"/>
-                    </a:lnR>
-                    <a:lnT w="9525" cap="flat" cmpd="sng" algn="ctr">
-                      <a:solidFill>
-                        <a:srgbClr val="666666"/>
-                      </a:solidFill>
-                      <a:prstDash val="solid"/>
-                      <a:round/>
-                      <a:headEnd type="none" w="med" len="med"/>
-                      <a:tailEnd type="none" w="med" len="med"/>
-                    </a:lnT>
-                    <a:lnB w="9525" cap="flat" cmpd="sng" algn="ctr">
-                      <a:solidFill>
-                        <a:srgbClr val="666666"/>
-                      </a:solidFill>
-                      <a:prstDash val="solid"/>
-                      <a:round/>
-                      <a:headEnd type="none" w="med" len="med"/>
-                      <a:tailEnd type="none" w="med" len="med"/>
-                    </a:lnB>
-                    <a:solidFill>
-                      <a:srgbClr val="111111"/>
-                    </a:solidFill>
-                  </a:tcPr>
-                </a:tc>
-                <a:extLst>
-                  <a:ext uri="{0D108BD9-81ED-4DB2-BD59-A6C34878D82A}">
-                    <a16:rowId xmlns:a16="http://schemas.microsoft.com/office/drawing/2014/main" val="3930642143"/>
-                  </a:ext>
-                </a:extLst>
-              </a:tr>
-              <a:tr h="0">
-                <a:tc>
-                  <a:txBody>
-                    <a:bodyPr/>
-                    <a:lstStyle/>
-                    <a:p>
-                      <a:pPr algn="l"/>
-                      <a:r>
-                        <a:rPr lang="en-US" altLang="zh-TW">
-                          <a:effectLst/>
-                        </a:rPr>
-                        <a:t>..</a:t>
-                      </a:r>
-                    </a:p>
-                  </a:txBody>
-                  <a:tcPr marL="76200" marR="76200" marT="76200" marB="76200" anchor="ctr">
-                    <a:lnL w="9525" cap="flat" cmpd="sng" algn="ctr">
-                      <a:solidFill>
-                        <a:srgbClr val="666666"/>
-                      </a:solidFill>
-                      <a:prstDash val="solid"/>
-                      <a:round/>
-                      <a:headEnd type="none" w="med" len="med"/>
-                      <a:tailEnd type="none" w="med" len="med"/>
-                    </a:lnL>
-                    <a:lnR w="9525" cap="flat" cmpd="sng" algn="ctr">
-                      <a:solidFill>
-                        <a:srgbClr val="666666"/>
-                      </a:solidFill>
-                      <a:prstDash val="solid"/>
-                      <a:round/>
-                      <a:headEnd type="none" w="med" len="med"/>
-                      <a:tailEnd type="none" w="med" len="med"/>
-                    </a:lnR>
-                    <a:lnT w="9525" cap="flat" cmpd="sng" algn="ctr">
-                      <a:solidFill>
-                        <a:srgbClr val="666666"/>
-                      </a:solidFill>
-                      <a:prstDash val="solid"/>
-                      <a:round/>
-                      <a:headEnd type="none" w="med" len="med"/>
-                      <a:tailEnd type="none" w="med" len="med"/>
-                    </a:lnT>
-                    <a:lnB w="9525" cap="flat" cmpd="sng" algn="ctr">
-                      <a:solidFill>
-                        <a:srgbClr val="666666"/>
-                      </a:solidFill>
-                      <a:prstDash val="solid"/>
-                      <a:round/>
-                      <a:headEnd type="none" w="med" len="med"/>
-                      <a:tailEnd type="none" w="med" len="med"/>
-                    </a:lnB>
-                    <a:solidFill>
-                      <a:srgbClr val="111111"/>
-                    </a:solidFill>
-                  </a:tcPr>
-                </a:tc>
-                <a:tc>
-                  <a:txBody>
-                    <a:bodyPr/>
-                    <a:lstStyle/>
-                    <a:p>
-                      <a:pPr algn="l"/>
-                      <a:r>
-                        <a:rPr lang="zh-TW" altLang="en-US">
-                          <a:effectLst/>
-                        </a:rPr>
-                        <a:t>選取目前節點的</a:t>
-                      </a:r>
-                      <a:r>
-                        <a:rPr lang="en-US" altLang="zh-TW">
-                          <a:effectLst/>
-                        </a:rPr>
-                        <a:t>parent</a:t>
-                      </a:r>
-                    </a:p>
-                  </a:txBody>
-                  <a:tcPr marL="76200" marR="76200" marT="76200" marB="76200" anchor="ctr">
-                    <a:lnL w="9525" cap="flat" cmpd="sng" algn="ctr">
-                      <a:solidFill>
-                        <a:srgbClr val="666666"/>
-                      </a:solidFill>
-                      <a:prstDash val="solid"/>
-                      <a:round/>
-                      <a:headEnd type="none" w="med" len="med"/>
-                      <a:tailEnd type="none" w="med" len="med"/>
-                    </a:lnL>
-                    <a:lnR w="9525" cap="flat" cmpd="sng" algn="ctr">
-                      <a:solidFill>
-                        <a:srgbClr val="666666"/>
-                      </a:solidFill>
-                      <a:prstDash val="solid"/>
-                      <a:round/>
-                      <a:headEnd type="none" w="med" len="med"/>
-                      <a:tailEnd type="none" w="med" len="med"/>
-                    </a:lnR>
-                    <a:lnT w="9525" cap="flat" cmpd="sng" algn="ctr">
-                      <a:solidFill>
-                        <a:srgbClr val="666666"/>
-                      </a:solidFill>
-                      <a:prstDash val="solid"/>
-                      <a:round/>
-                      <a:headEnd type="none" w="med" len="med"/>
-                      <a:tailEnd type="none" w="med" len="med"/>
-                    </a:lnT>
-                    <a:lnB w="9525" cap="flat" cmpd="sng" algn="ctr">
-                      <a:solidFill>
-                        <a:srgbClr val="666666"/>
-                      </a:solidFill>
-                      <a:prstDash val="solid"/>
-                      <a:round/>
-                      <a:headEnd type="none" w="med" len="med"/>
-                      <a:tailEnd type="none" w="med" len="med"/>
-                    </a:lnB>
-                    <a:solidFill>
-                      <a:srgbClr val="111111"/>
-                    </a:solidFill>
-                  </a:tcPr>
-                </a:tc>
-                <a:extLst>
-                  <a:ext uri="{0D108BD9-81ED-4DB2-BD59-A6C34878D82A}">
-                    <a16:rowId xmlns:a16="http://schemas.microsoft.com/office/drawing/2014/main" val="969766417"/>
-                  </a:ext>
-                </a:extLst>
-              </a:tr>
-              <a:tr h="0">
-                <a:tc>
-                  <a:txBody>
-                    <a:bodyPr/>
-                    <a:lstStyle/>
-                    <a:p>
-                      <a:pPr algn="l"/>
-                      <a:r>
-                        <a:rPr lang="en-US" altLang="zh-TW">
-                          <a:effectLst/>
+                          <a:latin typeface="微軟正黑體" panose="020B0604030504040204" pitchFamily="34" charset="-120"/>
+                          <a:ea typeface="微軟正黑體" panose="020B0604030504040204" pitchFamily="34" charset="-120"/>
                         </a:rPr>
                         <a:t>@</a:t>
                       </a:r>
@@ -33503,15 +33605,112 @@
                       <a:r>
                         <a:rPr lang="zh-TW" altLang="en-US" dirty="0">
                           <a:effectLst/>
+                          <a:latin typeface="微軟正黑體" panose="020B0604030504040204" pitchFamily="34" charset="-120"/>
+                          <a:ea typeface="微軟正黑體" panose="020B0604030504040204" pitchFamily="34" charset="-120"/>
                         </a:rPr>
                         <a:t>選取</a:t>
                       </a:r>
                       <a:r>
                         <a:rPr lang="en-US" dirty="0">
                           <a:effectLst/>
+                          <a:latin typeface="微軟正黑體" panose="020B0604030504040204" pitchFamily="34" charset="-120"/>
+                          <a:ea typeface="微軟正黑體" panose="020B0604030504040204" pitchFamily="34" charset="-120"/>
                         </a:rPr>
                         <a:t>attribute</a:t>
                       </a:r>
+                    </a:p>
+                  </a:txBody>
+                  <a:tcPr marL="76200" marR="76200" marT="76200" marB="76200" anchor="ctr">
+                    <a:lnL w="9525" cap="flat" cmpd="sng" algn="ctr">
+                      <a:solidFill>
+                        <a:srgbClr val="666666"/>
+                      </a:solidFill>
+                      <a:prstDash val="solid"/>
+                      <a:round/>
+                      <a:headEnd type="none" w="med" len="med"/>
+                      <a:tailEnd type="none" w="med" len="med"/>
+                    </a:lnL>
+                    <a:lnR w="9525" cap="flat" cmpd="sng" algn="ctr">
+                      <a:solidFill>
+                        <a:srgbClr val="666666"/>
+                      </a:solidFill>
+                      <a:prstDash val="solid"/>
+                      <a:round/>
+                      <a:headEnd type="none" w="med" len="med"/>
+                      <a:tailEnd type="none" w="med" len="med"/>
+                    </a:lnR>
+                    <a:lnT w="9525" cap="flat" cmpd="sng" algn="ctr">
+                      <a:solidFill>
+                        <a:srgbClr val="666666"/>
+                      </a:solidFill>
+                      <a:prstDash val="solid"/>
+                      <a:round/>
+                      <a:headEnd type="none" w="med" len="med"/>
+                      <a:tailEnd type="none" w="med" len="med"/>
+                    </a:lnT>
+                    <a:lnB w="9525" cap="flat" cmpd="sng" algn="ctr">
+                      <a:solidFill>
+                        <a:srgbClr val="666666"/>
+                      </a:solidFill>
+                      <a:prstDash val="solid"/>
+                      <a:round/>
+                      <a:headEnd type="none" w="med" len="med"/>
+                      <a:tailEnd type="none" w="med" len="med"/>
+                    </a:lnB>
+                    <a:solidFill>
+                      <a:srgbClr val="111111"/>
+                    </a:solidFill>
+                  </a:tcPr>
+                </a:tc>
+                <a:tc>
+                  <a:txBody>
+                    <a:bodyPr/>
+                    <a:lstStyle/>
+                    <a:p>
+                      <a:pPr algn="l"/>
+                      <a:r>
+                        <a:rPr lang="en-US" dirty="0">
+                          <a:effectLst/>
+                          <a:latin typeface="微軟正黑體" panose="020B0604030504040204" pitchFamily="34" charset="-120"/>
+                          <a:ea typeface="微軟正黑體" panose="020B0604030504040204" pitchFamily="34" charset="-120"/>
+                        </a:rPr>
+                        <a:t>//title[@lang]</a:t>
+                      </a:r>
+                    </a:p>
+                    <a:p>
+                      <a:pPr marL="0" marR="0" lvl="0" indent="0" algn="l" defTabSz="914400" rtl="0" eaLnBrk="1" fontAlgn="auto" latinLnBrk="0" hangingPunct="1">
+                        <a:lnSpc>
+                          <a:spcPct val="100000"/>
+                        </a:lnSpc>
+                        <a:spcBef>
+                          <a:spcPts val="0"/>
+                        </a:spcBef>
+                        <a:spcAft>
+                          <a:spcPts val="0"/>
+                        </a:spcAft>
+                        <a:buClrTx/>
+                        <a:buSzTx/>
+                        <a:buFontTx/>
+                        <a:buNone/>
+                        <a:tabLst/>
+                        <a:defRPr/>
+                      </a:pPr>
+                      <a:r>
+                        <a:rPr lang="en-US" altLang="zh-TW" dirty="0">
+                          <a:effectLst/>
+                          <a:latin typeface="微軟正黑體" panose="020B0604030504040204" pitchFamily="34" charset="-120"/>
+                          <a:ea typeface="微軟正黑體" panose="020B0604030504040204" pitchFamily="34" charset="-120"/>
+                        </a:rPr>
+                        <a:t>//title[@lang=‘en’]</a:t>
+                      </a:r>
+                    </a:p>
+                    <a:p>
+                      <a:pPr algn="l"/>
+                      <a:endParaRPr lang="en-US" dirty="0">
+                        <a:effectLst/>
+                        <a:latin typeface="微軟正黑體" panose="020B0604030504040204" pitchFamily="34" charset="-120"/>
+                        <a:ea typeface="微軟正黑體" panose="020B0604030504040204" pitchFamily="34" charset="-120"/>
+                      </a:endParaRPr>
                     </a:p>
                   </a:txBody>
                   <a:tcPr marL="76200" marR="76200" marT="76200" marB="76200" anchor="ctr">
@@ -33562,6 +33761,647 @@
                   </a:ext>
                 </a:extLst>
               </a:tr>
+              <a:tr h="0">
+                <a:tc>
+                  <a:txBody>
+                    <a:bodyPr/>
+                    <a:lstStyle/>
+                    <a:p>
+                      <a:pPr algn="l"/>
+                      <a:r>
+                        <a:rPr lang="en-US" altLang="zh-TW" dirty="0">
+                          <a:effectLst/>
+                          <a:latin typeface="微軟正黑體" panose="020B0604030504040204" pitchFamily="34" charset="-120"/>
+                          <a:ea typeface="微軟正黑體" panose="020B0604030504040204" pitchFamily="34" charset="-120"/>
+                        </a:rPr>
+                        <a:t>[n]</a:t>
+                      </a:r>
+                    </a:p>
+                  </a:txBody>
+                  <a:tcPr marL="76200" marR="76200" marT="76200" marB="76200" anchor="ctr">
+                    <a:lnL w="9525" cap="flat" cmpd="sng" algn="ctr">
+                      <a:solidFill>
+                        <a:srgbClr val="666666"/>
+                      </a:solidFill>
+                      <a:prstDash val="solid"/>
+                      <a:round/>
+                      <a:headEnd type="none" w="med" len="med"/>
+                      <a:tailEnd type="none" w="med" len="med"/>
+                    </a:lnL>
+                    <a:lnR w="9525" cap="flat" cmpd="sng" algn="ctr">
+                      <a:solidFill>
+                        <a:srgbClr val="666666"/>
+                      </a:solidFill>
+                      <a:prstDash val="solid"/>
+                      <a:round/>
+                      <a:headEnd type="none" w="med" len="med"/>
+                      <a:tailEnd type="none" w="med" len="med"/>
+                    </a:lnR>
+                    <a:lnT w="9525" cap="flat" cmpd="sng" algn="ctr">
+                      <a:solidFill>
+                        <a:srgbClr val="666666"/>
+                      </a:solidFill>
+                      <a:prstDash val="solid"/>
+                      <a:round/>
+                      <a:headEnd type="none" w="med" len="med"/>
+                      <a:tailEnd type="none" w="med" len="med"/>
+                    </a:lnT>
+                    <a:lnB w="9525" cap="flat" cmpd="sng" algn="ctr">
+                      <a:solidFill>
+                        <a:srgbClr val="666666"/>
+                      </a:solidFill>
+                      <a:prstDash val="solid"/>
+                      <a:round/>
+                      <a:headEnd type="none" w="med" len="med"/>
+                      <a:tailEnd type="none" w="med" len="med"/>
+                    </a:lnB>
+                    <a:solidFill>
+                      <a:srgbClr val="111111"/>
+                    </a:solidFill>
+                  </a:tcPr>
+                </a:tc>
+                <a:tc>
+                  <a:txBody>
+                    <a:bodyPr/>
+                    <a:lstStyle/>
+                    <a:p>
+                      <a:pPr algn="l"/>
+                      <a:r>
+                        <a:rPr lang="zh-TW" altLang="en-US" dirty="0">
+                          <a:effectLst/>
+                          <a:latin typeface="微軟正黑體" panose="020B0604030504040204" pitchFamily="34" charset="-120"/>
+                          <a:ea typeface="微軟正黑體" panose="020B0604030504040204" pitchFamily="34" charset="-120"/>
+                        </a:rPr>
+                        <a:t>選取第</a:t>
+                      </a:r>
+                      <a:r>
+                        <a:rPr lang="en-US" altLang="zh-TW" dirty="0">
+                          <a:effectLst/>
+                          <a:latin typeface="微軟正黑體" panose="020B0604030504040204" pitchFamily="34" charset="-120"/>
+                          <a:ea typeface="微軟正黑體" panose="020B0604030504040204" pitchFamily="34" charset="-120"/>
+                        </a:rPr>
+                        <a:t>n</a:t>
+                      </a:r>
+                      <a:r>
+                        <a:rPr lang="zh-TW" altLang="en-US" dirty="0">
+                          <a:effectLst/>
+                          <a:latin typeface="微軟正黑體" panose="020B0604030504040204" pitchFamily="34" charset="-120"/>
+                          <a:ea typeface="微軟正黑體" panose="020B0604030504040204" pitchFamily="34" charset="-120"/>
+                        </a:rPr>
+                        <a:t>個節點</a:t>
+                      </a:r>
+                      <a:r>
+                        <a:rPr lang="en-US" altLang="zh-TW" dirty="0">
+                          <a:effectLst/>
+                          <a:latin typeface="微軟正黑體" panose="020B0604030504040204" pitchFamily="34" charset="-120"/>
+                          <a:ea typeface="微軟正黑體" panose="020B0604030504040204" pitchFamily="34" charset="-120"/>
+                        </a:rPr>
+                        <a:t>(</a:t>
+                      </a:r>
+                      <a:r>
+                        <a:rPr lang="zh-TW" altLang="en-US" dirty="0">
+                          <a:effectLst/>
+                          <a:latin typeface="微軟正黑體" panose="020B0604030504040204" pitchFamily="34" charset="-120"/>
+                          <a:ea typeface="微軟正黑體" panose="020B0604030504040204" pitchFamily="34" charset="-120"/>
+                        </a:rPr>
+                        <a:t>要放對位置</a:t>
+                      </a:r>
+                      <a:r>
+                        <a:rPr lang="en-US" altLang="zh-TW" dirty="0">
+                          <a:effectLst/>
+                          <a:latin typeface="微軟正黑體" panose="020B0604030504040204" pitchFamily="34" charset="-120"/>
+                          <a:ea typeface="微軟正黑體" panose="020B0604030504040204" pitchFamily="34" charset="-120"/>
+                        </a:rPr>
+                        <a:t>)</a:t>
+                      </a:r>
+                      <a:endParaRPr lang="en-US" dirty="0">
+                        <a:effectLst/>
+                        <a:latin typeface="微軟正黑體" panose="020B0604030504040204" pitchFamily="34" charset="-120"/>
+                        <a:ea typeface="微軟正黑體" panose="020B0604030504040204" pitchFamily="34" charset="-120"/>
+                      </a:endParaRPr>
+                    </a:p>
+                  </a:txBody>
+                  <a:tcPr marL="76200" marR="76200" marT="76200" marB="76200" anchor="ctr">
+                    <a:lnL w="9525" cap="flat" cmpd="sng" algn="ctr">
+                      <a:solidFill>
+                        <a:srgbClr val="666666"/>
+                      </a:solidFill>
+                      <a:prstDash val="solid"/>
+                      <a:round/>
+                      <a:headEnd type="none" w="med" len="med"/>
+                      <a:tailEnd type="none" w="med" len="med"/>
+                    </a:lnL>
+                    <a:lnR w="9525" cap="flat" cmpd="sng" algn="ctr">
+                      <a:solidFill>
+                        <a:srgbClr val="666666"/>
+                      </a:solidFill>
+                      <a:prstDash val="solid"/>
+                      <a:round/>
+                      <a:headEnd type="none" w="med" len="med"/>
+                      <a:tailEnd type="none" w="med" len="med"/>
+                    </a:lnR>
+                    <a:lnT w="9525" cap="flat" cmpd="sng" algn="ctr">
+                      <a:solidFill>
+                        <a:srgbClr val="666666"/>
+                      </a:solidFill>
+                      <a:prstDash val="solid"/>
+                      <a:round/>
+                      <a:headEnd type="none" w="med" len="med"/>
+                      <a:tailEnd type="none" w="med" len="med"/>
+                    </a:lnT>
+                    <a:lnB w="9525" cap="flat" cmpd="sng" algn="ctr">
+                      <a:solidFill>
+                        <a:srgbClr val="666666"/>
+                      </a:solidFill>
+                      <a:prstDash val="solid"/>
+                      <a:round/>
+                      <a:headEnd type="none" w="med" len="med"/>
+                      <a:tailEnd type="none" w="med" len="med"/>
+                    </a:lnB>
+                    <a:solidFill>
+                      <a:srgbClr val="111111"/>
+                    </a:solidFill>
+                  </a:tcPr>
+                </a:tc>
+                <a:tc>
+                  <a:txBody>
+                    <a:bodyPr/>
+                    <a:lstStyle/>
+                    <a:p>
+                      <a:pPr algn="l"/>
+                      <a:r>
+                        <a:rPr lang="en-US" dirty="0">
+                          <a:effectLst/>
+                          <a:latin typeface="微軟正黑體" panose="020B0604030504040204" pitchFamily="34" charset="-120"/>
+                          <a:ea typeface="微軟正黑體" panose="020B0604030504040204" pitchFamily="34" charset="-120"/>
+                        </a:rPr>
+                        <a:t>//book[1]/title</a:t>
+                      </a:r>
+                    </a:p>
+                  </a:txBody>
+                  <a:tcPr marL="76200" marR="76200" marT="76200" marB="76200" anchor="ctr">
+                    <a:lnL w="9525" cap="flat" cmpd="sng" algn="ctr">
+                      <a:solidFill>
+                        <a:srgbClr val="666666"/>
+                      </a:solidFill>
+                      <a:prstDash val="solid"/>
+                      <a:round/>
+                      <a:headEnd type="none" w="med" len="med"/>
+                      <a:tailEnd type="none" w="med" len="med"/>
+                    </a:lnL>
+                    <a:lnR w="9525" cap="flat" cmpd="sng" algn="ctr">
+                      <a:solidFill>
+                        <a:srgbClr val="666666"/>
+                      </a:solidFill>
+                      <a:prstDash val="solid"/>
+                      <a:round/>
+                      <a:headEnd type="none" w="med" len="med"/>
+                      <a:tailEnd type="none" w="med" len="med"/>
+                    </a:lnR>
+                    <a:lnT w="9525" cap="flat" cmpd="sng" algn="ctr">
+                      <a:solidFill>
+                        <a:srgbClr val="666666"/>
+                      </a:solidFill>
+                      <a:prstDash val="solid"/>
+                      <a:round/>
+                      <a:headEnd type="none" w="med" len="med"/>
+                      <a:tailEnd type="none" w="med" len="med"/>
+                    </a:lnT>
+                    <a:lnB w="9525" cap="flat" cmpd="sng" algn="ctr">
+                      <a:solidFill>
+                        <a:srgbClr val="666666"/>
+                      </a:solidFill>
+                      <a:prstDash val="solid"/>
+                      <a:round/>
+                      <a:headEnd type="none" w="med" len="med"/>
+                      <a:tailEnd type="none" w="med" len="med"/>
+                    </a:lnB>
+                    <a:solidFill>
+                      <a:srgbClr val="111111"/>
+                    </a:solidFill>
+                  </a:tcPr>
+                </a:tc>
+                <a:extLst>
+                  <a:ext uri="{0D108BD9-81ED-4DB2-BD59-A6C34878D82A}">
+                    <a16:rowId xmlns:a16="http://schemas.microsoft.com/office/drawing/2014/main" val="2350451167"/>
+                  </a:ext>
+                </a:extLst>
+              </a:tr>
+              <a:tr h="0">
+                <a:tc>
+                  <a:txBody>
+                    <a:bodyPr/>
+                    <a:lstStyle/>
+                    <a:p>
+                      <a:pPr algn="l"/>
+                      <a:r>
+                        <a:rPr lang="zh-TW" altLang="en-US" dirty="0">
+                          <a:effectLst/>
+                          <a:latin typeface="微軟正黑體" panose="020B0604030504040204" pitchFamily="34" charset="-120"/>
+                          <a:ea typeface="微軟正黑體" panose="020B0604030504040204" pitchFamily="34" charset="-120"/>
+                        </a:rPr>
+                        <a:t>連續使用</a:t>
+                      </a:r>
+                      <a:endParaRPr lang="en-US" altLang="zh-TW" dirty="0">
+                        <a:effectLst/>
+                        <a:latin typeface="微軟正黑體" panose="020B0604030504040204" pitchFamily="34" charset="-120"/>
+                        <a:ea typeface="微軟正黑體" panose="020B0604030504040204" pitchFamily="34" charset="-120"/>
+                      </a:endParaRPr>
+                    </a:p>
+                  </a:txBody>
+                  <a:tcPr marL="76200" marR="76200" marT="76200" marB="76200" anchor="ctr">
+                    <a:lnL w="9525" cap="flat" cmpd="sng" algn="ctr">
+                      <a:solidFill>
+                        <a:srgbClr val="666666"/>
+                      </a:solidFill>
+                      <a:prstDash val="solid"/>
+                      <a:round/>
+                      <a:headEnd type="none" w="med" len="med"/>
+                      <a:tailEnd type="none" w="med" len="med"/>
+                    </a:lnL>
+                    <a:lnR w="9525" cap="flat" cmpd="sng" algn="ctr">
+                      <a:solidFill>
+                        <a:srgbClr val="666666"/>
+                      </a:solidFill>
+                      <a:prstDash val="solid"/>
+                      <a:round/>
+                      <a:headEnd type="none" w="med" len="med"/>
+                      <a:tailEnd type="none" w="med" len="med"/>
+                    </a:lnR>
+                    <a:lnT w="9525" cap="flat" cmpd="sng" algn="ctr">
+                      <a:solidFill>
+                        <a:srgbClr val="666666"/>
+                      </a:solidFill>
+                      <a:prstDash val="solid"/>
+                      <a:round/>
+                      <a:headEnd type="none" w="med" len="med"/>
+                      <a:tailEnd type="none" w="med" len="med"/>
+                    </a:lnT>
+                    <a:lnB w="9525" cap="flat" cmpd="sng" algn="ctr">
+                      <a:solidFill>
+                        <a:srgbClr val="666666"/>
+                      </a:solidFill>
+                      <a:prstDash val="solid"/>
+                      <a:round/>
+                      <a:headEnd type="none" w="med" len="med"/>
+                      <a:tailEnd type="none" w="med" len="med"/>
+                    </a:lnB>
+                    <a:solidFill>
+                      <a:srgbClr val="111111"/>
+                    </a:solidFill>
+                  </a:tcPr>
+                </a:tc>
+                <a:tc>
+                  <a:txBody>
+                    <a:bodyPr/>
+                    <a:lstStyle/>
+                    <a:p>
+                      <a:pPr algn="l"/>
+                      <a:r>
+                        <a:rPr lang="zh-TW" altLang="en-US" dirty="0">
+                          <a:effectLst/>
+                          <a:latin typeface="微軟正黑體" panose="020B0604030504040204" pitchFamily="34" charset="-120"/>
+                          <a:ea typeface="微軟正黑體" panose="020B0604030504040204" pitchFamily="34" charset="-120"/>
+                        </a:rPr>
+                        <a:t>依路徑找尋節點</a:t>
+                      </a:r>
+                      <a:endParaRPr lang="en-US" dirty="0">
+                        <a:effectLst/>
+                        <a:latin typeface="微軟正黑體" panose="020B0604030504040204" pitchFamily="34" charset="-120"/>
+                        <a:ea typeface="微軟正黑體" panose="020B0604030504040204" pitchFamily="34" charset="-120"/>
+                      </a:endParaRPr>
+                    </a:p>
+                  </a:txBody>
+                  <a:tcPr marL="76200" marR="76200" marT="76200" marB="76200" anchor="ctr">
+                    <a:lnL w="9525" cap="flat" cmpd="sng" algn="ctr">
+                      <a:solidFill>
+                        <a:srgbClr val="666666"/>
+                      </a:solidFill>
+                      <a:prstDash val="solid"/>
+                      <a:round/>
+                      <a:headEnd type="none" w="med" len="med"/>
+                      <a:tailEnd type="none" w="med" len="med"/>
+                    </a:lnL>
+                    <a:lnR w="9525" cap="flat" cmpd="sng" algn="ctr">
+                      <a:solidFill>
+                        <a:srgbClr val="666666"/>
+                      </a:solidFill>
+                      <a:prstDash val="solid"/>
+                      <a:round/>
+                      <a:headEnd type="none" w="med" len="med"/>
+                      <a:tailEnd type="none" w="med" len="med"/>
+                    </a:lnR>
+                    <a:lnT w="9525" cap="flat" cmpd="sng" algn="ctr">
+                      <a:solidFill>
+                        <a:srgbClr val="666666"/>
+                      </a:solidFill>
+                      <a:prstDash val="solid"/>
+                      <a:round/>
+                      <a:headEnd type="none" w="med" len="med"/>
+                      <a:tailEnd type="none" w="med" len="med"/>
+                    </a:lnT>
+                    <a:lnB w="9525" cap="flat" cmpd="sng" algn="ctr">
+                      <a:solidFill>
+                        <a:srgbClr val="666666"/>
+                      </a:solidFill>
+                      <a:prstDash val="solid"/>
+                      <a:round/>
+                      <a:headEnd type="none" w="med" len="med"/>
+                      <a:tailEnd type="none" w="med" len="med"/>
+                    </a:lnB>
+                    <a:solidFill>
+                      <a:srgbClr val="111111"/>
+                    </a:solidFill>
+                  </a:tcPr>
+                </a:tc>
+                <a:tc>
+                  <a:txBody>
+                    <a:bodyPr/>
+                    <a:lstStyle/>
+                    <a:p>
+                      <a:pPr algn="l"/>
+                      <a:r>
+                        <a:rPr lang="en-US" dirty="0">
+                          <a:effectLst/>
+                          <a:latin typeface="微軟正黑體" panose="020B0604030504040204" pitchFamily="34" charset="-120"/>
+                          <a:ea typeface="微軟正黑體" panose="020B0604030504040204" pitchFamily="34" charset="-120"/>
+                        </a:rPr>
+                        <a:t>bookstore/book</a:t>
+                      </a:r>
+                    </a:p>
+                    <a:p>
+                      <a:pPr algn="l"/>
+                      <a:r>
+                        <a:rPr lang="en-US" dirty="0">
+                          <a:effectLst/>
+                          <a:latin typeface="微軟正黑體" panose="020B0604030504040204" pitchFamily="34" charset="-120"/>
+                          <a:ea typeface="微軟正黑體" panose="020B0604030504040204" pitchFamily="34" charset="-120"/>
+                        </a:rPr>
+                        <a:t>//bookstore/book</a:t>
+                      </a:r>
+                    </a:p>
+                    <a:p>
+                      <a:pPr algn="l"/>
+                      <a:r>
+                        <a:rPr lang="en-US" dirty="0">
+                          <a:effectLst/>
+                          <a:latin typeface="微軟正黑體" panose="020B0604030504040204" pitchFamily="34" charset="-120"/>
+                          <a:ea typeface="微軟正黑體" panose="020B0604030504040204" pitchFamily="34" charset="-120"/>
+                        </a:rPr>
+                        <a:t>//bookstore//book</a:t>
+                      </a:r>
+                    </a:p>
+                    <a:p>
+                      <a:pPr algn="l"/>
+                      <a:r>
+                        <a:rPr lang="en-US" dirty="0">
+                          <a:effectLst/>
+                          <a:latin typeface="微軟正黑體" panose="020B0604030504040204" pitchFamily="34" charset="-120"/>
+                          <a:ea typeface="微軟正黑體" panose="020B0604030504040204" pitchFamily="34" charset="-120"/>
+                        </a:rPr>
+                        <a:t>//bookstore/book/title</a:t>
+                      </a:r>
+                    </a:p>
+                  </a:txBody>
+                  <a:tcPr marL="76200" marR="76200" marT="76200" marB="76200" anchor="ctr">
+                    <a:lnL w="9525" cap="flat" cmpd="sng" algn="ctr">
+                      <a:solidFill>
+                        <a:srgbClr val="666666"/>
+                      </a:solidFill>
+                      <a:prstDash val="solid"/>
+                      <a:round/>
+                      <a:headEnd type="none" w="med" len="med"/>
+                      <a:tailEnd type="none" w="med" len="med"/>
+                    </a:lnL>
+                    <a:lnR w="9525" cap="flat" cmpd="sng" algn="ctr">
+                      <a:solidFill>
+                        <a:srgbClr val="666666"/>
+                      </a:solidFill>
+                      <a:prstDash val="solid"/>
+                      <a:round/>
+                      <a:headEnd type="none" w="med" len="med"/>
+                      <a:tailEnd type="none" w="med" len="med"/>
+                    </a:lnR>
+                    <a:lnT w="9525" cap="flat" cmpd="sng" algn="ctr">
+                      <a:solidFill>
+                        <a:srgbClr val="666666"/>
+                      </a:solidFill>
+                      <a:prstDash val="solid"/>
+                      <a:round/>
+                      <a:headEnd type="none" w="med" len="med"/>
+                      <a:tailEnd type="none" w="med" len="med"/>
+                    </a:lnT>
+                    <a:lnB w="9525" cap="flat" cmpd="sng" algn="ctr">
+                      <a:solidFill>
+                        <a:srgbClr val="666666"/>
+                      </a:solidFill>
+                      <a:prstDash val="solid"/>
+                      <a:round/>
+                      <a:headEnd type="none" w="med" len="med"/>
+                      <a:tailEnd type="none" w="med" len="med"/>
+                    </a:lnB>
+                    <a:solidFill>
+                      <a:srgbClr val="111111"/>
+                    </a:solidFill>
+                  </a:tcPr>
+                </a:tc>
+                <a:extLst>
+                  <a:ext uri="{0D108BD9-81ED-4DB2-BD59-A6C34878D82A}">
+                    <a16:rowId xmlns:a16="http://schemas.microsoft.com/office/drawing/2014/main" val="409549943"/>
+                  </a:ext>
+                </a:extLst>
+              </a:tr>
+              <a:tr h="0">
+                <a:tc>
+                  <a:txBody>
+                    <a:bodyPr/>
+                    <a:lstStyle/>
+                    <a:p>
+                      <a:pPr algn="l"/>
+                      <a:r>
+                        <a:rPr lang="zh-TW" altLang="en-US" dirty="0">
+                          <a:effectLst/>
+                          <a:latin typeface="微軟正黑體" panose="020B0604030504040204" pitchFamily="34" charset="-120"/>
+                          <a:ea typeface="微軟正黑體" panose="020B0604030504040204" pitchFamily="34" charset="-120"/>
+                        </a:rPr>
+                        <a:t>組合使用</a:t>
+                      </a:r>
+                      <a:endParaRPr lang="en-US" altLang="zh-TW" dirty="0">
+                        <a:effectLst/>
+                        <a:latin typeface="微軟正黑體" panose="020B0604030504040204" pitchFamily="34" charset="-120"/>
+                        <a:ea typeface="微軟正黑體" panose="020B0604030504040204" pitchFamily="34" charset="-120"/>
+                      </a:endParaRPr>
+                    </a:p>
+                  </a:txBody>
+                  <a:tcPr marL="76200" marR="76200" marT="76200" marB="76200" anchor="ctr">
+                    <a:lnL w="9525" cap="flat" cmpd="sng" algn="ctr">
+                      <a:solidFill>
+                        <a:srgbClr val="666666"/>
+                      </a:solidFill>
+                      <a:prstDash val="solid"/>
+                      <a:round/>
+                      <a:headEnd type="none" w="med" len="med"/>
+                      <a:tailEnd type="none" w="med" len="med"/>
+                    </a:lnL>
+                    <a:lnR w="9525" cap="flat" cmpd="sng" algn="ctr">
+                      <a:solidFill>
+                        <a:srgbClr val="666666"/>
+                      </a:solidFill>
+                      <a:prstDash val="solid"/>
+                      <a:round/>
+                      <a:headEnd type="none" w="med" len="med"/>
+                      <a:tailEnd type="none" w="med" len="med"/>
+                    </a:lnR>
+                    <a:lnT w="9525" cap="flat" cmpd="sng" algn="ctr">
+                      <a:solidFill>
+                        <a:srgbClr val="666666"/>
+                      </a:solidFill>
+                      <a:prstDash val="solid"/>
+                      <a:round/>
+                      <a:headEnd type="none" w="med" len="med"/>
+                      <a:tailEnd type="none" w="med" len="med"/>
+                    </a:lnT>
+                    <a:lnB w="9525" cap="flat" cmpd="sng" algn="ctr">
+                      <a:solidFill>
+                        <a:srgbClr val="666666"/>
+                      </a:solidFill>
+                      <a:prstDash val="solid"/>
+                      <a:round/>
+                      <a:headEnd type="none" w="med" len="med"/>
+                      <a:tailEnd type="none" w="med" len="med"/>
+                    </a:lnB>
+                    <a:solidFill>
+                      <a:srgbClr val="111111"/>
+                    </a:solidFill>
+                  </a:tcPr>
+                </a:tc>
+                <a:tc>
+                  <a:txBody>
+                    <a:bodyPr/>
+                    <a:lstStyle/>
+                    <a:p>
+                      <a:pPr algn="l"/>
+                      <a:r>
+                        <a:rPr lang="zh-TW" altLang="en-US" dirty="0">
+                          <a:effectLst/>
+                          <a:latin typeface="微軟正黑體" panose="020B0604030504040204" pitchFamily="34" charset="-120"/>
+                          <a:ea typeface="微軟正黑體" panose="020B0604030504040204" pitchFamily="34" charset="-120"/>
+                        </a:rPr>
+                        <a:t>綜合上面的使用</a:t>
+                      </a:r>
+                      <a:endParaRPr lang="en-US" dirty="0">
+                        <a:effectLst/>
+                        <a:latin typeface="微軟正黑體" panose="020B0604030504040204" pitchFamily="34" charset="-120"/>
+                        <a:ea typeface="微軟正黑體" panose="020B0604030504040204" pitchFamily="34" charset="-120"/>
+                      </a:endParaRPr>
+                    </a:p>
+                  </a:txBody>
+                  <a:tcPr marL="76200" marR="76200" marT="76200" marB="76200" anchor="ctr">
+                    <a:lnL w="9525" cap="flat" cmpd="sng" algn="ctr">
+                      <a:solidFill>
+                        <a:srgbClr val="666666"/>
+                      </a:solidFill>
+                      <a:prstDash val="solid"/>
+                      <a:round/>
+                      <a:headEnd type="none" w="med" len="med"/>
+                      <a:tailEnd type="none" w="med" len="med"/>
+                    </a:lnL>
+                    <a:lnR w="9525" cap="flat" cmpd="sng" algn="ctr">
+                      <a:solidFill>
+                        <a:srgbClr val="666666"/>
+                      </a:solidFill>
+                      <a:prstDash val="solid"/>
+                      <a:round/>
+                      <a:headEnd type="none" w="med" len="med"/>
+                      <a:tailEnd type="none" w="med" len="med"/>
+                    </a:lnR>
+                    <a:lnT w="9525" cap="flat" cmpd="sng" algn="ctr">
+                      <a:solidFill>
+                        <a:srgbClr val="666666"/>
+                      </a:solidFill>
+                      <a:prstDash val="solid"/>
+                      <a:round/>
+                      <a:headEnd type="none" w="med" len="med"/>
+                      <a:tailEnd type="none" w="med" len="med"/>
+                    </a:lnT>
+                    <a:lnB w="9525" cap="flat" cmpd="sng" algn="ctr">
+                      <a:solidFill>
+                        <a:srgbClr val="666666"/>
+                      </a:solidFill>
+                      <a:prstDash val="solid"/>
+                      <a:round/>
+                      <a:headEnd type="none" w="med" len="med"/>
+                      <a:tailEnd type="none" w="med" len="med"/>
+                    </a:lnB>
+                    <a:solidFill>
+                      <a:srgbClr val="111111"/>
+                    </a:solidFill>
+                  </a:tcPr>
+                </a:tc>
+                <a:tc>
+                  <a:txBody>
+                    <a:bodyPr/>
+                    <a:lstStyle/>
+                    <a:p>
+                      <a:pPr algn="l"/>
+                      <a:r>
+                        <a:rPr lang="en-US" dirty="0">
+                          <a:effectLst/>
+                          <a:latin typeface="微軟正黑體" panose="020B0604030504040204" pitchFamily="34" charset="-120"/>
+                          <a:ea typeface="微軟正黑體" panose="020B0604030504040204" pitchFamily="34" charset="-120"/>
+                        </a:rPr>
+                        <a:t>bookstore/book[1]/title</a:t>
+                      </a:r>
+                    </a:p>
+                  </a:txBody>
+                  <a:tcPr marL="76200" marR="76200" marT="76200" marB="76200" anchor="ctr">
+                    <a:lnL w="9525" cap="flat" cmpd="sng" algn="ctr">
+                      <a:solidFill>
+                        <a:srgbClr val="666666"/>
+                      </a:solidFill>
+                      <a:prstDash val="solid"/>
+                      <a:round/>
+                      <a:headEnd type="none" w="med" len="med"/>
+                      <a:tailEnd type="none" w="med" len="med"/>
+                    </a:lnL>
+                    <a:lnR w="9525" cap="flat" cmpd="sng" algn="ctr">
+                      <a:solidFill>
+                        <a:srgbClr val="666666"/>
+                      </a:solidFill>
+                      <a:prstDash val="solid"/>
+                      <a:round/>
+                      <a:headEnd type="none" w="med" len="med"/>
+                      <a:tailEnd type="none" w="med" len="med"/>
+                    </a:lnR>
+                    <a:lnT w="9525" cap="flat" cmpd="sng" algn="ctr">
+                      <a:solidFill>
+                        <a:srgbClr val="666666"/>
+                      </a:solidFill>
+                      <a:prstDash val="solid"/>
+                      <a:round/>
+                      <a:headEnd type="none" w="med" len="med"/>
+                      <a:tailEnd type="none" w="med" len="med"/>
+                    </a:lnT>
+                    <a:lnB w="9525" cap="flat" cmpd="sng" algn="ctr">
+                      <a:solidFill>
+                        <a:srgbClr val="666666"/>
+                      </a:solidFill>
+                      <a:prstDash val="solid"/>
+                      <a:round/>
+                      <a:headEnd type="none" w="med" len="med"/>
+                      <a:tailEnd type="none" w="med" len="med"/>
+                    </a:lnB>
+                    <a:solidFill>
+                      <a:srgbClr val="111111"/>
+                    </a:solidFill>
+                  </a:tcPr>
+                </a:tc>
+                <a:extLst>
+                  <a:ext uri="{0D108BD9-81ED-4DB2-BD59-A6C34878D82A}">
+                    <a16:rowId xmlns:a16="http://schemas.microsoft.com/office/drawing/2014/main" val="4041261659"/>
+                  </a:ext>
+                </a:extLst>
+              </a:tr>
             </a:tbl>
           </a:graphicData>
         </a:graphic>
@@ -33599,131 +34439,1516 @@
           <a:chExt cx="0" cy="0"/>
         </a:xfrm>
       </p:grpSpPr>
-      <p:sp>
-        <p:nvSpPr>
-          <p:cNvPr id="9" name="文字方塊 8">
+      <p:graphicFrame>
+        <p:nvGraphicFramePr>
+          <p:cNvPr id="8" name="表格 7">
             <a:extLst>
               <a:ext uri="{FF2B5EF4-FFF2-40B4-BE49-F238E27FC236}">
-                <a16:creationId xmlns:a16="http://schemas.microsoft.com/office/drawing/2014/main" id="{DB072782-2E9E-1784-53C9-E632F5A2829D}"/>
+                <a16:creationId xmlns:a16="http://schemas.microsoft.com/office/drawing/2014/main" id="{7878DAEA-ABBA-7666-FBA6-15332329A134}"/>
               </a:ext>
             </a:extLst>
           </p:cNvPr>
-          <p:cNvSpPr txBox="1"/>
-          <p:nvPr/>
-        </p:nvSpPr>
-        <p:spPr>
-          <a:xfrm>
-            <a:off x="990600" y="1143000"/>
-            <a:ext cx="6934200" cy="2862322"/>
-          </a:xfrm>
-          <a:prstGeom prst="rect">
-            <a:avLst/>
-          </a:prstGeom>
-          <a:noFill/>
-        </p:spPr>
-        <p:txBody>
-          <a:bodyPr wrap="square">
-            <a:spAutoFit/>
-          </a:bodyPr>
-          <a:lstStyle/>
-          <a:p>
-            <a:r>
-              <a:rPr lang="en-US" altLang="zh-TW" dirty="0"/>
-              <a:t>bookstore</a:t>
-            </a:r>
-          </a:p>
-          <a:p>
-            <a:r>
-              <a:rPr lang="en-US" altLang="zh-TW" dirty="0"/>
-              <a:t>//bookstore</a:t>
-            </a:r>
-          </a:p>
-          <a:p>
-            <a:r>
-              <a:rPr lang="en-US" altLang="zh-TW" dirty="0"/>
-              <a:t>bookstore/book</a:t>
-            </a:r>
-          </a:p>
-          <a:p>
-            <a:r>
-              <a:rPr lang="en-US" altLang="zh-TW" dirty="0"/>
-              <a:t>//book</a:t>
-            </a:r>
-          </a:p>
-          <a:p>
-            <a:r>
-              <a:rPr lang="en-US" altLang="zh-TW" dirty="0"/>
-              <a:t>bookstore//book</a:t>
-            </a:r>
-          </a:p>
-          <a:p>
-            <a:r>
-              <a:rPr lang="en-US" altLang="zh-TW" dirty="0"/>
-              <a:t>//@lang</a:t>
-            </a:r>
-          </a:p>
-          <a:p>
-            <a:r>
-              <a:rPr lang="en-US" altLang="zh-TW" dirty="0"/>
-              <a:t>//book/title[@lang='en’]</a:t>
-            </a:r>
-          </a:p>
-          <a:p>
-            <a:r>
-              <a:rPr lang="en-US" altLang="zh-TW" dirty="0"/>
-              <a:t>//book[1]</a:t>
-            </a:r>
-          </a:p>
-          <a:p>
-            <a:r>
-              <a:rPr lang="en-US" altLang="zh-TW" dirty="0"/>
-              <a:t>//book[2]</a:t>
-            </a:r>
-          </a:p>
-          <a:p>
-            <a:endParaRPr lang="zh-TW" altLang="en-US" dirty="0"/>
-          </a:p>
-        </p:txBody>
-      </p:sp>
-      <p:sp>
-        <p:nvSpPr>
-          <p:cNvPr id="11" name="文字方塊 10">
-            <a:extLst>
-              <a:ext uri="{FF2B5EF4-FFF2-40B4-BE49-F238E27FC236}">
-                <a16:creationId xmlns:a16="http://schemas.microsoft.com/office/drawing/2014/main" id="{27964A57-5C22-19E3-8828-E1292831283B}"/>
-              </a:ext>
-            </a:extLst>
-          </p:cNvPr>
-          <p:cNvSpPr txBox="1"/>
-          <p:nvPr/>
-        </p:nvSpPr>
-        <p:spPr>
-          <a:xfrm>
-            <a:off x="1066800" y="4343400"/>
-            <a:ext cx="7086600" cy="369332"/>
-          </a:xfrm>
-          <a:prstGeom prst="rect">
-            <a:avLst/>
-          </a:prstGeom>
-          <a:noFill/>
-        </p:spPr>
-        <p:txBody>
-          <a:bodyPr wrap="square">
-            <a:spAutoFit/>
-          </a:bodyPr>
-          <a:lstStyle/>
-          <a:p>
-            <a:r>
-              <a:rPr lang="zh-TW" altLang="en-US" dirty="0"/>
-              <a:t>https://scrapinghub.github.io/xpath-playground/</a:t>
-            </a:r>
-          </a:p>
-        </p:txBody>
-      </p:sp>
+          <p:cNvGraphicFramePr>
+            <a:graphicFrameLocks noGrp="1"/>
+          </p:cNvGraphicFramePr>
+          <p:nvPr>
+            <p:extLst>
+              <p:ext uri="{D42A27DB-BD31-4B8C-83A1-F6EECF244321}">
+                <p14:modId xmlns:p14="http://schemas.microsoft.com/office/powerpoint/2010/main" val="4024979154"/>
+              </p:ext>
+            </p:extLst>
+          </p:nvPr>
+        </p:nvGraphicFramePr>
+        <p:xfrm>
+          <a:off x="381000" y="838200"/>
+          <a:ext cx="8534401" cy="3962400"/>
+        </p:xfrm>
+        <a:graphic>
+          <a:graphicData uri="http://schemas.openxmlformats.org/drawingml/2006/table">
+            <a:tbl>
+              <a:tblPr/>
+              <a:tblGrid>
+                <a:gridCol w="1610265">
+                  <a:extLst>
+                    <a:ext uri="{9D8B030D-6E8A-4147-A177-3AD203B41FA5}">
+                      <a16:colId xmlns:a16="http://schemas.microsoft.com/office/drawing/2014/main" val="1989546909"/>
+                    </a:ext>
+                  </a:extLst>
+                </a:gridCol>
+                <a:gridCol w="3037935">
+                  <a:extLst>
+                    <a:ext uri="{9D8B030D-6E8A-4147-A177-3AD203B41FA5}">
+                      <a16:colId xmlns:a16="http://schemas.microsoft.com/office/drawing/2014/main" val="3088664884"/>
+                    </a:ext>
+                  </a:extLst>
+                </a:gridCol>
+                <a:gridCol w="3886201">
+                  <a:extLst>
+                    <a:ext uri="{9D8B030D-6E8A-4147-A177-3AD203B41FA5}">
+                      <a16:colId xmlns:a16="http://schemas.microsoft.com/office/drawing/2014/main" val="3614670609"/>
+                    </a:ext>
+                  </a:extLst>
+                </a:gridCol>
+              </a:tblGrid>
+              <a:tr h="381000">
+                <a:tc>
+                  <a:txBody>
+                    <a:bodyPr/>
+                    <a:lstStyle/>
+                    <a:p>
+                      <a:pPr algn="l"/>
+                      <a:r>
+                        <a:rPr lang="zh-TW" altLang="en-US" b="1" dirty="0">
+                          <a:effectLst/>
+                          <a:latin typeface="微軟正黑體" panose="020B0604030504040204" pitchFamily="34" charset="-120"/>
+                          <a:ea typeface="微軟正黑體" panose="020B0604030504040204" pitchFamily="34" charset="-120"/>
+                        </a:rPr>
+                        <a:t>表示式</a:t>
+                      </a:r>
+                    </a:p>
+                  </a:txBody>
+                  <a:tcPr marL="76200" marR="76200" marT="76200" marB="76200" anchor="ctr">
+                    <a:lnL w="9525" cap="flat" cmpd="sng" algn="ctr">
+                      <a:solidFill>
+                        <a:srgbClr val="666666"/>
+                      </a:solidFill>
+                      <a:prstDash val="solid"/>
+                      <a:round/>
+                      <a:headEnd type="none" w="med" len="med"/>
+                      <a:tailEnd type="none" w="med" len="med"/>
+                    </a:lnL>
+                    <a:lnR w="9525" cap="flat" cmpd="sng" algn="ctr">
+                      <a:solidFill>
+                        <a:srgbClr val="666666"/>
+                      </a:solidFill>
+                      <a:prstDash val="solid"/>
+                      <a:round/>
+                      <a:headEnd type="none" w="med" len="med"/>
+                      <a:tailEnd type="none" w="med" len="med"/>
+                    </a:lnR>
+                    <a:lnT w="9525" cap="flat" cmpd="sng" algn="ctr">
+                      <a:solidFill>
+                        <a:srgbClr val="666666"/>
+                      </a:solidFill>
+                      <a:prstDash val="solid"/>
+                      <a:round/>
+                      <a:headEnd type="none" w="med" len="med"/>
+                      <a:tailEnd type="none" w="med" len="med"/>
+                    </a:lnT>
+                    <a:lnB w="9525" cap="flat" cmpd="sng" algn="ctr">
+                      <a:solidFill>
+                        <a:srgbClr val="666666"/>
+                      </a:solidFill>
+                      <a:prstDash val="solid"/>
+                      <a:round/>
+                      <a:headEnd type="none" w="med" len="med"/>
+                      <a:tailEnd type="none" w="med" len="med"/>
+                    </a:lnB>
+                    <a:solidFill>
+                      <a:srgbClr val="111111"/>
+                    </a:solidFill>
+                  </a:tcPr>
+                </a:tc>
+                <a:tc>
+                  <a:txBody>
+                    <a:bodyPr/>
+                    <a:lstStyle/>
+                    <a:p>
+                      <a:pPr algn="l"/>
+                      <a:r>
+                        <a:rPr lang="zh-TW" altLang="en-US" b="1" dirty="0">
+                          <a:effectLst/>
+                          <a:latin typeface="微軟正黑體" panose="020B0604030504040204" pitchFamily="34" charset="-120"/>
+                          <a:ea typeface="微軟正黑體" panose="020B0604030504040204" pitchFamily="34" charset="-120"/>
+                        </a:rPr>
+                        <a:t>說明</a:t>
+                      </a:r>
+                    </a:p>
+                  </a:txBody>
+                  <a:tcPr marL="76200" marR="76200" marT="76200" marB="76200" anchor="ctr">
+                    <a:lnL w="9525" cap="flat" cmpd="sng" algn="ctr">
+                      <a:solidFill>
+                        <a:srgbClr val="666666"/>
+                      </a:solidFill>
+                      <a:prstDash val="solid"/>
+                      <a:round/>
+                      <a:headEnd type="none" w="med" len="med"/>
+                      <a:tailEnd type="none" w="med" len="med"/>
+                    </a:lnL>
+                    <a:lnR w="9525" cap="flat" cmpd="sng" algn="ctr">
+                      <a:solidFill>
+                        <a:srgbClr val="666666"/>
+                      </a:solidFill>
+                      <a:prstDash val="solid"/>
+                      <a:round/>
+                      <a:headEnd type="none" w="med" len="med"/>
+                      <a:tailEnd type="none" w="med" len="med"/>
+                    </a:lnR>
+                    <a:lnT w="9525" cap="flat" cmpd="sng" algn="ctr">
+                      <a:solidFill>
+                        <a:srgbClr val="666666"/>
+                      </a:solidFill>
+                      <a:prstDash val="solid"/>
+                      <a:round/>
+                      <a:headEnd type="none" w="med" len="med"/>
+                      <a:tailEnd type="none" w="med" len="med"/>
+                    </a:lnT>
+                    <a:lnB w="9525" cap="flat" cmpd="sng" algn="ctr">
+                      <a:solidFill>
+                        <a:srgbClr val="666666"/>
+                      </a:solidFill>
+                      <a:prstDash val="solid"/>
+                      <a:round/>
+                      <a:headEnd type="none" w="med" len="med"/>
+                      <a:tailEnd type="none" w="med" len="med"/>
+                    </a:lnB>
+                    <a:solidFill>
+                      <a:srgbClr val="111111"/>
+                    </a:solidFill>
+                  </a:tcPr>
+                </a:tc>
+                <a:tc>
+                  <a:txBody>
+                    <a:bodyPr/>
+                    <a:lstStyle/>
+                    <a:p>
+                      <a:pPr algn="l"/>
+                      <a:r>
+                        <a:rPr lang="zh-TW" altLang="en-US" b="1" dirty="0">
+                          <a:effectLst/>
+                          <a:latin typeface="微軟正黑體" panose="020B0604030504040204" pitchFamily="34" charset="-120"/>
+                          <a:ea typeface="微軟正黑體" panose="020B0604030504040204" pitchFamily="34" charset="-120"/>
+                        </a:rPr>
+                        <a:t>範例</a:t>
+                      </a:r>
+                    </a:p>
+                  </a:txBody>
+                  <a:tcPr marL="76200" marR="76200" marT="76200" marB="76200" anchor="ctr">
+                    <a:lnL w="9525" cap="flat" cmpd="sng" algn="ctr">
+                      <a:solidFill>
+                        <a:srgbClr val="666666"/>
+                      </a:solidFill>
+                      <a:prstDash val="solid"/>
+                      <a:round/>
+                      <a:headEnd type="none" w="med" len="med"/>
+                      <a:tailEnd type="none" w="med" len="med"/>
+                    </a:lnL>
+                    <a:lnR w="9525" cap="flat" cmpd="sng" algn="ctr">
+                      <a:solidFill>
+                        <a:srgbClr val="666666"/>
+                      </a:solidFill>
+                      <a:prstDash val="solid"/>
+                      <a:round/>
+                      <a:headEnd type="none" w="med" len="med"/>
+                      <a:tailEnd type="none" w="med" len="med"/>
+                    </a:lnR>
+                    <a:lnT w="9525" cap="flat" cmpd="sng" algn="ctr">
+                      <a:solidFill>
+                        <a:srgbClr val="666666"/>
+                      </a:solidFill>
+                      <a:prstDash val="solid"/>
+                      <a:round/>
+                      <a:headEnd type="none" w="med" len="med"/>
+                      <a:tailEnd type="none" w="med" len="med"/>
+                    </a:lnT>
+                    <a:lnB w="9525" cap="flat" cmpd="sng" algn="ctr">
+                      <a:solidFill>
+                        <a:srgbClr val="666666"/>
+                      </a:solidFill>
+                      <a:prstDash val="solid"/>
+                      <a:round/>
+                      <a:headEnd type="none" w="med" len="med"/>
+                      <a:tailEnd type="none" w="med" len="med"/>
+                    </a:lnB>
+                    <a:solidFill>
+                      <a:srgbClr val="111111"/>
+                    </a:solidFill>
+                  </a:tcPr>
+                </a:tc>
+                <a:extLst>
+                  <a:ext uri="{0D108BD9-81ED-4DB2-BD59-A6C34878D82A}">
+                    <a16:rowId xmlns:a16="http://schemas.microsoft.com/office/drawing/2014/main" val="3425273118"/>
+                  </a:ext>
+                </a:extLst>
+              </a:tr>
+              <a:tr h="0">
+                <a:tc>
+                  <a:txBody>
+                    <a:bodyPr/>
+                    <a:lstStyle/>
+                    <a:p>
+                      <a:pPr algn="l"/>
+                      <a:r>
+                        <a:rPr lang="en-US" dirty="0">
+                          <a:effectLst/>
+                          <a:latin typeface="微軟正黑體" panose="020B0604030504040204" pitchFamily="34" charset="-120"/>
+                          <a:ea typeface="微軟正黑體" panose="020B0604030504040204" pitchFamily="34" charset="-120"/>
+                        </a:rPr>
+                        <a:t>text()</a:t>
+                      </a:r>
+                    </a:p>
+                  </a:txBody>
+                  <a:tcPr marL="76200" marR="76200" marT="76200" marB="76200" anchor="ctr">
+                    <a:lnL w="9525" cap="flat" cmpd="sng" algn="ctr">
+                      <a:solidFill>
+                        <a:srgbClr val="666666"/>
+                      </a:solidFill>
+                      <a:prstDash val="solid"/>
+                      <a:round/>
+                      <a:headEnd type="none" w="med" len="med"/>
+                      <a:tailEnd type="none" w="med" len="med"/>
+                    </a:lnL>
+                    <a:lnR w="9525" cap="flat" cmpd="sng" algn="ctr">
+                      <a:solidFill>
+                        <a:srgbClr val="666666"/>
+                      </a:solidFill>
+                      <a:prstDash val="solid"/>
+                      <a:round/>
+                      <a:headEnd type="none" w="med" len="med"/>
+                      <a:tailEnd type="none" w="med" len="med"/>
+                    </a:lnR>
+                    <a:lnT w="9525" cap="flat" cmpd="sng" algn="ctr">
+                      <a:solidFill>
+                        <a:srgbClr val="666666"/>
+                      </a:solidFill>
+                      <a:prstDash val="solid"/>
+                      <a:round/>
+                      <a:headEnd type="none" w="med" len="med"/>
+                      <a:tailEnd type="none" w="med" len="med"/>
+                    </a:lnT>
+                    <a:lnB w="9525" cap="flat" cmpd="sng" algn="ctr">
+                      <a:solidFill>
+                        <a:srgbClr val="666666"/>
+                      </a:solidFill>
+                      <a:prstDash val="solid"/>
+                      <a:round/>
+                      <a:headEnd type="none" w="med" len="med"/>
+                      <a:tailEnd type="none" w="med" len="med"/>
+                    </a:lnB>
+                    <a:solidFill>
+                      <a:srgbClr val="111111"/>
+                    </a:solidFill>
+                  </a:tcPr>
+                </a:tc>
+                <a:tc>
+                  <a:txBody>
+                    <a:bodyPr/>
+                    <a:lstStyle/>
+                    <a:p>
+                      <a:pPr algn="l"/>
+                      <a:r>
+                        <a:rPr lang="zh-TW" altLang="en-US" dirty="0">
+                          <a:effectLst/>
+                          <a:latin typeface="微軟正黑體" panose="020B0604030504040204" pitchFamily="34" charset="-120"/>
+                          <a:ea typeface="微軟正黑體" panose="020B0604030504040204" pitchFamily="34" charset="-120"/>
+                        </a:rPr>
+                        <a:t>取得節點中的文字</a:t>
+                      </a:r>
+                    </a:p>
+                  </a:txBody>
+                  <a:tcPr marL="76200" marR="76200" marT="76200" marB="76200" anchor="ctr">
+                    <a:lnL w="9525" cap="flat" cmpd="sng" algn="ctr">
+                      <a:solidFill>
+                        <a:srgbClr val="666666"/>
+                      </a:solidFill>
+                      <a:prstDash val="solid"/>
+                      <a:round/>
+                      <a:headEnd type="none" w="med" len="med"/>
+                      <a:tailEnd type="none" w="med" len="med"/>
+                    </a:lnL>
+                    <a:lnR w="9525" cap="flat" cmpd="sng" algn="ctr">
+                      <a:solidFill>
+                        <a:srgbClr val="666666"/>
+                      </a:solidFill>
+                      <a:prstDash val="solid"/>
+                      <a:round/>
+                      <a:headEnd type="none" w="med" len="med"/>
+                      <a:tailEnd type="none" w="med" len="med"/>
+                    </a:lnR>
+                    <a:lnT w="9525" cap="flat" cmpd="sng" algn="ctr">
+                      <a:solidFill>
+                        <a:srgbClr val="666666"/>
+                      </a:solidFill>
+                      <a:prstDash val="solid"/>
+                      <a:round/>
+                      <a:headEnd type="none" w="med" len="med"/>
+                      <a:tailEnd type="none" w="med" len="med"/>
+                    </a:lnT>
+                    <a:lnB w="9525" cap="flat" cmpd="sng" algn="ctr">
+                      <a:solidFill>
+                        <a:srgbClr val="666666"/>
+                      </a:solidFill>
+                      <a:prstDash val="solid"/>
+                      <a:round/>
+                      <a:headEnd type="none" w="med" len="med"/>
+                      <a:tailEnd type="none" w="med" len="med"/>
+                    </a:lnB>
+                    <a:solidFill>
+                      <a:srgbClr val="111111"/>
+                    </a:solidFill>
+                  </a:tcPr>
+                </a:tc>
+                <a:tc>
+                  <a:txBody>
+                    <a:bodyPr/>
+                    <a:lstStyle/>
+                    <a:p>
+                      <a:pPr algn="l"/>
+                      <a:r>
+                        <a:rPr lang="en-US" altLang="zh-TW" dirty="0">
+                          <a:effectLst/>
+                          <a:latin typeface="微軟正黑體" panose="020B0604030504040204" pitchFamily="34" charset="-120"/>
+                          <a:ea typeface="微軟正黑體" panose="020B0604030504040204" pitchFamily="34" charset="-120"/>
+                        </a:rPr>
+                        <a:t>bookstore/book[1]/price/text()</a:t>
+                      </a:r>
+                    </a:p>
+                    <a:p>
+                      <a:pPr algn="l"/>
+                      <a:r>
+                        <a:rPr lang="en-US" altLang="zh-TW" dirty="0">
+                          <a:effectLst/>
+                          <a:latin typeface="微軟正黑體" panose="020B0604030504040204" pitchFamily="34" charset="-120"/>
+                          <a:ea typeface="微軟正黑體" panose="020B0604030504040204" pitchFamily="34" charset="-120"/>
+                        </a:rPr>
+                        <a:t>//title/text()</a:t>
+                      </a:r>
+                      <a:endParaRPr lang="zh-TW" altLang="en-US" dirty="0">
+                        <a:effectLst/>
+                        <a:latin typeface="微軟正黑體" panose="020B0604030504040204" pitchFamily="34" charset="-120"/>
+                        <a:ea typeface="微軟正黑體" panose="020B0604030504040204" pitchFamily="34" charset="-120"/>
+                      </a:endParaRPr>
+                    </a:p>
+                  </a:txBody>
+                  <a:tcPr marL="76200" marR="76200" marT="76200" marB="76200" anchor="ctr">
+                    <a:lnL w="9525" cap="flat" cmpd="sng" algn="ctr">
+                      <a:solidFill>
+                        <a:srgbClr val="666666"/>
+                      </a:solidFill>
+                      <a:prstDash val="solid"/>
+                      <a:round/>
+                      <a:headEnd type="none" w="med" len="med"/>
+                      <a:tailEnd type="none" w="med" len="med"/>
+                    </a:lnL>
+                    <a:lnR w="9525" cap="flat" cmpd="sng" algn="ctr">
+                      <a:solidFill>
+                        <a:srgbClr val="666666"/>
+                      </a:solidFill>
+                      <a:prstDash val="solid"/>
+                      <a:round/>
+                      <a:headEnd type="none" w="med" len="med"/>
+                      <a:tailEnd type="none" w="med" len="med"/>
+                    </a:lnR>
+                    <a:lnT w="9525" cap="flat" cmpd="sng" algn="ctr">
+                      <a:solidFill>
+                        <a:srgbClr val="666666"/>
+                      </a:solidFill>
+                      <a:prstDash val="solid"/>
+                      <a:round/>
+                      <a:headEnd type="none" w="med" len="med"/>
+                      <a:tailEnd type="none" w="med" len="med"/>
+                    </a:lnT>
+                    <a:lnB w="9525" cap="flat" cmpd="sng" algn="ctr">
+                      <a:solidFill>
+                        <a:srgbClr val="666666"/>
+                      </a:solidFill>
+                      <a:prstDash val="solid"/>
+                      <a:round/>
+                      <a:headEnd type="none" w="med" len="med"/>
+                      <a:tailEnd type="none" w="med" len="med"/>
+                    </a:lnB>
+                    <a:solidFill>
+                      <a:srgbClr val="111111"/>
+                    </a:solidFill>
+                  </a:tcPr>
+                </a:tc>
+                <a:extLst>
+                  <a:ext uri="{0D108BD9-81ED-4DB2-BD59-A6C34878D82A}">
+                    <a16:rowId xmlns:a16="http://schemas.microsoft.com/office/drawing/2014/main" val="2059045708"/>
+                  </a:ext>
+                </a:extLst>
+              </a:tr>
+              <a:tr h="0">
+                <a:tc>
+                  <a:txBody>
+                    <a:bodyPr/>
+                    <a:lstStyle/>
+                    <a:p>
+                      <a:pPr algn="l"/>
+                      <a:r>
+                        <a:rPr lang="en-US" altLang="zh-TW">
+                          <a:effectLst/>
+                          <a:latin typeface="微軟正黑體" panose="020B0604030504040204" pitchFamily="34" charset="-120"/>
+                          <a:ea typeface="微軟正黑體" panose="020B0604030504040204" pitchFamily="34" charset="-120"/>
+                        </a:rPr>
+                        <a:t>/</a:t>
+                      </a:r>
+                    </a:p>
+                  </a:txBody>
+                  <a:tcPr marL="76200" marR="76200" marT="76200" marB="76200" anchor="ctr">
+                    <a:lnL w="9525" cap="flat" cmpd="sng" algn="ctr">
+                      <a:solidFill>
+                        <a:srgbClr val="666666"/>
+                      </a:solidFill>
+                      <a:prstDash val="solid"/>
+                      <a:round/>
+                      <a:headEnd type="none" w="med" len="med"/>
+                      <a:tailEnd type="none" w="med" len="med"/>
+                    </a:lnL>
+                    <a:lnR w="9525" cap="flat" cmpd="sng" algn="ctr">
+                      <a:solidFill>
+                        <a:srgbClr val="666666"/>
+                      </a:solidFill>
+                      <a:prstDash val="solid"/>
+                      <a:round/>
+                      <a:headEnd type="none" w="med" len="med"/>
+                      <a:tailEnd type="none" w="med" len="med"/>
+                    </a:lnR>
+                    <a:lnT w="9525" cap="flat" cmpd="sng" algn="ctr">
+                      <a:solidFill>
+                        <a:srgbClr val="666666"/>
+                      </a:solidFill>
+                      <a:prstDash val="solid"/>
+                      <a:round/>
+                      <a:headEnd type="none" w="med" len="med"/>
+                      <a:tailEnd type="none" w="med" len="med"/>
+                    </a:lnT>
+                    <a:lnB w="9525" cap="flat" cmpd="sng" algn="ctr">
+                      <a:solidFill>
+                        <a:srgbClr val="666666"/>
+                      </a:solidFill>
+                      <a:prstDash val="solid"/>
+                      <a:round/>
+                      <a:headEnd type="none" w="med" len="med"/>
+                      <a:tailEnd type="none" w="med" len="med"/>
+                    </a:lnB>
+                    <a:solidFill>
+                      <a:srgbClr val="111111"/>
+                    </a:solidFill>
+                  </a:tcPr>
+                </a:tc>
+                <a:tc>
+                  <a:txBody>
+                    <a:bodyPr/>
+                    <a:lstStyle/>
+                    <a:p>
+                      <a:pPr algn="l"/>
+                      <a:r>
+                        <a:rPr lang="zh-TW" altLang="en-US" dirty="0">
+                          <a:effectLst/>
+                          <a:latin typeface="微軟正黑體" panose="020B0604030504040204" pitchFamily="34" charset="-120"/>
+                          <a:ea typeface="微軟正黑體" panose="020B0604030504040204" pitchFamily="34" charset="-120"/>
+                        </a:rPr>
+                        <a:t>從</a:t>
+                      </a:r>
+                      <a:r>
+                        <a:rPr lang="en-US" dirty="0">
+                          <a:effectLst/>
+                          <a:latin typeface="微軟正黑體" panose="020B0604030504040204" pitchFamily="34" charset="-120"/>
+                          <a:ea typeface="微軟正黑體" panose="020B0604030504040204" pitchFamily="34" charset="-120"/>
+                        </a:rPr>
+                        <a:t>root node</a:t>
+                      </a:r>
+                      <a:r>
+                        <a:rPr lang="zh-TW" altLang="en-US" dirty="0">
+                          <a:effectLst/>
+                          <a:latin typeface="微軟正黑體" panose="020B0604030504040204" pitchFamily="34" charset="-120"/>
+                          <a:ea typeface="微軟正黑體" panose="020B0604030504040204" pitchFamily="34" charset="-120"/>
+                        </a:rPr>
+                        <a:t>開始選取</a:t>
+                      </a:r>
+                    </a:p>
+                  </a:txBody>
+                  <a:tcPr marL="76200" marR="76200" marT="76200" marB="76200" anchor="ctr">
+                    <a:lnL w="9525" cap="flat" cmpd="sng" algn="ctr">
+                      <a:solidFill>
+                        <a:srgbClr val="666666"/>
+                      </a:solidFill>
+                      <a:prstDash val="solid"/>
+                      <a:round/>
+                      <a:headEnd type="none" w="med" len="med"/>
+                      <a:tailEnd type="none" w="med" len="med"/>
+                    </a:lnL>
+                    <a:lnR w="9525" cap="flat" cmpd="sng" algn="ctr">
+                      <a:solidFill>
+                        <a:srgbClr val="666666"/>
+                      </a:solidFill>
+                      <a:prstDash val="solid"/>
+                      <a:round/>
+                      <a:headEnd type="none" w="med" len="med"/>
+                      <a:tailEnd type="none" w="med" len="med"/>
+                    </a:lnR>
+                    <a:lnT w="9525" cap="flat" cmpd="sng" algn="ctr">
+                      <a:solidFill>
+                        <a:srgbClr val="666666"/>
+                      </a:solidFill>
+                      <a:prstDash val="solid"/>
+                      <a:round/>
+                      <a:headEnd type="none" w="med" len="med"/>
+                      <a:tailEnd type="none" w="med" len="med"/>
+                    </a:lnT>
+                    <a:lnB w="9525" cap="flat" cmpd="sng" algn="ctr">
+                      <a:solidFill>
+                        <a:srgbClr val="666666"/>
+                      </a:solidFill>
+                      <a:prstDash val="solid"/>
+                      <a:round/>
+                      <a:headEnd type="none" w="med" len="med"/>
+                      <a:tailEnd type="none" w="med" len="med"/>
+                    </a:lnB>
+                    <a:solidFill>
+                      <a:srgbClr val="111111"/>
+                    </a:solidFill>
+                  </a:tcPr>
+                </a:tc>
+                <a:tc>
+                  <a:txBody>
+                    <a:bodyPr/>
+                    <a:lstStyle/>
+                    <a:p>
+                      <a:pPr algn="l"/>
+                      <a:r>
+                        <a:rPr lang="en-US" altLang="zh-TW" dirty="0">
+                          <a:effectLst/>
+                          <a:latin typeface="微軟正黑體" panose="020B0604030504040204" pitchFamily="34" charset="-120"/>
+                          <a:ea typeface="微軟正黑體" panose="020B0604030504040204" pitchFamily="34" charset="-120"/>
+                        </a:rPr>
+                        <a:t>/bookstore(O)</a:t>
+                      </a:r>
+                    </a:p>
+                    <a:p>
+                      <a:pPr algn="l"/>
+                      <a:r>
+                        <a:rPr lang="en-US" altLang="zh-TW" dirty="0">
+                          <a:effectLst/>
+                          <a:latin typeface="微軟正黑體" panose="020B0604030504040204" pitchFamily="34" charset="-120"/>
+                          <a:ea typeface="微軟正黑體" panose="020B0604030504040204" pitchFamily="34" charset="-120"/>
+                        </a:rPr>
+                        <a:t>/book(X)</a:t>
+                      </a:r>
+                      <a:endParaRPr lang="zh-TW" altLang="en-US" dirty="0">
+                        <a:effectLst/>
+                        <a:latin typeface="微軟正黑體" panose="020B0604030504040204" pitchFamily="34" charset="-120"/>
+                        <a:ea typeface="微軟正黑體" panose="020B0604030504040204" pitchFamily="34" charset="-120"/>
+                      </a:endParaRPr>
+                    </a:p>
+                  </a:txBody>
+                  <a:tcPr marL="76200" marR="76200" marT="76200" marB="76200" anchor="ctr">
+                    <a:lnL w="9525" cap="flat" cmpd="sng" algn="ctr">
+                      <a:solidFill>
+                        <a:srgbClr val="666666"/>
+                      </a:solidFill>
+                      <a:prstDash val="solid"/>
+                      <a:round/>
+                      <a:headEnd type="none" w="med" len="med"/>
+                      <a:tailEnd type="none" w="med" len="med"/>
+                    </a:lnL>
+                    <a:lnR w="9525" cap="flat" cmpd="sng" algn="ctr">
+                      <a:solidFill>
+                        <a:srgbClr val="666666"/>
+                      </a:solidFill>
+                      <a:prstDash val="solid"/>
+                      <a:round/>
+                      <a:headEnd type="none" w="med" len="med"/>
+                      <a:tailEnd type="none" w="med" len="med"/>
+                    </a:lnR>
+                    <a:lnT w="9525" cap="flat" cmpd="sng" algn="ctr">
+                      <a:solidFill>
+                        <a:srgbClr val="666666"/>
+                      </a:solidFill>
+                      <a:prstDash val="solid"/>
+                      <a:round/>
+                      <a:headEnd type="none" w="med" len="med"/>
+                      <a:tailEnd type="none" w="med" len="med"/>
+                    </a:lnT>
+                    <a:lnB w="9525" cap="flat" cmpd="sng" algn="ctr">
+                      <a:solidFill>
+                        <a:srgbClr val="666666"/>
+                      </a:solidFill>
+                      <a:prstDash val="solid"/>
+                      <a:round/>
+                      <a:headEnd type="none" w="med" len="med"/>
+                      <a:tailEnd type="none" w="med" len="med"/>
+                    </a:lnB>
+                    <a:solidFill>
+                      <a:srgbClr val="111111"/>
+                    </a:solidFill>
+                  </a:tcPr>
+                </a:tc>
+                <a:extLst>
+                  <a:ext uri="{0D108BD9-81ED-4DB2-BD59-A6C34878D82A}">
+                    <a16:rowId xmlns:a16="http://schemas.microsoft.com/office/drawing/2014/main" val="1870453411"/>
+                  </a:ext>
+                </a:extLst>
+              </a:tr>
+              <a:tr h="0">
+                <a:tc>
+                  <a:txBody>
+                    <a:bodyPr/>
+                    <a:lstStyle/>
+                    <a:p>
+                      <a:pPr algn="l"/>
+                      <a:endParaRPr lang="en-US" altLang="zh-TW" dirty="0">
+                        <a:effectLst/>
+                        <a:latin typeface="微軟正黑體" panose="020B0604030504040204" pitchFamily="34" charset="-120"/>
+                        <a:ea typeface="微軟正黑體" panose="020B0604030504040204" pitchFamily="34" charset="-120"/>
+                      </a:endParaRPr>
+                    </a:p>
+                  </a:txBody>
+                  <a:tcPr marL="76200" marR="76200" marT="76200" marB="76200" anchor="ctr">
+                    <a:lnL w="9525" cap="flat" cmpd="sng" algn="ctr">
+                      <a:solidFill>
+                        <a:srgbClr val="666666"/>
+                      </a:solidFill>
+                      <a:prstDash val="solid"/>
+                      <a:round/>
+                      <a:headEnd type="none" w="med" len="med"/>
+                      <a:tailEnd type="none" w="med" len="med"/>
+                    </a:lnL>
+                    <a:lnR w="9525" cap="flat" cmpd="sng" algn="ctr">
+                      <a:solidFill>
+                        <a:srgbClr val="666666"/>
+                      </a:solidFill>
+                      <a:prstDash val="solid"/>
+                      <a:round/>
+                      <a:headEnd type="none" w="med" len="med"/>
+                      <a:tailEnd type="none" w="med" len="med"/>
+                    </a:lnR>
+                    <a:lnT w="9525" cap="flat" cmpd="sng" algn="ctr">
+                      <a:solidFill>
+                        <a:srgbClr val="666666"/>
+                      </a:solidFill>
+                      <a:prstDash val="solid"/>
+                      <a:round/>
+                      <a:headEnd type="none" w="med" len="med"/>
+                      <a:tailEnd type="none" w="med" len="med"/>
+                    </a:lnT>
+                    <a:lnB w="9525" cap="flat" cmpd="sng" algn="ctr">
+                      <a:solidFill>
+                        <a:srgbClr val="666666"/>
+                      </a:solidFill>
+                      <a:prstDash val="solid"/>
+                      <a:round/>
+                      <a:headEnd type="none" w="med" len="med"/>
+                      <a:tailEnd type="none" w="med" len="med"/>
+                    </a:lnB>
+                    <a:solidFill>
+                      <a:srgbClr val="111111"/>
+                    </a:solidFill>
+                  </a:tcPr>
+                </a:tc>
+                <a:tc>
+                  <a:txBody>
+                    <a:bodyPr/>
+                    <a:lstStyle/>
+                    <a:p>
+                      <a:pPr algn="l"/>
+                      <a:endParaRPr lang="zh-TW" altLang="en-US" dirty="0">
+                        <a:effectLst/>
+                        <a:latin typeface="微軟正黑體" panose="020B0604030504040204" pitchFamily="34" charset="-120"/>
+                        <a:ea typeface="微軟正黑體" panose="020B0604030504040204" pitchFamily="34" charset="-120"/>
+                      </a:endParaRPr>
+                    </a:p>
+                  </a:txBody>
+                  <a:tcPr marL="76200" marR="76200" marT="76200" marB="76200" anchor="ctr">
+                    <a:lnL w="9525" cap="flat" cmpd="sng" algn="ctr">
+                      <a:solidFill>
+                        <a:srgbClr val="666666"/>
+                      </a:solidFill>
+                      <a:prstDash val="solid"/>
+                      <a:round/>
+                      <a:headEnd type="none" w="med" len="med"/>
+                      <a:tailEnd type="none" w="med" len="med"/>
+                    </a:lnL>
+                    <a:lnR w="9525" cap="flat" cmpd="sng" algn="ctr">
+                      <a:solidFill>
+                        <a:srgbClr val="666666"/>
+                      </a:solidFill>
+                      <a:prstDash val="solid"/>
+                      <a:round/>
+                      <a:headEnd type="none" w="med" len="med"/>
+                      <a:tailEnd type="none" w="med" len="med"/>
+                    </a:lnR>
+                    <a:lnT w="9525" cap="flat" cmpd="sng" algn="ctr">
+                      <a:solidFill>
+                        <a:srgbClr val="666666"/>
+                      </a:solidFill>
+                      <a:prstDash val="solid"/>
+                      <a:round/>
+                      <a:headEnd type="none" w="med" len="med"/>
+                      <a:tailEnd type="none" w="med" len="med"/>
+                    </a:lnT>
+                    <a:lnB w="9525" cap="flat" cmpd="sng" algn="ctr">
+                      <a:solidFill>
+                        <a:srgbClr val="666666"/>
+                      </a:solidFill>
+                      <a:prstDash val="solid"/>
+                      <a:round/>
+                      <a:headEnd type="none" w="med" len="med"/>
+                      <a:tailEnd type="none" w="med" len="med"/>
+                    </a:lnB>
+                    <a:solidFill>
+                      <a:srgbClr val="111111"/>
+                    </a:solidFill>
+                  </a:tcPr>
+                </a:tc>
+                <a:tc>
+                  <a:txBody>
+                    <a:bodyPr/>
+                    <a:lstStyle/>
+                    <a:p>
+                      <a:pPr algn="l"/>
+                      <a:endParaRPr lang="zh-TW" altLang="en-US" dirty="0">
+                        <a:effectLst/>
+                        <a:latin typeface="微軟正黑體" panose="020B0604030504040204" pitchFamily="34" charset="-120"/>
+                        <a:ea typeface="微軟正黑體" panose="020B0604030504040204" pitchFamily="34" charset="-120"/>
+                      </a:endParaRPr>
+                    </a:p>
+                  </a:txBody>
+                  <a:tcPr marL="76200" marR="76200" marT="76200" marB="76200" anchor="ctr">
+                    <a:lnL w="9525" cap="flat" cmpd="sng" algn="ctr">
+                      <a:solidFill>
+                        <a:srgbClr val="666666"/>
+                      </a:solidFill>
+                      <a:prstDash val="solid"/>
+                      <a:round/>
+                      <a:headEnd type="none" w="med" len="med"/>
+                      <a:tailEnd type="none" w="med" len="med"/>
+                    </a:lnL>
+                    <a:lnR w="9525" cap="flat" cmpd="sng" algn="ctr">
+                      <a:solidFill>
+                        <a:srgbClr val="666666"/>
+                      </a:solidFill>
+                      <a:prstDash val="solid"/>
+                      <a:round/>
+                      <a:headEnd type="none" w="med" len="med"/>
+                      <a:tailEnd type="none" w="med" len="med"/>
+                    </a:lnR>
+                    <a:lnT w="9525" cap="flat" cmpd="sng" algn="ctr">
+                      <a:solidFill>
+                        <a:srgbClr val="666666"/>
+                      </a:solidFill>
+                      <a:prstDash val="solid"/>
+                      <a:round/>
+                      <a:headEnd type="none" w="med" len="med"/>
+                      <a:tailEnd type="none" w="med" len="med"/>
+                    </a:lnT>
+                    <a:lnB w="9525" cap="flat" cmpd="sng" algn="ctr">
+                      <a:solidFill>
+                        <a:srgbClr val="666666"/>
+                      </a:solidFill>
+                      <a:prstDash val="solid"/>
+                      <a:round/>
+                      <a:headEnd type="none" w="med" len="med"/>
+                      <a:tailEnd type="none" w="med" len="med"/>
+                    </a:lnB>
+                    <a:solidFill>
+                      <a:srgbClr val="111111"/>
+                    </a:solidFill>
+                  </a:tcPr>
+                </a:tc>
+                <a:extLst>
+                  <a:ext uri="{0D108BD9-81ED-4DB2-BD59-A6C34878D82A}">
+                    <a16:rowId xmlns:a16="http://schemas.microsoft.com/office/drawing/2014/main" val="827135531"/>
+                  </a:ext>
+                </a:extLst>
+              </a:tr>
+              <a:tr h="0">
+                <a:tc>
+                  <a:txBody>
+                    <a:bodyPr/>
+                    <a:lstStyle/>
+                    <a:p>
+                      <a:pPr algn="l"/>
+                      <a:endParaRPr lang="en-US" altLang="zh-TW" dirty="0">
+                        <a:effectLst/>
+                        <a:latin typeface="微軟正黑體" panose="020B0604030504040204" pitchFamily="34" charset="-120"/>
+                        <a:ea typeface="微軟正黑體" panose="020B0604030504040204" pitchFamily="34" charset="-120"/>
+                      </a:endParaRPr>
+                    </a:p>
+                  </a:txBody>
+                  <a:tcPr marL="76200" marR="76200" marT="76200" marB="76200" anchor="ctr">
+                    <a:lnL w="9525" cap="flat" cmpd="sng" algn="ctr">
+                      <a:solidFill>
+                        <a:srgbClr val="666666"/>
+                      </a:solidFill>
+                      <a:prstDash val="solid"/>
+                      <a:round/>
+                      <a:headEnd type="none" w="med" len="med"/>
+                      <a:tailEnd type="none" w="med" len="med"/>
+                    </a:lnL>
+                    <a:lnR w="9525" cap="flat" cmpd="sng" algn="ctr">
+                      <a:solidFill>
+                        <a:srgbClr val="666666"/>
+                      </a:solidFill>
+                      <a:prstDash val="solid"/>
+                      <a:round/>
+                      <a:headEnd type="none" w="med" len="med"/>
+                      <a:tailEnd type="none" w="med" len="med"/>
+                    </a:lnR>
+                    <a:lnT w="9525" cap="flat" cmpd="sng" algn="ctr">
+                      <a:solidFill>
+                        <a:srgbClr val="666666"/>
+                      </a:solidFill>
+                      <a:prstDash val="solid"/>
+                      <a:round/>
+                      <a:headEnd type="none" w="med" len="med"/>
+                      <a:tailEnd type="none" w="med" len="med"/>
+                    </a:lnT>
+                    <a:lnB w="9525" cap="flat" cmpd="sng" algn="ctr">
+                      <a:solidFill>
+                        <a:srgbClr val="666666"/>
+                      </a:solidFill>
+                      <a:prstDash val="solid"/>
+                      <a:round/>
+                      <a:headEnd type="none" w="med" len="med"/>
+                      <a:tailEnd type="none" w="med" len="med"/>
+                    </a:lnB>
+                    <a:solidFill>
+                      <a:srgbClr val="111111"/>
+                    </a:solidFill>
+                  </a:tcPr>
+                </a:tc>
+                <a:tc>
+                  <a:txBody>
+                    <a:bodyPr/>
+                    <a:lstStyle/>
+                    <a:p>
+                      <a:pPr algn="l"/>
+                      <a:endParaRPr lang="en-US" dirty="0">
+                        <a:effectLst/>
+                        <a:latin typeface="微軟正黑體" panose="020B0604030504040204" pitchFamily="34" charset="-120"/>
+                        <a:ea typeface="微軟正黑體" panose="020B0604030504040204" pitchFamily="34" charset="-120"/>
+                      </a:endParaRPr>
+                    </a:p>
+                  </a:txBody>
+                  <a:tcPr marL="76200" marR="76200" marT="76200" marB="76200" anchor="ctr">
+                    <a:lnL w="9525" cap="flat" cmpd="sng" algn="ctr">
+                      <a:solidFill>
+                        <a:srgbClr val="666666"/>
+                      </a:solidFill>
+                      <a:prstDash val="solid"/>
+                      <a:round/>
+                      <a:headEnd type="none" w="med" len="med"/>
+                      <a:tailEnd type="none" w="med" len="med"/>
+                    </a:lnL>
+                    <a:lnR w="9525" cap="flat" cmpd="sng" algn="ctr">
+                      <a:solidFill>
+                        <a:srgbClr val="666666"/>
+                      </a:solidFill>
+                      <a:prstDash val="solid"/>
+                      <a:round/>
+                      <a:headEnd type="none" w="med" len="med"/>
+                      <a:tailEnd type="none" w="med" len="med"/>
+                    </a:lnR>
+                    <a:lnT w="9525" cap="flat" cmpd="sng" algn="ctr">
+                      <a:solidFill>
+                        <a:srgbClr val="666666"/>
+                      </a:solidFill>
+                      <a:prstDash val="solid"/>
+                      <a:round/>
+                      <a:headEnd type="none" w="med" len="med"/>
+                      <a:tailEnd type="none" w="med" len="med"/>
+                    </a:lnT>
+                    <a:lnB w="9525" cap="flat" cmpd="sng" algn="ctr">
+                      <a:solidFill>
+                        <a:srgbClr val="666666"/>
+                      </a:solidFill>
+                      <a:prstDash val="solid"/>
+                      <a:round/>
+                      <a:headEnd type="none" w="med" len="med"/>
+                      <a:tailEnd type="none" w="med" len="med"/>
+                    </a:lnB>
+                    <a:solidFill>
+                      <a:srgbClr val="111111"/>
+                    </a:solidFill>
+                  </a:tcPr>
+                </a:tc>
+                <a:tc>
+                  <a:txBody>
+                    <a:bodyPr/>
+                    <a:lstStyle/>
+                    <a:p>
+                      <a:pPr algn="l"/>
+                      <a:endParaRPr lang="en-US" dirty="0">
+                        <a:effectLst/>
+                        <a:latin typeface="微軟正黑體" panose="020B0604030504040204" pitchFamily="34" charset="-120"/>
+                        <a:ea typeface="微軟正黑體" panose="020B0604030504040204" pitchFamily="34" charset="-120"/>
+                      </a:endParaRPr>
+                    </a:p>
+                  </a:txBody>
+                  <a:tcPr marL="76200" marR="76200" marT="76200" marB="76200" anchor="ctr">
+                    <a:lnL w="9525" cap="flat" cmpd="sng" algn="ctr">
+                      <a:solidFill>
+                        <a:srgbClr val="666666"/>
+                      </a:solidFill>
+                      <a:prstDash val="solid"/>
+                      <a:round/>
+                      <a:headEnd type="none" w="med" len="med"/>
+                      <a:tailEnd type="none" w="med" len="med"/>
+                    </a:lnL>
+                    <a:lnR w="9525" cap="flat" cmpd="sng" algn="ctr">
+                      <a:solidFill>
+                        <a:srgbClr val="666666"/>
+                      </a:solidFill>
+                      <a:prstDash val="solid"/>
+                      <a:round/>
+                      <a:headEnd type="none" w="med" len="med"/>
+                      <a:tailEnd type="none" w="med" len="med"/>
+                    </a:lnR>
+                    <a:lnT w="9525" cap="flat" cmpd="sng" algn="ctr">
+                      <a:solidFill>
+                        <a:srgbClr val="666666"/>
+                      </a:solidFill>
+                      <a:prstDash val="solid"/>
+                      <a:round/>
+                      <a:headEnd type="none" w="med" len="med"/>
+                      <a:tailEnd type="none" w="med" len="med"/>
+                    </a:lnT>
+                    <a:lnB w="9525" cap="flat" cmpd="sng" algn="ctr">
+                      <a:solidFill>
+                        <a:srgbClr val="666666"/>
+                      </a:solidFill>
+                      <a:prstDash val="solid"/>
+                      <a:round/>
+                      <a:headEnd type="none" w="med" len="med"/>
+                      <a:tailEnd type="none" w="med" len="med"/>
+                    </a:lnB>
+                    <a:solidFill>
+                      <a:srgbClr val="111111"/>
+                    </a:solidFill>
+                  </a:tcPr>
+                </a:tc>
+                <a:extLst>
+                  <a:ext uri="{0D108BD9-81ED-4DB2-BD59-A6C34878D82A}">
+                    <a16:rowId xmlns:a16="http://schemas.microsoft.com/office/drawing/2014/main" val="1190249771"/>
+                  </a:ext>
+                </a:extLst>
+              </a:tr>
+              <a:tr h="0">
+                <a:tc>
+                  <a:txBody>
+                    <a:bodyPr/>
+                    <a:lstStyle/>
+                    <a:p>
+                      <a:pPr algn="l"/>
+                      <a:endParaRPr lang="en-US" altLang="zh-TW" dirty="0">
+                        <a:effectLst/>
+                        <a:latin typeface="微軟正黑體" panose="020B0604030504040204" pitchFamily="34" charset="-120"/>
+                        <a:ea typeface="微軟正黑體" panose="020B0604030504040204" pitchFamily="34" charset="-120"/>
+                      </a:endParaRPr>
+                    </a:p>
+                  </a:txBody>
+                  <a:tcPr marL="76200" marR="76200" marT="76200" marB="76200" anchor="ctr">
+                    <a:lnL w="9525" cap="flat" cmpd="sng" algn="ctr">
+                      <a:solidFill>
+                        <a:srgbClr val="666666"/>
+                      </a:solidFill>
+                      <a:prstDash val="solid"/>
+                      <a:round/>
+                      <a:headEnd type="none" w="med" len="med"/>
+                      <a:tailEnd type="none" w="med" len="med"/>
+                    </a:lnL>
+                    <a:lnR w="9525" cap="flat" cmpd="sng" algn="ctr">
+                      <a:solidFill>
+                        <a:srgbClr val="666666"/>
+                      </a:solidFill>
+                      <a:prstDash val="solid"/>
+                      <a:round/>
+                      <a:headEnd type="none" w="med" len="med"/>
+                      <a:tailEnd type="none" w="med" len="med"/>
+                    </a:lnR>
+                    <a:lnT w="9525" cap="flat" cmpd="sng" algn="ctr">
+                      <a:solidFill>
+                        <a:srgbClr val="666666"/>
+                      </a:solidFill>
+                      <a:prstDash val="solid"/>
+                      <a:round/>
+                      <a:headEnd type="none" w="med" len="med"/>
+                      <a:tailEnd type="none" w="med" len="med"/>
+                    </a:lnT>
+                    <a:lnB w="9525" cap="flat" cmpd="sng" algn="ctr">
+                      <a:solidFill>
+                        <a:srgbClr val="666666"/>
+                      </a:solidFill>
+                      <a:prstDash val="solid"/>
+                      <a:round/>
+                      <a:headEnd type="none" w="med" len="med"/>
+                      <a:tailEnd type="none" w="med" len="med"/>
+                    </a:lnB>
+                    <a:solidFill>
+                      <a:srgbClr val="111111"/>
+                    </a:solidFill>
+                  </a:tcPr>
+                </a:tc>
+                <a:tc>
+                  <a:txBody>
+                    <a:bodyPr/>
+                    <a:lstStyle/>
+                    <a:p>
+                      <a:pPr algn="l"/>
+                      <a:endParaRPr lang="en-US" dirty="0">
+                        <a:effectLst/>
+                        <a:latin typeface="微軟正黑體" panose="020B0604030504040204" pitchFamily="34" charset="-120"/>
+                        <a:ea typeface="微軟正黑體" panose="020B0604030504040204" pitchFamily="34" charset="-120"/>
+                      </a:endParaRPr>
+                    </a:p>
+                  </a:txBody>
+                  <a:tcPr marL="76200" marR="76200" marT="76200" marB="76200" anchor="ctr">
+                    <a:lnL w="9525" cap="flat" cmpd="sng" algn="ctr">
+                      <a:solidFill>
+                        <a:srgbClr val="666666"/>
+                      </a:solidFill>
+                      <a:prstDash val="solid"/>
+                      <a:round/>
+                      <a:headEnd type="none" w="med" len="med"/>
+                      <a:tailEnd type="none" w="med" len="med"/>
+                    </a:lnL>
+                    <a:lnR w="9525" cap="flat" cmpd="sng" algn="ctr">
+                      <a:solidFill>
+                        <a:srgbClr val="666666"/>
+                      </a:solidFill>
+                      <a:prstDash val="solid"/>
+                      <a:round/>
+                      <a:headEnd type="none" w="med" len="med"/>
+                      <a:tailEnd type="none" w="med" len="med"/>
+                    </a:lnR>
+                    <a:lnT w="9525" cap="flat" cmpd="sng" algn="ctr">
+                      <a:solidFill>
+                        <a:srgbClr val="666666"/>
+                      </a:solidFill>
+                      <a:prstDash val="solid"/>
+                      <a:round/>
+                      <a:headEnd type="none" w="med" len="med"/>
+                      <a:tailEnd type="none" w="med" len="med"/>
+                    </a:lnT>
+                    <a:lnB w="9525" cap="flat" cmpd="sng" algn="ctr">
+                      <a:solidFill>
+                        <a:srgbClr val="666666"/>
+                      </a:solidFill>
+                      <a:prstDash val="solid"/>
+                      <a:round/>
+                      <a:headEnd type="none" w="med" len="med"/>
+                      <a:tailEnd type="none" w="med" len="med"/>
+                    </a:lnB>
+                    <a:solidFill>
+                      <a:srgbClr val="111111"/>
+                    </a:solidFill>
+                  </a:tcPr>
+                </a:tc>
+                <a:tc>
+                  <a:txBody>
+                    <a:bodyPr/>
+                    <a:lstStyle/>
+                    <a:p>
+                      <a:pPr algn="l"/>
+                      <a:endParaRPr lang="en-US" dirty="0">
+                        <a:effectLst/>
+                        <a:latin typeface="微軟正黑體" panose="020B0604030504040204" pitchFamily="34" charset="-120"/>
+                        <a:ea typeface="微軟正黑體" panose="020B0604030504040204" pitchFamily="34" charset="-120"/>
+                      </a:endParaRPr>
+                    </a:p>
+                  </a:txBody>
+                  <a:tcPr marL="76200" marR="76200" marT="76200" marB="76200" anchor="ctr">
+                    <a:lnL w="9525" cap="flat" cmpd="sng" algn="ctr">
+                      <a:solidFill>
+                        <a:srgbClr val="666666"/>
+                      </a:solidFill>
+                      <a:prstDash val="solid"/>
+                      <a:round/>
+                      <a:headEnd type="none" w="med" len="med"/>
+                      <a:tailEnd type="none" w="med" len="med"/>
+                    </a:lnL>
+                    <a:lnR w="9525" cap="flat" cmpd="sng" algn="ctr">
+                      <a:solidFill>
+                        <a:srgbClr val="666666"/>
+                      </a:solidFill>
+                      <a:prstDash val="solid"/>
+                      <a:round/>
+                      <a:headEnd type="none" w="med" len="med"/>
+                      <a:tailEnd type="none" w="med" len="med"/>
+                    </a:lnR>
+                    <a:lnT w="9525" cap="flat" cmpd="sng" algn="ctr">
+                      <a:solidFill>
+                        <a:srgbClr val="666666"/>
+                      </a:solidFill>
+                      <a:prstDash val="solid"/>
+                      <a:round/>
+                      <a:headEnd type="none" w="med" len="med"/>
+                      <a:tailEnd type="none" w="med" len="med"/>
+                    </a:lnT>
+                    <a:lnB w="9525" cap="flat" cmpd="sng" algn="ctr">
+                      <a:solidFill>
+                        <a:srgbClr val="666666"/>
+                      </a:solidFill>
+                      <a:prstDash val="solid"/>
+                      <a:round/>
+                      <a:headEnd type="none" w="med" len="med"/>
+                      <a:tailEnd type="none" w="med" len="med"/>
+                    </a:lnB>
+                    <a:solidFill>
+                      <a:srgbClr val="111111"/>
+                    </a:solidFill>
+                  </a:tcPr>
+                </a:tc>
+                <a:extLst>
+                  <a:ext uri="{0D108BD9-81ED-4DB2-BD59-A6C34878D82A}">
+                    <a16:rowId xmlns:a16="http://schemas.microsoft.com/office/drawing/2014/main" val="2350451167"/>
+                  </a:ext>
+                </a:extLst>
+              </a:tr>
+              <a:tr h="0">
+                <a:tc>
+                  <a:txBody>
+                    <a:bodyPr/>
+                    <a:lstStyle/>
+                    <a:p>
+                      <a:pPr algn="l"/>
+                      <a:endParaRPr lang="en-US" altLang="zh-TW" dirty="0">
+                        <a:effectLst/>
+                        <a:latin typeface="微軟正黑體" panose="020B0604030504040204" pitchFamily="34" charset="-120"/>
+                        <a:ea typeface="微軟正黑體" panose="020B0604030504040204" pitchFamily="34" charset="-120"/>
+                      </a:endParaRPr>
+                    </a:p>
+                  </a:txBody>
+                  <a:tcPr marL="76200" marR="76200" marT="76200" marB="76200" anchor="ctr">
+                    <a:lnL w="9525" cap="flat" cmpd="sng" algn="ctr">
+                      <a:solidFill>
+                        <a:srgbClr val="666666"/>
+                      </a:solidFill>
+                      <a:prstDash val="solid"/>
+                      <a:round/>
+                      <a:headEnd type="none" w="med" len="med"/>
+                      <a:tailEnd type="none" w="med" len="med"/>
+                    </a:lnL>
+                    <a:lnR w="9525" cap="flat" cmpd="sng" algn="ctr">
+                      <a:solidFill>
+                        <a:srgbClr val="666666"/>
+                      </a:solidFill>
+                      <a:prstDash val="solid"/>
+                      <a:round/>
+                      <a:headEnd type="none" w="med" len="med"/>
+                      <a:tailEnd type="none" w="med" len="med"/>
+                    </a:lnR>
+                    <a:lnT w="9525" cap="flat" cmpd="sng" algn="ctr">
+                      <a:solidFill>
+                        <a:srgbClr val="666666"/>
+                      </a:solidFill>
+                      <a:prstDash val="solid"/>
+                      <a:round/>
+                      <a:headEnd type="none" w="med" len="med"/>
+                      <a:tailEnd type="none" w="med" len="med"/>
+                    </a:lnT>
+                    <a:lnB w="9525" cap="flat" cmpd="sng" algn="ctr">
+                      <a:solidFill>
+                        <a:srgbClr val="666666"/>
+                      </a:solidFill>
+                      <a:prstDash val="solid"/>
+                      <a:round/>
+                      <a:headEnd type="none" w="med" len="med"/>
+                      <a:tailEnd type="none" w="med" len="med"/>
+                    </a:lnB>
+                    <a:solidFill>
+                      <a:srgbClr val="111111"/>
+                    </a:solidFill>
+                  </a:tcPr>
+                </a:tc>
+                <a:tc>
+                  <a:txBody>
+                    <a:bodyPr/>
+                    <a:lstStyle/>
+                    <a:p>
+                      <a:pPr algn="l"/>
+                      <a:endParaRPr lang="en-US" dirty="0">
+                        <a:effectLst/>
+                        <a:latin typeface="微軟正黑體" panose="020B0604030504040204" pitchFamily="34" charset="-120"/>
+                        <a:ea typeface="微軟正黑體" panose="020B0604030504040204" pitchFamily="34" charset="-120"/>
+                      </a:endParaRPr>
+                    </a:p>
+                  </a:txBody>
+                  <a:tcPr marL="76200" marR="76200" marT="76200" marB="76200" anchor="ctr">
+                    <a:lnL w="9525" cap="flat" cmpd="sng" algn="ctr">
+                      <a:solidFill>
+                        <a:srgbClr val="666666"/>
+                      </a:solidFill>
+                      <a:prstDash val="solid"/>
+                      <a:round/>
+                      <a:headEnd type="none" w="med" len="med"/>
+                      <a:tailEnd type="none" w="med" len="med"/>
+                    </a:lnL>
+                    <a:lnR w="9525" cap="flat" cmpd="sng" algn="ctr">
+                      <a:solidFill>
+                        <a:srgbClr val="666666"/>
+                      </a:solidFill>
+                      <a:prstDash val="solid"/>
+                      <a:round/>
+                      <a:headEnd type="none" w="med" len="med"/>
+                      <a:tailEnd type="none" w="med" len="med"/>
+                    </a:lnR>
+                    <a:lnT w="9525" cap="flat" cmpd="sng" algn="ctr">
+                      <a:solidFill>
+                        <a:srgbClr val="666666"/>
+                      </a:solidFill>
+                      <a:prstDash val="solid"/>
+                      <a:round/>
+                      <a:headEnd type="none" w="med" len="med"/>
+                      <a:tailEnd type="none" w="med" len="med"/>
+                    </a:lnT>
+                    <a:lnB w="9525" cap="flat" cmpd="sng" algn="ctr">
+                      <a:solidFill>
+                        <a:srgbClr val="666666"/>
+                      </a:solidFill>
+                      <a:prstDash val="solid"/>
+                      <a:round/>
+                      <a:headEnd type="none" w="med" len="med"/>
+                      <a:tailEnd type="none" w="med" len="med"/>
+                    </a:lnB>
+                    <a:solidFill>
+                      <a:srgbClr val="111111"/>
+                    </a:solidFill>
+                  </a:tcPr>
+                </a:tc>
+                <a:tc>
+                  <a:txBody>
+                    <a:bodyPr/>
+                    <a:lstStyle/>
+                    <a:p>
+                      <a:pPr algn="l"/>
+                      <a:endParaRPr lang="en-US" dirty="0">
+                        <a:effectLst/>
+                        <a:latin typeface="微軟正黑體" panose="020B0604030504040204" pitchFamily="34" charset="-120"/>
+                        <a:ea typeface="微軟正黑體" panose="020B0604030504040204" pitchFamily="34" charset="-120"/>
+                      </a:endParaRPr>
+                    </a:p>
+                  </a:txBody>
+                  <a:tcPr marL="76200" marR="76200" marT="76200" marB="76200" anchor="ctr">
+                    <a:lnL w="9525" cap="flat" cmpd="sng" algn="ctr">
+                      <a:solidFill>
+                        <a:srgbClr val="666666"/>
+                      </a:solidFill>
+                      <a:prstDash val="solid"/>
+                      <a:round/>
+                      <a:headEnd type="none" w="med" len="med"/>
+                      <a:tailEnd type="none" w="med" len="med"/>
+                    </a:lnL>
+                    <a:lnR w="9525" cap="flat" cmpd="sng" algn="ctr">
+                      <a:solidFill>
+                        <a:srgbClr val="666666"/>
+                      </a:solidFill>
+                      <a:prstDash val="solid"/>
+                      <a:round/>
+                      <a:headEnd type="none" w="med" len="med"/>
+                      <a:tailEnd type="none" w="med" len="med"/>
+                    </a:lnR>
+                    <a:lnT w="9525" cap="flat" cmpd="sng" algn="ctr">
+                      <a:solidFill>
+                        <a:srgbClr val="666666"/>
+                      </a:solidFill>
+                      <a:prstDash val="solid"/>
+                      <a:round/>
+                      <a:headEnd type="none" w="med" len="med"/>
+                      <a:tailEnd type="none" w="med" len="med"/>
+                    </a:lnT>
+                    <a:lnB w="9525" cap="flat" cmpd="sng" algn="ctr">
+                      <a:solidFill>
+                        <a:srgbClr val="666666"/>
+                      </a:solidFill>
+                      <a:prstDash val="solid"/>
+                      <a:round/>
+                      <a:headEnd type="none" w="med" len="med"/>
+                      <a:tailEnd type="none" w="med" len="med"/>
+                    </a:lnB>
+                    <a:solidFill>
+                      <a:srgbClr val="111111"/>
+                    </a:solidFill>
+                  </a:tcPr>
+                </a:tc>
+                <a:extLst>
+                  <a:ext uri="{0D108BD9-81ED-4DB2-BD59-A6C34878D82A}">
+                    <a16:rowId xmlns:a16="http://schemas.microsoft.com/office/drawing/2014/main" val="409549943"/>
+                  </a:ext>
+                </a:extLst>
+              </a:tr>
+              <a:tr h="0">
+                <a:tc>
+                  <a:txBody>
+                    <a:bodyPr/>
+                    <a:lstStyle/>
+                    <a:p>
+                      <a:pPr algn="l"/>
+                      <a:endParaRPr lang="en-US" altLang="zh-TW" dirty="0">
+                        <a:effectLst/>
+                        <a:latin typeface="微軟正黑體" panose="020B0604030504040204" pitchFamily="34" charset="-120"/>
+                        <a:ea typeface="微軟正黑體" panose="020B0604030504040204" pitchFamily="34" charset="-120"/>
+                      </a:endParaRPr>
+                    </a:p>
+                  </a:txBody>
+                  <a:tcPr marL="76200" marR="76200" marT="76200" marB="76200" anchor="ctr">
+                    <a:lnL w="9525" cap="flat" cmpd="sng" algn="ctr">
+                      <a:solidFill>
+                        <a:srgbClr val="666666"/>
+                      </a:solidFill>
+                      <a:prstDash val="solid"/>
+                      <a:round/>
+                      <a:headEnd type="none" w="med" len="med"/>
+                      <a:tailEnd type="none" w="med" len="med"/>
+                    </a:lnL>
+                    <a:lnR w="9525" cap="flat" cmpd="sng" algn="ctr">
+                      <a:solidFill>
+                        <a:srgbClr val="666666"/>
+                      </a:solidFill>
+                      <a:prstDash val="solid"/>
+                      <a:round/>
+                      <a:headEnd type="none" w="med" len="med"/>
+                      <a:tailEnd type="none" w="med" len="med"/>
+                    </a:lnR>
+                    <a:lnT w="9525" cap="flat" cmpd="sng" algn="ctr">
+                      <a:solidFill>
+                        <a:srgbClr val="666666"/>
+                      </a:solidFill>
+                      <a:prstDash val="solid"/>
+                      <a:round/>
+                      <a:headEnd type="none" w="med" len="med"/>
+                      <a:tailEnd type="none" w="med" len="med"/>
+                    </a:lnT>
+                    <a:lnB w="9525" cap="flat" cmpd="sng" algn="ctr">
+                      <a:solidFill>
+                        <a:srgbClr val="666666"/>
+                      </a:solidFill>
+                      <a:prstDash val="solid"/>
+                      <a:round/>
+                      <a:headEnd type="none" w="med" len="med"/>
+                      <a:tailEnd type="none" w="med" len="med"/>
+                    </a:lnB>
+                    <a:solidFill>
+                      <a:srgbClr val="111111"/>
+                    </a:solidFill>
+                  </a:tcPr>
+                </a:tc>
+                <a:tc>
+                  <a:txBody>
+                    <a:bodyPr/>
+                    <a:lstStyle/>
+                    <a:p>
+                      <a:pPr algn="l"/>
+                      <a:endParaRPr lang="en-US" dirty="0">
+                        <a:effectLst/>
+                        <a:latin typeface="微軟正黑體" panose="020B0604030504040204" pitchFamily="34" charset="-120"/>
+                        <a:ea typeface="微軟正黑體" panose="020B0604030504040204" pitchFamily="34" charset="-120"/>
+                      </a:endParaRPr>
+                    </a:p>
+                  </a:txBody>
+                  <a:tcPr marL="76200" marR="76200" marT="76200" marB="76200" anchor="ctr">
+                    <a:lnL w="9525" cap="flat" cmpd="sng" algn="ctr">
+                      <a:solidFill>
+                        <a:srgbClr val="666666"/>
+                      </a:solidFill>
+                      <a:prstDash val="solid"/>
+                      <a:round/>
+                      <a:headEnd type="none" w="med" len="med"/>
+                      <a:tailEnd type="none" w="med" len="med"/>
+                    </a:lnL>
+                    <a:lnR w="9525" cap="flat" cmpd="sng" algn="ctr">
+                      <a:solidFill>
+                        <a:srgbClr val="666666"/>
+                      </a:solidFill>
+                      <a:prstDash val="solid"/>
+                      <a:round/>
+                      <a:headEnd type="none" w="med" len="med"/>
+                      <a:tailEnd type="none" w="med" len="med"/>
+                    </a:lnR>
+                    <a:lnT w="9525" cap="flat" cmpd="sng" algn="ctr">
+                      <a:solidFill>
+                        <a:srgbClr val="666666"/>
+                      </a:solidFill>
+                      <a:prstDash val="solid"/>
+                      <a:round/>
+                      <a:headEnd type="none" w="med" len="med"/>
+                      <a:tailEnd type="none" w="med" len="med"/>
+                    </a:lnT>
+                    <a:lnB w="9525" cap="flat" cmpd="sng" algn="ctr">
+                      <a:solidFill>
+                        <a:srgbClr val="666666"/>
+                      </a:solidFill>
+                      <a:prstDash val="solid"/>
+                      <a:round/>
+                      <a:headEnd type="none" w="med" len="med"/>
+                      <a:tailEnd type="none" w="med" len="med"/>
+                    </a:lnB>
+                    <a:solidFill>
+                      <a:srgbClr val="111111"/>
+                    </a:solidFill>
+                  </a:tcPr>
+                </a:tc>
+                <a:tc>
+                  <a:txBody>
+                    <a:bodyPr/>
+                    <a:lstStyle/>
+                    <a:p>
+                      <a:pPr algn="l"/>
+                      <a:endParaRPr lang="en-US" dirty="0">
+                        <a:effectLst/>
+                        <a:latin typeface="微軟正黑體" panose="020B0604030504040204" pitchFamily="34" charset="-120"/>
+                        <a:ea typeface="微軟正黑體" panose="020B0604030504040204" pitchFamily="34" charset="-120"/>
+                      </a:endParaRPr>
+                    </a:p>
+                  </a:txBody>
+                  <a:tcPr marL="76200" marR="76200" marT="76200" marB="76200" anchor="ctr">
+                    <a:lnL w="9525" cap="flat" cmpd="sng" algn="ctr">
+                      <a:solidFill>
+                        <a:srgbClr val="666666"/>
+                      </a:solidFill>
+                      <a:prstDash val="solid"/>
+                      <a:round/>
+                      <a:headEnd type="none" w="med" len="med"/>
+                      <a:tailEnd type="none" w="med" len="med"/>
+                    </a:lnL>
+                    <a:lnR w="9525" cap="flat" cmpd="sng" algn="ctr">
+                      <a:solidFill>
+                        <a:srgbClr val="666666"/>
+                      </a:solidFill>
+                      <a:prstDash val="solid"/>
+                      <a:round/>
+                      <a:headEnd type="none" w="med" len="med"/>
+                      <a:tailEnd type="none" w="med" len="med"/>
+                    </a:lnR>
+                    <a:lnT w="9525" cap="flat" cmpd="sng" algn="ctr">
+                      <a:solidFill>
+                        <a:srgbClr val="666666"/>
+                      </a:solidFill>
+                      <a:prstDash val="solid"/>
+                      <a:round/>
+                      <a:headEnd type="none" w="med" len="med"/>
+                      <a:tailEnd type="none" w="med" len="med"/>
+                    </a:lnT>
+                    <a:lnB w="9525" cap="flat" cmpd="sng" algn="ctr">
+                      <a:solidFill>
+                        <a:srgbClr val="666666"/>
+                      </a:solidFill>
+                      <a:prstDash val="solid"/>
+                      <a:round/>
+                      <a:headEnd type="none" w="med" len="med"/>
+                      <a:tailEnd type="none" w="med" len="med"/>
+                    </a:lnB>
+                    <a:solidFill>
+                      <a:srgbClr val="111111"/>
+                    </a:solidFill>
+                  </a:tcPr>
+                </a:tc>
+                <a:extLst>
+                  <a:ext uri="{0D108BD9-81ED-4DB2-BD59-A6C34878D82A}">
+                    <a16:rowId xmlns:a16="http://schemas.microsoft.com/office/drawing/2014/main" val="4041261659"/>
+                  </a:ext>
+                </a:extLst>
+              </a:tr>
+            </a:tbl>
+          </a:graphicData>
+        </a:graphic>
+      </p:graphicFrame>
     </p:spTree>
     <p:extLst>
       <p:ext uri="{BB962C8B-B14F-4D97-AF65-F5344CB8AC3E}">
-        <p14:creationId xmlns:p14="http://schemas.microsoft.com/office/powerpoint/2010/main" val="2729279470"/>
+        <p14:creationId xmlns:p14="http://schemas.microsoft.com/office/powerpoint/2010/main" val="304932136"/>
       </p:ext>
     </p:extLst>
   </p:cSld>
@@ -33765,7 +35990,13 @@
           <p:cNvGraphicFramePr>
             <a:graphicFrameLocks noGrp="1"/>
           </p:cNvGraphicFramePr>
-          <p:nvPr/>
+          <p:nvPr>
+            <p:extLst>
+              <p:ext uri="{D42A27DB-BD31-4B8C-83A1-F6EECF244321}">
+                <p14:modId xmlns:p14="http://schemas.microsoft.com/office/powerpoint/2010/main" val="3000227028"/>
+              </p:ext>
+            </p:extLst>
+          </p:nvPr>
         </p:nvGraphicFramePr>
         <p:xfrm>
           <a:off x="457200" y="2232501"/>
@@ -33801,6 +36032,8 @@
                       <a:r>
                         <a:rPr lang="zh-TW" altLang="en-US">
                           <a:effectLst/>
+                          <a:latin typeface="微軟正黑體" panose="020B0604030504040204" pitchFamily="34" charset="-120"/>
+                          <a:ea typeface="微軟正黑體" panose="020B0604030504040204" pitchFamily="34" charset="-120"/>
                         </a:rPr>
                         <a:t>表示式</a:t>
                       </a:r>
@@ -33857,6 +36090,8 @@
                       <a:r>
                         <a:rPr lang="zh-TW" altLang="en-US">
                           <a:effectLst/>
+                          <a:latin typeface="微軟正黑體" panose="020B0604030504040204" pitchFamily="34" charset="-120"/>
+                          <a:ea typeface="微軟正黑體" panose="020B0604030504040204" pitchFamily="34" charset="-120"/>
                         </a:rPr>
                         <a:t>說明</a:t>
                       </a:r>
@@ -33920,6 +36155,8 @@
                       <a:r>
                         <a:rPr lang="en-US">
                           <a:effectLst/>
+                          <a:latin typeface="微軟正黑體" panose="020B0604030504040204" pitchFamily="34" charset="-120"/>
+                          <a:ea typeface="微軟正黑體" panose="020B0604030504040204" pitchFamily="34" charset="-120"/>
                         </a:rPr>
                         <a:t>bookstore</a:t>
                       </a:r>
@@ -33976,24 +36213,32 @@
                       <a:r>
                         <a:rPr lang="zh-TW" altLang="en-US">
                           <a:effectLst/>
+                          <a:latin typeface="微軟正黑體" panose="020B0604030504040204" pitchFamily="34" charset="-120"/>
+                          <a:ea typeface="微軟正黑體" panose="020B0604030504040204" pitchFamily="34" charset="-120"/>
                         </a:rPr>
                         <a:t>選擇所有的</a:t>
                       </a:r>
                       <a:r>
                         <a:rPr lang="en-US" altLang="zh-TW">
                           <a:effectLst/>
+                          <a:latin typeface="微軟正黑體" panose="020B0604030504040204" pitchFamily="34" charset="-120"/>
+                          <a:ea typeface="微軟正黑體" panose="020B0604030504040204" pitchFamily="34" charset="-120"/>
                         </a:rPr>
                         <a:t>&lt;</a:t>
                       </a:r>
                       <a:r>
                         <a:rPr lang="en-US">
                           <a:effectLst/>
+                          <a:latin typeface="微軟正黑體" panose="020B0604030504040204" pitchFamily="34" charset="-120"/>
+                          <a:ea typeface="微軟正黑體" panose="020B0604030504040204" pitchFamily="34" charset="-120"/>
                         </a:rPr>
                         <a:t>bookstore&gt;</a:t>
                       </a:r>
                       <a:r>
                         <a:rPr lang="zh-TW" altLang="en-US">
                           <a:effectLst/>
+                          <a:latin typeface="微軟正黑體" panose="020B0604030504040204" pitchFamily="34" charset="-120"/>
+                          <a:ea typeface="微軟正黑體" panose="020B0604030504040204" pitchFamily="34" charset="-120"/>
                         </a:rPr>
                         <a:t>的節點</a:t>
                       </a:r>
@@ -34057,6 +36302,8 @@
                       <a:r>
                         <a:rPr lang="en-US">
                           <a:effectLst/>
+                          <a:latin typeface="微軟正黑體" panose="020B0604030504040204" pitchFamily="34" charset="-120"/>
+                          <a:ea typeface="微軟正黑體" panose="020B0604030504040204" pitchFamily="34" charset="-120"/>
                         </a:rPr>
                         <a:t>/bookstore</a:t>
                       </a:r>
@@ -34113,12 +36360,16 @@
                       <a:r>
                         <a:rPr lang="zh-TW" altLang="en-US">
                           <a:effectLst/>
+                          <a:latin typeface="微軟正黑體" panose="020B0604030504040204" pitchFamily="34" charset="-120"/>
+                          <a:ea typeface="微軟正黑體" panose="020B0604030504040204" pitchFamily="34" charset="-120"/>
                         </a:rPr>
                         <a:t>選取</a:t>
                       </a:r>
                       <a:r>
                         <a:rPr lang="en-US">
                           <a:effectLst/>
+                          <a:latin typeface="微軟正黑體" panose="020B0604030504040204" pitchFamily="34" charset="-120"/>
+                          <a:ea typeface="微軟正黑體" panose="020B0604030504040204" pitchFamily="34" charset="-120"/>
                         </a:rPr>
                         <a:t>root element (&lt;bookstore&gt;)</a:t>
                       </a:r>
@@ -34180,8 +36431,10 @@
                     <a:p>
                       <a:pPr algn="l"/>
                       <a:r>
-                        <a:rPr lang="en-US">
+                        <a:rPr lang="en-US" dirty="0">
                           <a:effectLst/>
+                          <a:latin typeface="微軟正黑體" panose="020B0604030504040204" pitchFamily="34" charset="-120"/>
+                          <a:ea typeface="微軟正黑體" panose="020B0604030504040204" pitchFamily="34" charset="-120"/>
                         </a:rPr>
                         <a:t>bookstore/book</a:t>
                       </a:r>
@@ -34238,48 +36491,64 @@
                       <a:r>
                         <a:rPr lang="zh-TW" altLang="en-US">
                           <a:effectLst/>
+                          <a:latin typeface="微軟正黑體" panose="020B0604030504040204" pitchFamily="34" charset="-120"/>
+                          <a:ea typeface="微軟正黑體" panose="020B0604030504040204" pitchFamily="34" charset="-120"/>
                         </a:rPr>
                         <a:t>選取</a:t>
                       </a:r>
                       <a:r>
                         <a:rPr lang="en-US" altLang="zh-TW">
                           <a:effectLst/>
+                          <a:latin typeface="微軟正黑體" panose="020B0604030504040204" pitchFamily="34" charset="-120"/>
+                          <a:ea typeface="微軟正黑體" panose="020B0604030504040204" pitchFamily="34" charset="-120"/>
                         </a:rPr>
                         <a:t>&lt;</a:t>
                       </a:r>
                       <a:r>
                         <a:rPr lang="en-US">
                           <a:effectLst/>
+                          <a:latin typeface="微軟正黑體" panose="020B0604030504040204" pitchFamily="34" charset="-120"/>
+                          <a:ea typeface="微軟正黑體" panose="020B0604030504040204" pitchFamily="34" charset="-120"/>
                         </a:rPr>
                         <a:t>bookstore&gt;</a:t>
                       </a:r>
                       <a:r>
                         <a:rPr lang="zh-TW" altLang="en-US">
                           <a:effectLst/>
+                          <a:latin typeface="微軟正黑體" panose="020B0604030504040204" pitchFamily="34" charset="-120"/>
+                          <a:ea typeface="微軟正黑體" panose="020B0604030504040204" pitchFamily="34" charset="-120"/>
                         </a:rPr>
                         <a:t>下所有</a:t>
                       </a:r>
                       <a:r>
                         <a:rPr lang="en-US">
                           <a:effectLst/>
+                          <a:latin typeface="微軟正黑體" panose="020B0604030504040204" pitchFamily="34" charset="-120"/>
+                          <a:ea typeface="微軟正黑體" panose="020B0604030504040204" pitchFamily="34" charset="-120"/>
                         </a:rPr>
                         <a:t>children</a:t>
                       </a:r>
                       <a:r>
                         <a:rPr lang="zh-TW" altLang="en-US">
                           <a:effectLst/>
+                          <a:latin typeface="微軟正黑體" panose="020B0604030504040204" pitchFamily="34" charset="-120"/>
+                          <a:ea typeface="微軟正黑體" panose="020B0604030504040204" pitchFamily="34" charset="-120"/>
                         </a:rPr>
                         <a:t>為</a:t>
                       </a:r>
                       <a:r>
                         <a:rPr lang="en-US">
                           <a:effectLst/>
+                          <a:latin typeface="微軟正黑體" panose="020B0604030504040204" pitchFamily="34" charset="-120"/>
+                          <a:ea typeface="微軟正黑體" panose="020B0604030504040204" pitchFamily="34" charset="-120"/>
                         </a:rPr>
                         <a:t>book</a:t>
                       </a:r>
                       <a:r>
                         <a:rPr lang="zh-TW" altLang="en-US">
                           <a:effectLst/>
+                          <a:latin typeface="微軟正黑體" panose="020B0604030504040204" pitchFamily="34" charset="-120"/>
+                          <a:ea typeface="微軟正黑體" panose="020B0604030504040204" pitchFamily="34" charset="-120"/>
                         </a:rPr>
                         <a:t>的節點</a:t>
                       </a:r>
@@ -34343,6 +36612,8 @@
                       <a:r>
                         <a:rPr lang="en-US">
                           <a:effectLst/>
+                          <a:latin typeface="微軟正黑體" panose="020B0604030504040204" pitchFamily="34" charset="-120"/>
+                          <a:ea typeface="微軟正黑體" panose="020B0604030504040204" pitchFamily="34" charset="-120"/>
                         </a:rPr>
                         <a:t>//book</a:t>
                       </a:r>
@@ -34399,24 +36670,32 @@
                       <a:r>
                         <a:rPr lang="zh-TW" altLang="en-US">
                           <a:effectLst/>
+                          <a:latin typeface="微軟正黑體" panose="020B0604030504040204" pitchFamily="34" charset="-120"/>
+                          <a:ea typeface="微軟正黑體" panose="020B0604030504040204" pitchFamily="34" charset="-120"/>
                         </a:rPr>
                         <a:t>選取所有位置的</a:t>
                       </a:r>
                       <a:r>
                         <a:rPr lang="en-US" altLang="zh-TW">
                           <a:effectLst/>
+                          <a:latin typeface="微軟正黑體" panose="020B0604030504040204" pitchFamily="34" charset="-120"/>
+                          <a:ea typeface="微軟正黑體" panose="020B0604030504040204" pitchFamily="34" charset="-120"/>
                         </a:rPr>
                         <a:t>&lt;</a:t>
                       </a:r>
                       <a:r>
                         <a:rPr lang="en-US">
                           <a:effectLst/>
+                          <a:latin typeface="微軟正黑體" panose="020B0604030504040204" pitchFamily="34" charset="-120"/>
+                          <a:ea typeface="微軟正黑體" panose="020B0604030504040204" pitchFamily="34" charset="-120"/>
                         </a:rPr>
                         <a:t>book&gt;</a:t>
                       </a:r>
                       <a:r>
                         <a:rPr lang="zh-TW" altLang="en-US">
                           <a:effectLst/>
+                          <a:latin typeface="微軟正黑體" panose="020B0604030504040204" pitchFamily="34" charset="-120"/>
+                          <a:ea typeface="微軟正黑體" panose="020B0604030504040204" pitchFamily="34" charset="-120"/>
                         </a:rPr>
                         <a:t>節點</a:t>
                       </a:r>
@@ -34480,6 +36759,8 @@
                       <a:r>
                         <a:rPr lang="en-US">
                           <a:effectLst/>
+                          <a:latin typeface="微軟正黑體" panose="020B0604030504040204" pitchFamily="34" charset="-120"/>
+                          <a:ea typeface="微軟正黑體" panose="020B0604030504040204" pitchFamily="34" charset="-120"/>
                         </a:rPr>
                         <a:t>bookstore//book</a:t>
                       </a:r>
@@ -34536,30 +36817,40 @@
                       <a:r>
                         <a:rPr lang="zh-TW" altLang="en-US">
                           <a:effectLst/>
+                          <a:latin typeface="微軟正黑體" panose="020B0604030504040204" pitchFamily="34" charset="-120"/>
+                          <a:ea typeface="微軟正黑體" panose="020B0604030504040204" pitchFamily="34" charset="-120"/>
                         </a:rPr>
                         <a:t>選取</a:t>
                       </a:r>
                       <a:r>
                         <a:rPr lang="en-US">
                           <a:effectLst/>
+                          <a:latin typeface="微軟正黑體" panose="020B0604030504040204" pitchFamily="34" charset="-120"/>
+                          <a:ea typeface="微軟正黑體" panose="020B0604030504040204" pitchFamily="34" charset="-120"/>
                         </a:rPr>
                         <a:t>bookstore</a:t>
                       </a:r>
                       <a:r>
                         <a:rPr lang="zh-TW" altLang="en-US">
                           <a:effectLst/>
+                          <a:latin typeface="微軟正黑體" panose="020B0604030504040204" pitchFamily="34" charset="-120"/>
+                          <a:ea typeface="微軟正黑體" panose="020B0604030504040204" pitchFamily="34" charset="-120"/>
                         </a:rPr>
                         <a:t>下全部的</a:t>
                       </a:r>
                       <a:r>
                         <a:rPr lang="en-US">
                           <a:effectLst/>
+                          <a:latin typeface="微軟正黑體" panose="020B0604030504040204" pitchFamily="34" charset="-120"/>
+                          <a:ea typeface="微軟正黑體" panose="020B0604030504040204" pitchFamily="34" charset="-120"/>
                         </a:rPr>
                         <a:t>book</a:t>
                       </a:r>
                       <a:r>
                         <a:rPr lang="zh-TW" altLang="en-US">
                           <a:effectLst/>
+                          <a:latin typeface="微軟正黑體" panose="020B0604030504040204" pitchFamily="34" charset="-120"/>
+                          <a:ea typeface="微軟正黑體" panose="020B0604030504040204" pitchFamily="34" charset="-120"/>
                         </a:rPr>
                         <a:t>節點。</a:t>
                       </a:r>
@@ -34621,8 +36912,10 @@
                     <a:p>
                       <a:pPr algn="l"/>
                       <a:r>
-                        <a:rPr lang="en-US">
+                        <a:rPr lang="en-US" dirty="0">
                           <a:effectLst/>
+                          <a:latin typeface="微軟正黑體" panose="020B0604030504040204" pitchFamily="34" charset="-120"/>
+                          <a:ea typeface="微軟正黑體" panose="020B0604030504040204" pitchFamily="34" charset="-120"/>
                         </a:rPr>
                         <a:t>//@lang</a:t>
                       </a:r>
@@ -34679,36 +36972,48 @@
                       <a:r>
                         <a:rPr lang="zh-TW" altLang="en-US" dirty="0">
                           <a:effectLst/>
+                          <a:latin typeface="微軟正黑體" panose="020B0604030504040204" pitchFamily="34" charset="-120"/>
+                          <a:ea typeface="微軟正黑體" panose="020B0604030504040204" pitchFamily="34" charset="-120"/>
                         </a:rPr>
                         <a:t>選取所有</a:t>
                       </a:r>
                       <a:r>
                         <a:rPr lang="en-US" dirty="0">
                           <a:effectLst/>
+                          <a:latin typeface="微軟正黑體" panose="020B0604030504040204" pitchFamily="34" charset="-120"/>
+                          <a:ea typeface="微軟正黑體" panose="020B0604030504040204" pitchFamily="34" charset="-120"/>
                         </a:rPr>
                         <a:t>attribute</a:t>
                       </a:r>
                       <a:r>
                         <a:rPr lang="zh-TW" altLang="en-US" dirty="0">
                           <a:effectLst/>
+                          <a:latin typeface="微軟正黑體" panose="020B0604030504040204" pitchFamily="34" charset="-120"/>
+                          <a:ea typeface="微軟正黑體" panose="020B0604030504040204" pitchFamily="34" charset="-120"/>
                         </a:rPr>
                         <a:t>為</a:t>
                       </a:r>
                       <a:r>
                         <a:rPr lang="en-US" dirty="0">
                           <a:effectLst/>
+                          <a:latin typeface="微軟正黑體" panose="020B0604030504040204" pitchFamily="34" charset="-120"/>
+                          <a:ea typeface="微軟正黑體" panose="020B0604030504040204" pitchFamily="34" charset="-120"/>
                         </a:rPr>
                         <a:t>lang</a:t>
                       </a:r>
                       <a:r>
                         <a:rPr lang="zh-TW" altLang="en-US" dirty="0">
                           <a:effectLst/>
+                          <a:latin typeface="微軟正黑體" panose="020B0604030504040204" pitchFamily="34" charset="-120"/>
+                          <a:ea typeface="微軟正黑體" panose="020B0604030504040204" pitchFamily="34" charset="-120"/>
                         </a:rPr>
                         <a:t>的</a:t>
                       </a:r>
                       <a:r>
                         <a:rPr lang="en-US" dirty="0">
                           <a:effectLst/>
+                          <a:latin typeface="微軟正黑體" panose="020B0604030504040204" pitchFamily="34" charset="-120"/>
+                          <a:ea typeface="微軟正黑體" panose="020B0604030504040204" pitchFamily="34" charset="-120"/>
                         </a:rPr>
                         <a:t>element</a:t>
                       </a:r>
@@ -34814,14 +37119,14 @@
           <p:nvPr>
             <p:extLst>
               <p:ext uri="{D42A27DB-BD31-4B8C-83A1-F6EECF244321}">
-                <p14:modId xmlns:p14="http://schemas.microsoft.com/office/powerpoint/2010/main" val="459894485"/>
+                <p14:modId xmlns:p14="http://schemas.microsoft.com/office/powerpoint/2010/main" val="3562019990"/>
               </p:ext>
             </p:extLst>
           </p:nvPr>
         </p:nvGraphicFramePr>
         <p:xfrm>
           <a:off x="533400" y="990600"/>
-          <a:ext cx="7620000" cy="5257800"/>
+          <a:ext cx="7620000" cy="5373988"/>
         </p:xfrm>
         <a:graphic>
           <a:graphicData uri="http://schemas.openxmlformats.org/drawingml/2006/table">
@@ -34851,8 +37156,10 @@
                     <a:p>
                       <a:pPr algn="l"/>
                       <a:r>
-                        <a:rPr lang="en-US" sz="1500" dirty="0">
+                        <a:rPr lang="en-US" sz="1800" dirty="0">
                           <a:effectLst/>
+                          <a:latin typeface="微軟正黑體" panose="020B0604030504040204" pitchFamily="34" charset="-120"/>
+                          <a:ea typeface="微軟正黑體" panose="020B0604030504040204" pitchFamily="34" charset="-120"/>
                         </a:rPr>
                         <a:t>/bookstore/book[1]</a:t>
                       </a:r>
@@ -34907,50 +37214,66 @@
                     <a:p>
                       <a:pPr algn="l"/>
                       <a:r>
-                        <a:rPr lang="zh-TW" altLang="en-US" sz="1500">
+                        <a:rPr lang="zh-TW" altLang="en-US" sz="1800">
                           <a:effectLst/>
+                          <a:latin typeface="微軟正黑體" panose="020B0604030504040204" pitchFamily="34" charset="-120"/>
+                          <a:ea typeface="微軟正黑體" panose="020B0604030504040204" pitchFamily="34" charset="-120"/>
                         </a:rPr>
                         <a:t>選取</a:t>
                       </a:r>
                       <a:r>
-                        <a:rPr lang="en-US" altLang="zh-TW" sz="1500">
+                        <a:rPr lang="en-US" altLang="zh-TW" sz="1800">
                           <a:effectLst/>
+                          <a:latin typeface="微軟正黑體" panose="020B0604030504040204" pitchFamily="34" charset="-120"/>
+                          <a:ea typeface="微軟正黑體" panose="020B0604030504040204" pitchFamily="34" charset="-120"/>
                         </a:rPr>
                         <a:t>&lt;</a:t>
                       </a:r>
                       <a:r>
-                        <a:rPr lang="en-US" sz="1500">
+                        <a:rPr lang="en-US" sz="1800">
                           <a:effectLst/>
+                          <a:latin typeface="微軟正黑體" panose="020B0604030504040204" pitchFamily="34" charset="-120"/>
+                          <a:ea typeface="微軟正黑體" panose="020B0604030504040204" pitchFamily="34" charset="-120"/>
                         </a:rPr>
                         <a:t>bookstore&gt;</a:t>
                       </a:r>
                       <a:r>
-                        <a:rPr lang="zh-TW" altLang="en-US" sz="1500">
+                        <a:rPr lang="zh-TW" altLang="en-US" sz="1800">
                           <a:effectLst/>
+                          <a:latin typeface="微軟正黑體" panose="020B0604030504040204" pitchFamily="34" charset="-120"/>
+                          <a:ea typeface="微軟正黑體" panose="020B0604030504040204" pitchFamily="34" charset="-120"/>
                         </a:rPr>
                         <a:t>的</a:t>
                       </a:r>
                       <a:r>
-                        <a:rPr lang="en-US" sz="1500">
+                        <a:rPr lang="en-US" sz="1800">
                           <a:effectLst/>
+                          <a:latin typeface="微軟正黑體" panose="020B0604030504040204" pitchFamily="34" charset="-120"/>
+                          <a:ea typeface="微軟正黑體" panose="020B0604030504040204" pitchFamily="34" charset="-120"/>
                         </a:rPr>
                         <a:t>children</a:t>
                       </a:r>
                       <a:r>
-                        <a:rPr lang="zh-TW" altLang="en-US" sz="1500">
+                        <a:rPr lang="zh-TW" altLang="en-US" sz="1800">
                           <a:effectLst/>
+                          <a:latin typeface="微軟正黑體" panose="020B0604030504040204" pitchFamily="34" charset="-120"/>
+                          <a:ea typeface="微軟正黑體" panose="020B0604030504040204" pitchFamily="34" charset="-120"/>
                         </a:rPr>
                         <a:t>中第一個</a:t>
                       </a:r>
                       <a:r>
-                        <a:rPr lang="en-US" altLang="zh-TW" sz="1500">
+                        <a:rPr lang="en-US" altLang="zh-TW" sz="1800">
                           <a:effectLst/>
+                          <a:latin typeface="微軟正黑體" panose="020B0604030504040204" pitchFamily="34" charset="-120"/>
+                          <a:ea typeface="微軟正黑體" panose="020B0604030504040204" pitchFamily="34" charset="-120"/>
                         </a:rPr>
                         <a:t>&lt;</a:t>
                       </a:r>
                       <a:r>
-                        <a:rPr lang="en-US" sz="1500">
+                        <a:rPr lang="en-US" sz="1800">
                           <a:effectLst/>
+                          <a:latin typeface="微軟正黑體" panose="020B0604030504040204" pitchFamily="34" charset="-120"/>
+                          <a:ea typeface="微軟正黑體" panose="020B0604030504040204" pitchFamily="34" charset="-120"/>
                         </a:rPr>
                         <a:t>book&gt;</a:t>
                       </a:r>
@@ -35012,8 +37335,10 @@
                     <a:p>
                       <a:pPr algn="l"/>
                       <a:r>
-                        <a:rPr lang="en-US" sz="1500">
+                        <a:rPr lang="en-US" sz="1800" dirty="0">
                           <a:effectLst/>
+                          <a:latin typeface="微軟正黑體" panose="020B0604030504040204" pitchFamily="34" charset="-120"/>
+                          <a:ea typeface="微軟正黑體" panose="020B0604030504040204" pitchFamily="34" charset="-120"/>
                         </a:rPr>
                         <a:t>/bookstore/book[last()]</a:t>
                       </a:r>
@@ -35068,50 +37393,66 @@
                     <a:p>
                       <a:pPr algn="l"/>
                       <a:r>
-                        <a:rPr lang="zh-TW" altLang="en-US" sz="1500">
+                        <a:rPr lang="zh-TW" altLang="en-US" sz="1800">
                           <a:effectLst/>
+                          <a:latin typeface="微軟正黑體" panose="020B0604030504040204" pitchFamily="34" charset="-120"/>
+                          <a:ea typeface="微軟正黑體" panose="020B0604030504040204" pitchFamily="34" charset="-120"/>
                         </a:rPr>
                         <a:t>選取</a:t>
                       </a:r>
                       <a:r>
-                        <a:rPr lang="en-US" altLang="zh-TW" sz="1500">
+                        <a:rPr lang="en-US" altLang="zh-TW" sz="1800">
                           <a:effectLst/>
+                          <a:latin typeface="微軟正黑體" panose="020B0604030504040204" pitchFamily="34" charset="-120"/>
+                          <a:ea typeface="微軟正黑體" panose="020B0604030504040204" pitchFamily="34" charset="-120"/>
                         </a:rPr>
                         <a:t>&lt;</a:t>
                       </a:r>
                       <a:r>
-                        <a:rPr lang="en-US" sz="1500">
+                        <a:rPr lang="en-US" sz="1800">
                           <a:effectLst/>
+                          <a:latin typeface="微軟正黑體" panose="020B0604030504040204" pitchFamily="34" charset="-120"/>
+                          <a:ea typeface="微軟正黑體" panose="020B0604030504040204" pitchFamily="34" charset="-120"/>
                         </a:rPr>
                         <a:t>bookstore&gt;</a:t>
                       </a:r>
                       <a:r>
-                        <a:rPr lang="zh-TW" altLang="en-US" sz="1500">
+                        <a:rPr lang="zh-TW" altLang="en-US" sz="1800">
                           <a:effectLst/>
+                          <a:latin typeface="微軟正黑體" panose="020B0604030504040204" pitchFamily="34" charset="-120"/>
+                          <a:ea typeface="微軟正黑體" panose="020B0604030504040204" pitchFamily="34" charset="-120"/>
                         </a:rPr>
                         <a:t>的</a:t>
                       </a:r>
                       <a:r>
-                        <a:rPr lang="en-US" sz="1500">
+                        <a:rPr lang="en-US" sz="1800">
                           <a:effectLst/>
+                          <a:latin typeface="微軟正黑體" panose="020B0604030504040204" pitchFamily="34" charset="-120"/>
+                          <a:ea typeface="微軟正黑體" panose="020B0604030504040204" pitchFamily="34" charset="-120"/>
                         </a:rPr>
                         <a:t>children</a:t>
                       </a:r>
                       <a:r>
-                        <a:rPr lang="zh-TW" altLang="en-US" sz="1500">
+                        <a:rPr lang="zh-TW" altLang="en-US" sz="1800">
                           <a:effectLst/>
+                          <a:latin typeface="微軟正黑體" panose="020B0604030504040204" pitchFamily="34" charset="-120"/>
+                          <a:ea typeface="微軟正黑體" panose="020B0604030504040204" pitchFamily="34" charset="-120"/>
                         </a:rPr>
                         <a:t>中最後一個</a:t>
                       </a:r>
                       <a:r>
-                        <a:rPr lang="en-US" altLang="zh-TW" sz="1500">
+                        <a:rPr lang="en-US" altLang="zh-TW" sz="1800">
                           <a:effectLst/>
+                          <a:latin typeface="微軟正黑體" panose="020B0604030504040204" pitchFamily="34" charset="-120"/>
+                          <a:ea typeface="微軟正黑體" panose="020B0604030504040204" pitchFamily="34" charset="-120"/>
                         </a:rPr>
                         <a:t>&lt;</a:t>
                       </a:r>
                       <a:r>
-                        <a:rPr lang="en-US" sz="1500">
+                        <a:rPr lang="en-US" sz="1800">
                           <a:effectLst/>
+                          <a:latin typeface="微軟正黑體" panose="020B0604030504040204" pitchFamily="34" charset="-120"/>
+                          <a:ea typeface="微軟正黑體" panose="020B0604030504040204" pitchFamily="34" charset="-120"/>
                         </a:rPr>
                         <a:t>book&gt;</a:t>
                       </a:r>
@@ -35173,8 +37514,10 @@
                     <a:p>
                       <a:pPr algn="l"/>
                       <a:r>
-                        <a:rPr lang="en-US" sz="1500">
+                        <a:rPr lang="en-US" sz="1800">
                           <a:effectLst/>
+                          <a:latin typeface="微軟正黑體" panose="020B0604030504040204" pitchFamily="34" charset="-120"/>
+                          <a:ea typeface="微軟正黑體" panose="020B0604030504040204" pitchFamily="34" charset="-120"/>
                         </a:rPr>
                         <a:t>/bookstore/book[last()-1]</a:t>
                       </a:r>
@@ -35229,50 +37572,66 @@
                     <a:p>
                       <a:pPr algn="l"/>
                       <a:r>
-                        <a:rPr lang="zh-TW" altLang="en-US" sz="1500">
+                        <a:rPr lang="zh-TW" altLang="en-US" sz="1800">
                           <a:effectLst/>
+                          <a:latin typeface="微軟正黑體" panose="020B0604030504040204" pitchFamily="34" charset="-120"/>
+                          <a:ea typeface="微軟正黑體" panose="020B0604030504040204" pitchFamily="34" charset="-120"/>
                         </a:rPr>
                         <a:t>選取</a:t>
                       </a:r>
                       <a:r>
-                        <a:rPr lang="en-US" altLang="zh-TW" sz="1500">
+                        <a:rPr lang="en-US" altLang="zh-TW" sz="1800">
                           <a:effectLst/>
+                          <a:latin typeface="微軟正黑體" panose="020B0604030504040204" pitchFamily="34" charset="-120"/>
+                          <a:ea typeface="微軟正黑體" panose="020B0604030504040204" pitchFamily="34" charset="-120"/>
                         </a:rPr>
                         <a:t>&lt;</a:t>
                       </a:r>
                       <a:r>
-                        <a:rPr lang="en-US" sz="1500">
+                        <a:rPr lang="en-US" sz="1800">
                           <a:effectLst/>
+                          <a:latin typeface="微軟正黑體" panose="020B0604030504040204" pitchFamily="34" charset="-120"/>
+                          <a:ea typeface="微軟正黑體" panose="020B0604030504040204" pitchFamily="34" charset="-120"/>
                         </a:rPr>
                         <a:t>bookstore&gt;</a:t>
                       </a:r>
                       <a:r>
-                        <a:rPr lang="zh-TW" altLang="en-US" sz="1500">
+                        <a:rPr lang="zh-TW" altLang="en-US" sz="1800">
                           <a:effectLst/>
+                          <a:latin typeface="微軟正黑體" panose="020B0604030504040204" pitchFamily="34" charset="-120"/>
+                          <a:ea typeface="微軟正黑體" panose="020B0604030504040204" pitchFamily="34" charset="-120"/>
                         </a:rPr>
                         <a:t>的</a:t>
                       </a:r>
                       <a:r>
-                        <a:rPr lang="en-US" sz="1500">
+                        <a:rPr lang="en-US" sz="1800">
                           <a:effectLst/>
+                          <a:latin typeface="微軟正黑體" panose="020B0604030504040204" pitchFamily="34" charset="-120"/>
+                          <a:ea typeface="微軟正黑體" panose="020B0604030504040204" pitchFamily="34" charset="-120"/>
                         </a:rPr>
                         <a:t>children</a:t>
                       </a:r>
                       <a:r>
-                        <a:rPr lang="zh-TW" altLang="en-US" sz="1500">
+                        <a:rPr lang="zh-TW" altLang="en-US" sz="1800">
                           <a:effectLst/>
+                          <a:latin typeface="微軟正黑體" panose="020B0604030504040204" pitchFamily="34" charset="-120"/>
+                          <a:ea typeface="微軟正黑體" panose="020B0604030504040204" pitchFamily="34" charset="-120"/>
                         </a:rPr>
                         <a:t>中倒數第二個</a:t>
                       </a:r>
                       <a:r>
-                        <a:rPr lang="en-US" altLang="zh-TW" sz="1500">
+                        <a:rPr lang="en-US" altLang="zh-TW" sz="1800">
                           <a:effectLst/>
+                          <a:latin typeface="微軟正黑體" panose="020B0604030504040204" pitchFamily="34" charset="-120"/>
+                          <a:ea typeface="微軟正黑體" panose="020B0604030504040204" pitchFamily="34" charset="-120"/>
                         </a:rPr>
                         <a:t>&lt;</a:t>
                       </a:r>
                       <a:r>
-                        <a:rPr lang="en-US" sz="1500">
+                        <a:rPr lang="en-US" sz="1800">
                           <a:effectLst/>
+                          <a:latin typeface="微軟正黑體" panose="020B0604030504040204" pitchFamily="34" charset="-120"/>
+                          <a:ea typeface="微軟正黑體" panose="020B0604030504040204" pitchFamily="34" charset="-120"/>
                         </a:rPr>
                         <a:t>book&gt;</a:t>
                       </a:r>
@@ -35334,8 +37693,10 @@
                     <a:p>
                       <a:pPr algn="l"/>
                       <a:r>
-                        <a:rPr lang="en-US" sz="1500">
+                        <a:rPr lang="en-US" sz="1800" dirty="0">
                           <a:effectLst/>
+                          <a:latin typeface="微軟正黑體" panose="020B0604030504040204" pitchFamily="34" charset="-120"/>
+                          <a:ea typeface="微軟正黑體" panose="020B0604030504040204" pitchFamily="34" charset="-120"/>
                         </a:rPr>
                         <a:t>/bookstore/book[position()&lt;3]</a:t>
                       </a:r>
@@ -35390,50 +37751,66 @@
                     <a:p>
                       <a:pPr algn="l"/>
                       <a:r>
-                        <a:rPr lang="zh-TW" altLang="en-US" sz="1500">
+                        <a:rPr lang="zh-TW" altLang="en-US" sz="1800">
                           <a:effectLst/>
+                          <a:latin typeface="微軟正黑體" panose="020B0604030504040204" pitchFamily="34" charset="-120"/>
+                          <a:ea typeface="微軟正黑體" panose="020B0604030504040204" pitchFamily="34" charset="-120"/>
                         </a:rPr>
                         <a:t>選取</a:t>
                       </a:r>
                       <a:r>
-                        <a:rPr lang="en-US" altLang="zh-TW" sz="1500">
+                        <a:rPr lang="en-US" altLang="zh-TW" sz="1800">
                           <a:effectLst/>
+                          <a:latin typeface="微軟正黑體" panose="020B0604030504040204" pitchFamily="34" charset="-120"/>
+                          <a:ea typeface="微軟正黑體" panose="020B0604030504040204" pitchFamily="34" charset="-120"/>
                         </a:rPr>
                         <a:t>&lt;</a:t>
                       </a:r>
                       <a:r>
-                        <a:rPr lang="en-US" sz="1500">
+                        <a:rPr lang="en-US" sz="1800">
                           <a:effectLst/>
+                          <a:latin typeface="微軟正黑體" panose="020B0604030504040204" pitchFamily="34" charset="-120"/>
+                          <a:ea typeface="微軟正黑體" panose="020B0604030504040204" pitchFamily="34" charset="-120"/>
                         </a:rPr>
                         <a:t>bookstore&gt;</a:t>
                       </a:r>
                       <a:r>
-                        <a:rPr lang="zh-TW" altLang="en-US" sz="1500">
+                        <a:rPr lang="zh-TW" altLang="en-US" sz="1800">
                           <a:effectLst/>
+                          <a:latin typeface="微軟正黑體" panose="020B0604030504040204" pitchFamily="34" charset="-120"/>
+                          <a:ea typeface="微軟正黑體" panose="020B0604030504040204" pitchFamily="34" charset="-120"/>
                         </a:rPr>
                         <a:t>的</a:t>
                       </a:r>
                       <a:r>
-                        <a:rPr lang="en-US" sz="1500">
+                        <a:rPr lang="en-US" sz="1800">
                           <a:effectLst/>
+                          <a:latin typeface="微軟正黑體" panose="020B0604030504040204" pitchFamily="34" charset="-120"/>
+                          <a:ea typeface="微軟正黑體" panose="020B0604030504040204" pitchFamily="34" charset="-120"/>
                         </a:rPr>
                         <a:t>children</a:t>
                       </a:r>
                       <a:r>
-                        <a:rPr lang="zh-TW" altLang="en-US" sz="1500">
+                        <a:rPr lang="zh-TW" altLang="en-US" sz="1800">
                           <a:effectLst/>
+                          <a:latin typeface="微軟正黑體" panose="020B0604030504040204" pitchFamily="34" charset="-120"/>
+                          <a:ea typeface="微軟正黑體" panose="020B0604030504040204" pitchFamily="34" charset="-120"/>
                         </a:rPr>
                         <a:t>中前兩個</a:t>
                       </a:r>
                       <a:r>
-                        <a:rPr lang="en-US" altLang="zh-TW" sz="1500">
+                        <a:rPr lang="en-US" altLang="zh-TW" sz="1800">
                           <a:effectLst/>
+                          <a:latin typeface="微軟正黑體" panose="020B0604030504040204" pitchFamily="34" charset="-120"/>
+                          <a:ea typeface="微軟正黑體" panose="020B0604030504040204" pitchFamily="34" charset="-120"/>
                         </a:rPr>
                         <a:t>&lt;</a:t>
                       </a:r>
                       <a:r>
-                        <a:rPr lang="en-US" sz="1500">
+                        <a:rPr lang="en-US" sz="1800">
                           <a:effectLst/>
+                          <a:latin typeface="微軟正黑體" panose="020B0604030504040204" pitchFamily="34" charset="-120"/>
+                          <a:ea typeface="微軟正黑體" panose="020B0604030504040204" pitchFamily="34" charset="-120"/>
                         </a:rPr>
                         <a:t>book&gt;</a:t>
                       </a:r>
@@ -35495,8 +37872,10 @@
                     <a:p>
                       <a:pPr algn="l"/>
                       <a:r>
-                        <a:rPr lang="en-US" sz="1500">
+                        <a:rPr lang="en-US" sz="1800">
                           <a:effectLst/>
+                          <a:latin typeface="微軟正黑體" panose="020B0604030504040204" pitchFamily="34" charset="-120"/>
+                          <a:ea typeface="微軟正黑體" panose="020B0604030504040204" pitchFamily="34" charset="-120"/>
                         </a:rPr>
                         <a:t>//title[@lang]</a:t>
                       </a:r>
@@ -35551,32 +37930,42 @@
                     <a:p>
                       <a:pPr algn="l"/>
                       <a:r>
-                        <a:rPr lang="zh-TW" altLang="en-US" sz="1500">
+                        <a:rPr lang="zh-TW" altLang="en-US" sz="1800">
                           <a:effectLst/>
+                          <a:latin typeface="微軟正黑體" panose="020B0604030504040204" pitchFamily="34" charset="-120"/>
+                          <a:ea typeface="微軟正黑體" panose="020B0604030504040204" pitchFamily="34" charset="-120"/>
                         </a:rPr>
                         <a:t>選取全部含有</a:t>
                       </a:r>
                       <a:r>
-                        <a:rPr lang="en-US" sz="1500">
+                        <a:rPr lang="en-US" sz="1800">
                           <a:effectLst/>
+                          <a:latin typeface="微軟正黑體" panose="020B0604030504040204" pitchFamily="34" charset="-120"/>
+                          <a:ea typeface="微軟正黑體" panose="020B0604030504040204" pitchFamily="34" charset="-120"/>
                         </a:rPr>
                         <a:t>lang</a:t>
                       </a:r>
                       <a:r>
-                        <a:rPr lang="zh-TW" altLang="en-US" sz="1500">
+                        <a:rPr lang="zh-TW" altLang="en-US" sz="1800">
                           <a:effectLst/>
+                          <a:latin typeface="微軟正黑體" panose="020B0604030504040204" pitchFamily="34" charset="-120"/>
+                          <a:ea typeface="微軟正黑體" panose="020B0604030504040204" pitchFamily="34" charset="-120"/>
                         </a:rPr>
                         <a:t>屬性的</a:t>
                       </a:r>
                       <a:r>
-                        <a:rPr lang="en-US" altLang="zh-TW" sz="1500">
+                        <a:rPr lang="en-US" altLang="zh-TW" sz="1800">
                           <a:effectLst/>
+                          <a:latin typeface="微軟正黑體" panose="020B0604030504040204" pitchFamily="34" charset="-120"/>
+                          <a:ea typeface="微軟正黑體" panose="020B0604030504040204" pitchFamily="34" charset="-120"/>
                         </a:rPr>
                         <a:t>&lt;</a:t>
                       </a:r>
                       <a:r>
-                        <a:rPr lang="en-US" sz="1500">
+                        <a:rPr lang="en-US" sz="1800">
                           <a:effectLst/>
+                          <a:latin typeface="微軟正黑體" panose="020B0604030504040204" pitchFamily="34" charset="-120"/>
+                          <a:ea typeface="微軟正黑體" panose="020B0604030504040204" pitchFamily="34" charset="-120"/>
                         </a:rPr>
                         <a:t>title&gt;</a:t>
                       </a:r>
@@ -35638,8 +38027,10 @@
                     <a:p>
                       <a:pPr algn="l"/>
                       <a:r>
-                        <a:rPr lang="en-US" sz="1500">
+                        <a:rPr lang="en-US" sz="1800">
                           <a:effectLst/>
+                          <a:latin typeface="微軟正黑體" panose="020B0604030504040204" pitchFamily="34" charset="-120"/>
+                          <a:ea typeface="微軟正黑體" panose="020B0604030504040204" pitchFamily="34" charset="-120"/>
                         </a:rPr>
                         <a:t>//title[@lang='en']</a:t>
                       </a:r>
@@ -35694,50 +38085,66 @@
                     <a:p>
                       <a:pPr algn="l"/>
                       <a:r>
-                        <a:rPr lang="zh-TW" altLang="en-US" sz="1500">
+                        <a:rPr lang="zh-TW" altLang="en-US" sz="1800">
                           <a:effectLst/>
+                          <a:latin typeface="微軟正黑體" panose="020B0604030504040204" pitchFamily="34" charset="-120"/>
+                          <a:ea typeface="微軟正黑體" panose="020B0604030504040204" pitchFamily="34" charset="-120"/>
                         </a:rPr>
                         <a:t>選取全部含有</a:t>
                       </a:r>
                       <a:r>
-                        <a:rPr lang="en-US" sz="1500">
+                        <a:rPr lang="en-US" sz="1800">
                           <a:effectLst/>
+                          <a:latin typeface="微軟正黑體" panose="020B0604030504040204" pitchFamily="34" charset="-120"/>
+                          <a:ea typeface="微軟正黑體" panose="020B0604030504040204" pitchFamily="34" charset="-120"/>
                         </a:rPr>
                         <a:t>lang</a:t>
                       </a:r>
                       <a:r>
-                        <a:rPr lang="zh-TW" altLang="en-US" sz="1500">
+                        <a:rPr lang="zh-TW" altLang="en-US" sz="1800">
                           <a:effectLst/>
+                          <a:latin typeface="微軟正黑體" panose="020B0604030504040204" pitchFamily="34" charset="-120"/>
+                          <a:ea typeface="微軟正黑體" panose="020B0604030504040204" pitchFamily="34" charset="-120"/>
                         </a:rPr>
                         <a:t>屬性且值為</a:t>
                       </a:r>
                       <a:r>
-                        <a:rPr lang="en-US" altLang="zh-TW" sz="1500">
+                        <a:rPr lang="en-US" altLang="zh-TW" sz="1800">
                           <a:effectLst/>
+                          <a:latin typeface="微軟正黑體" panose="020B0604030504040204" pitchFamily="34" charset="-120"/>
+                          <a:ea typeface="微軟正黑體" panose="020B0604030504040204" pitchFamily="34" charset="-120"/>
                         </a:rPr>
                         <a:t>"</a:t>
                       </a:r>
                       <a:r>
-                        <a:rPr lang="en-US" sz="1500">
+                        <a:rPr lang="en-US" sz="1800">
                           <a:effectLst/>
+                          <a:latin typeface="微軟正黑體" panose="020B0604030504040204" pitchFamily="34" charset="-120"/>
+                          <a:ea typeface="微軟正黑體" panose="020B0604030504040204" pitchFamily="34" charset="-120"/>
                         </a:rPr>
                         <a:t>en"</a:t>
                       </a:r>
                       <a:r>
-                        <a:rPr lang="zh-TW" altLang="en-US" sz="1500">
+                        <a:rPr lang="zh-TW" altLang="en-US" sz="1800">
                           <a:effectLst/>
+                          <a:latin typeface="微軟正黑體" panose="020B0604030504040204" pitchFamily="34" charset="-120"/>
+                          <a:ea typeface="微軟正黑體" panose="020B0604030504040204" pitchFamily="34" charset="-120"/>
                         </a:rPr>
                         <a:t>的</a:t>
                       </a:r>
                       <a:r>
-                        <a:rPr lang="en-US" altLang="zh-TW" sz="1500">
+                        <a:rPr lang="en-US" altLang="zh-TW" sz="1800">
                           <a:effectLst/>
+                          <a:latin typeface="微軟正黑體" panose="020B0604030504040204" pitchFamily="34" charset="-120"/>
+                          <a:ea typeface="微軟正黑體" panose="020B0604030504040204" pitchFamily="34" charset="-120"/>
                         </a:rPr>
                         <a:t>&lt;</a:t>
                       </a:r>
                       <a:r>
-                        <a:rPr lang="en-US" sz="1500">
+                        <a:rPr lang="en-US" sz="1800">
                           <a:effectLst/>
+                          <a:latin typeface="微軟正黑體" panose="020B0604030504040204" pitchFamily="34" charset="-120"/>
+                          <a:ea typeface="微軟正黑體" panose="020B0604030504040204" pitchFamily="34" charset="-120"/>
                         </a:rPr>
                         <a:t>title&gt;</a:t>
                       </a:r>
@@ -35799,8 +38206,10 @@
                     <a:p>
                       <a:pPr algn="l"/>
                       <a:r>
-                        <a:rPr lang="en-US" sz="1500">
+                        <a:rPr lang="en-US" sz="1800">
                           <a:effectLst/>
+                          <a:latin typeface="微軟正黑體" panose="020B0604030504040204" pitchFamily="34" charset="-120"/>
+                          <a:ea typeface="微軟正黑體" panose="020B0604030504040204" pitchFamily="34" charset="-120"/>
                         </a:rPr>
                         <a:t>/bookstore/book[price&gt;35.00]</a:t>
                       </a:r>
@@ -35855,80 +38264,106 @@
                     <a:p>
                       <a:pPr algn="l"/>
                       <a:r>
-                        <a:rPr lang="zh-TW" altLang="en-US" sz="1500">
+                        <a:rPr lang="zh-TW" altLang="en-US" sz="1800">
                           <a:effectLst/>
+                          <a:latin typeface="微軟正黑體" panose="020B0604030504040204" pitchFamily="34" charset="-120"/>
+                          <a:ea typeface="微軟正黑體" panose="020B0604030504040204" pitchFamily="34" charset="-120"/>
                         </a:rPr>
                         <a:t>選取</a:t>
                       </a:r>
                       <a:r>
-                        <a:rPr lang="en-US" altLang="zh-TW" sz="1500">
+                        <a:rPr lang="en-US" altLang="zh-TW" sz="1800">
                           <a:effectLst/>
+                          <a:latin typeface="微軟正黑體" panose="020B0604030504040204" pitchFamily="34" charset="-120"/>
+                          <a:ea typeface="微軟正黑體" panose="020B0604030504040204" pitchFamily="34" charset="-120"/>
                         </a:rPr>
                         <a:t>&lt;</a:t>
                       </a:r>
                       <a:r>
-                        <a:rPr lang="en-US" sz="1500">
+                        <a:rPr lang="en-US" sz="1800">
                           <a:effectLst/>
+                          <a:latin typeface="微軟正黑體" panose="020B0604030504040204" pitchFamily="34" charset="-120"/>
+                          <a:ea typeface="微軟正黑體" panose="020B0604030504040204" pitchFamily="34" charset="-120"/>
                         </a:rPr>
                         <a:t>bookstore&gt;</a:t>
                       </a:r>
                       <a:r>
-                        <a:rPr lang="zh-TW" altLang="en-US" sz="1500">
+                        <a:rPr lang="zh-TW" altLang="en-US" sz="1800">
                           <a:effectLst/>
+                          <a:latin typeface="微軟正黑體" panose="020B0604030504040204" pitchFamily="34" charset="-120"/>
+                          <a:ea typeface="微軟正黑體" panose="020B0604030504040204" pitchFamily="34" charset="-120"/>
                         </a:rPr>
                         <a:t>的</a:t>
                       </a:r>
                       <a:r>
-                        <a:rPr lang="en-US" sz="1500">
+                        <a:rPr lang="en-US" sz="1800">
                           <a:effectLst/>
+                          <a:latin typeface="微軟正黑體" panose="020B0604030504040204" pitchFamily="34" charset="-120"/>
+                          <a:ea typeface="微軟正黑體" panose="020B0604030504040204" pitchFamily="34" charset="-120"/>
                         </a:rPr>
                         <a:t>children</a:t>
                       </a:r>
                       <a:r>
-                        <a:rPr lang="zh-TW" altLang="en-US" sz="1500">
+                        <a:rPr lang="zh-TW" altLang="en-US" sz="1800">
                           <a:effectLst/>
+                          <a:latin typeface="微軟正黑體" panose="020B0604030504040204" pitchFamily="34" charset="-120"/>
+                          <a:ea typeface="微軟正黑體" panose="020B0604030504040204" pitchFamily="34" charset="-120"/>
                         </a:rPr>
                         <a:t>中的</a:t>
                       </a:r>
                       <a:r>
-                        <a:rPr lang="en-US" altLang="zh-TW" sz="1500">
+                        <a:rPr lang="en-US" altLang="zh-TW" sz="1800">
                           <a:effectLst/>
+                          <a:latin typeface="微軟正黑體" panose="020B0604030504040204" pitchFamily="34" charset="-120"/>
+                          <a:ea typeface="微軟正黑體" panose="020B0604030504040204" pitchFamily="34" charset="-120"/>
                         </a:rPr>
                         <a:t>&lt;</a:t>
                       </a:r>
                       <a:r>
-                        <a:rPr lang="en-US" sz="1500">
+                        <a:rPr lang="en-US" sz="1800">
                           <a:effectLst/>
+                          <a:latin typeface="微軟正黑體" panose="020B0604030504040204" pitchFamily="34" charset="-120"/>
+                          <a:ea typeface="微軟正黑體" panose="020B0604030504040204" pitchFamily="34" charset="-120"/>
                         </a:rPr>
                         <a:t>book&gt;，</a:t>
                       </a:r>
                       <a:r>
-                        <a:rPr lang="zh-TW" altLang="en-US" sz="1500">
+                        <a:rPr lang="zh-TW" altLang="en-US" sz="1800">
                           <a:effectLst/>
+                          <a:latin typeface="微軟正黑體" panose="020B0604030504040204" pitchFamily="34" charset="-120"/>
+                          <a:ea typeface="微軟正黑體" panose="020B0604030504040204" pitchFamily="34" charset="-120"/>
                         </a:rPr>
                         <a:t>其下的</a:t>
                       </a:r>
                       <a:r>
-                        <a:rPr lang="en-US" altLang="zh-TW" sz="1500">
+                        <a:rPr lang="en-US" altLang="zh-TW" sz="1800">
                           <a:effectLst/>
+                          <a:latin typeface="微軟正黑體" panose="020B0604030504040204" pitchFamily="34" charset="-120"/>
+                          <a:ea typeface="微軟正黑體" panose="020B0604030504040204" pitchFamily="34" charset="-120"/>
                         </a:rPr>
                         <a:t>&lt;</a:t>
                       </a:r>
                       <a:r>
-                        <a:rPr lang="en-US" sz="1500">
+                        <a:rPr lang="en-US" sz="1800">
                           <a:effectLst/>
+                          <a:latin typeface="微軟正黑體" panose="020B0604030504040204" pitchFamily="34" charset="-120"/>
+                          <a:ea typeface="微軟正黑體" panose="020B0604030504040204" pitchFamily="34" charset="-120"/>
                         </a:rPr>
                         <a:t>price&gt;</a:t>
                       </a:r>
                       <a:r>
-                        <a:rPr lang="zh-TW" altLang="en-US" sz="1500">
+                        <a:rPr lang="zh-TW" altLang="en-US" sz="1800">
                           <a:effectLst/>
+                          <a:latin typeface="微軟正黑體" panose="020B0604030504040204" pitchFamily="34" charset="-120"/>
+                          <a:ea typeface="微軟正黑體" panose="020B0604030504040204" pitchFamily="34" charset="-120"/>
                         </a:rPr>
                         <a:t>值大於</a:t>
                       </a:r>
                       <a:r>
-                        <a:rPr lang="en-US" altLang="zh-TW" sz="1500">
+                        <a:rPr lang="en-US" altLang="zh-TW" sz="1800">
                           <a:effectLst/>
+                          <a:latin typeface="微軟正黑體" panose="020B0604030504040204" pitchFamily="34" charset="-120"/>
+                          <a:ea typeface="微軟正黑體" panose="020B0604030504040204" pitchFamily="34" charset="-120"/>
                         </a:rPr>
                         <a:t>35</a:t>
                       </a:r>
@@ -35990,8 +38425,10 @@
                     <a:p>
                       <a:pPr algn="l"/>
                       <a:r>
-                        <a:rPr lang="en-US" sz="1500">
+                        <a:rPr lang="en-US" sz="1800">
                           <a:effectLst/>
+                          <a:latin typeface="微軟正黑體" panose="020B0604030504040204" pitchFamily="34" charset="-120"/>
+                          <a:ea typeface="微軟正黑體" panose="020B0604030504040204" pitchFamily="34" charset="-120"/>
                         </a:rPr>
                         <a:t>/bookstore/book[price&gt;35.00]/title</a:t>
                       </a:r>
@@ -36046,98 +38483,130 @@
                     <a:p>
                       <a:pPr algn="l"/>
                       <a:r>
-                        <a:rPr lang="zh-TW" altLang="en-US" sz="1500" dirty="0">
+                        <a:rPr lang="zh-TW" altLang="en-US" sz="1800" dirty="0">
                           <a:effectLst/>
+                          <a:latin typeface="微軟正黑體" panose="020B0604030504040204" pitchFamily="34" charset="-120"/>
+                          <a:ea typeface="微軟正黑體" panose="020B0604030504040204" pitchFamily="34" charset="-120"/>
                         </a:rPr>
                         <a:t>選取</a:t>
                       </a:r>
                       <a:r>
-                        <a:rPr lang="en-US" altLang="zh-TW" sz="1500" dirty="0">
+                        <a:rPr lang="en-US" altLang="zh-TW" sz="1800" dirty="0">
                           <a:effectLst/>
+                          <a:latin typeface="微軟正黑體" panose="020B0604030504040204" pitchFamily="34" charset="-120"/>
+                          <a:ea typeface="微軟正黑體" panose="020B0604030504040204" pitchFamily="34" charset="-120"/>
                         </a:rPr>
                         <a:t>&lt;</a:t>
                       </a:r>
                       <a:r>
-                        <a:rPr lang="en-US" sz="1500" dirty="0">
+                        <a:rPr lang="en-US" sz="1800" dirty="0">
                           <a:effectLst/>
+                          <a:latin typeface="微軟正黑體" panose="020B0604030504040204" pitchFamily="34" charset="-120"/>
+                          <a:ea typeface="微軟正黑體" panose="020B0604030504040204" pitchFamily="34" charset="-120"/>
                         </a:rPr>
                         <a:t>bookstore&gt;</a:t>
                       </a:r>
                       <a:r>
-                        <a:rPr lang="zh-TW" altLang="en-US" sz="1500" dirty="0">
+                        <a:rPr lang="zh-TW" altLang="en-US" sz="1800" dirty="0">
                           <a:effectLst/>
+                          <a:latin typeface="微軟正黑體" panose="020B0604030504040204" pitchFamily="34" charset="-120"/>
+                          <a:ea typeface="微軟正黑體" panose="020B0604030504040204" pitchFamily="34" charset="-120"/>
                         </a:rPr>
                         <a:t>的</a:t>
                       </a:r>
                       <a:r>
-                        <a:rPr lang="en-US" sz="1500" dirty="0">
+                        <a:rPr lang="en-US" sz="1800" dirty="0">
                           <a:effectLst/>
+                          <a:latin typeface="微軟正黑體" panose="020B0604030504040204" pitchFamily="34" charset="-120"/>
+                          <a:ea typeface="微軟正黑體" panose="020B0604030504040204" pitchFamily="34" charset="-120"/>
                         </a:rPr>
                         <a:t>children</a:t>
                       </a:r>
                       <a:r>
-                        <a:rPr lang="zh-TW" altLang="en-US" sz="1500" dirty="0">
+                        <a:rPr lang="zh-TW" altLang="en-US" sz="1800" dirty="0">
                           <a:effectLst/>
+                          <a:latin typeface="微軟正黑體" panose="020B0604030504040204" pitchFamily="34" charset="-120"/>
+                          <a:ea typeface="微軟正黑體" panose="020B0604030504040204" pitchFamily="34" charset="-120"/>
                         </a:rPr>
                         <a:t>中的</a:t>
                       </a:r>
                       <a:r>
-                        <a:rPr lang="en-US" altLang="zh-TW" sz="1500" dirty="0">
+                        <a:rPr lang="en-US" altLang="zh-TW" sz="1800" dirty="0">
                           <a:effectLst/>
+                          <a:latin typeface="微軟正黑體" panose="020B0604030504040204" pitchFamily="34" charset="-120"/>
+                          <a:ea typeface="微軟正黑體" panose="020B0604030504040204" pitchFamily="34" charset="-120"/>
                         </a:rPr>
                         <a:t>&lt;</a:t>
                       </a:r>
                       <a:r>
-                        <a:rPr lang="en-US" sz="1500" dirty="0">
+                        <a:rPr lang="en-US" sz="1800" dirty="0">
                           <a:effectLst/>
+                          <a:latin typeface="微軟正黑體" panose="020B0604030504040204" pitchFamily="34" charset="-120"/>
+                          <a:ea typeface="微軟正黑體" panose="020B0604030504040204" pitchFamily="34" charset="-120"/>
                         </a:rPr>
                         <a:t>book&gt;，</a:t>
                       </a:r>
                       <a:r>
-                        <a:rPr lang="zh-TW" altLang="en-US" sz="1500" dirty="0">
+                        <a:rPr lang="zh-TW" altLang="en-US" sz="1800" dirty="0">
                           <a:effectLst/>
+                          <a:latin typeface="微軟正黑體" panose="020B0604030504040204" pitchFamily="34" charset="-120"/>
+                          <a:ea typeface="微軟正黑體" panose="020B0604030504040204" pitchFamily="34" charset="-120"/>
                         </a:rPr>
                         <a:t>其下的</a:t>
                       </a:r>
                       <a:r>
-                        <a:rPr lang="en-US" altLang="zh-TW" sz="1500" dirty="0">
+                        <a:rPr lang="en-US" altLang="zh-TW" sz="1800" dirty="0">
                           <a:effectLst/>
+                          <a:latin typeface="微軟正黑體" panose="020B0604030504040204" pitchFamily="34" charset="-120"/>
+                          <a:ea typeface="微軟正黑體" panose="020B0604030504040204" pitchFamily="34" charset="-120"/>
                         </a:rPr>
                         <a:t>&lt;</a:t>
                       </a:r>
                       <a:r>
-                        <a:rPr lang="en-US" sz="1500" dirty="0">
+                        <a:rPr lang="en-US" sz="1800" dirty="0">
                           <a:effectLst/>
+                          <a:latin typeface="微軟正黑體" panose="020B0604030504040204" pitchFamily="34" charset="-120"/>
+                          <a:ea typeface="微軟正黑體" panose="020B0604030504040204" pitchFamily="34" charset="-120"/>
                         </a:rPr>
                         <a:t>price&gt;</a:t>
                       </a:r>
                       <a:r>
-                        <a:rPr lang="zh-TW" altLang="en-US" sz="1500" dirty="0">
+                        <a:rPr lang="zh-TW" altLang="en-US" sz="1800" dirty="0">
                           <a:effectLst/>
+                          <a:latin typeface="微軟正黑體" panose="020B0604030504040204" pitchFamily="34" charset="-120"/>
+                          <a:ea typeface="微軟正黑體" panose="020B0604030504040204" pitchFamily="34" charset="-120"/>
                         </a:rPr>
                         <a:t>值大於</a:t>
                       </a:r>
                       <a:r>
-                        <a:rPr lang="en-US" altLang="zh-TW" sz="1500" dirty="0">
+                        <a:rPr lang="en-US" altLang="zh-TW" sz="1800" dirty="0">
                           <a:effectLst/>
+                          <a:latin typeface="微軟正黑體" panose="020B0604030504040204" pitchFamily="34" charset="-120"/>
+                          <a:ea typeface="微軟正黑體" panose="020B0604030504040204" pitchFamily="34" charset="-120"/>
                         </a:rPr>
                         <a:t>35</a:t>
                       </a:r>
                       <a:r>
-                        <a:rPr lang="zh-TW" altLang="en-US" sz="1500" dirty="0">
+                        <a:rPr lang="zh-TW" altLang="en-US" sz="1800" dirty="0">
                           <a:effectLst/>
+                          <a:latin typeface="微軟正黑體" panose="020B0604030504040204" pitchFamily="34" charset="-120"/>
+                          <a:ea typeface="微軟正黑體" panose="020B0604030504040204" pitchFamily="34" charset="-120"/>
                         </a:rPr>
                         <a:t>的</a:t>
                       </a:r>
                       <a:r>
-                        <a:rPr lang="en-US" altLang="zh-TW" sz="1500" dirty="0">
+                        <a:rPr lang="en-US" altLang="zh-TW" sz="1800" dirty="0">
                           <a:effectLst/>
+                          <a:latin typeface="微軟正黑體" panose="020B0604030504040204" pitchFamily="34" charset="-120"/>
+                          <a:ea typeface="微軟正黑體" panose="020B0604030504040204" pitchFamily="34" charset="-120"/>
                         </a:rPr>
                         <a:t>&lt;</a:t>
                       </a:r>
                       <a:r>
-                        <a:rPr lang="en-US" sz="1500" dirty="0">
+                        <a:rPr lang="en-US" sz="1800" dirty="0">
                           <a:effectLst/>
+                          <a:latin typeface="微軟正黑體" panose="020B0604030504040204" pitchFamily="34" charset="-120"/>
+                          <a:ea typeface="微軟正黑體" panose="020B0604030504040204" pitchFamily="34" charset="-120"/>
                         </a:rPr>
                         <a:t>title&gt;</a:t>
                       </a:r>
@@ -36323,7 +38792,7 @@
           <p:nvPr>
             <p:extLst>
               <p:ext uri="{D42A27DB-BD31-4B8C-83A1-F6EECF244321}">
-                <p14:modId xmlns:p14="http://schemas.microsoft.com/office/powerpoint/2010/main" val="2957323656"/>
+                <p14:modId xmlns:p14="http://schemas.microsoft.com/office/powerpoint/2010/main" val="3536901110"/>
               </p:ext>
             </p:extLst>
           </p:nvPr>
@@ -36362,6 +38831,8 @@
                       <a:r>
                         <a:rPr lang="zh-TW" altLang="en-US">
                           <a:effectLst/>
+                          <a:latin typeface="微軟正黑體" panose="020B0604030504040204" pitchFamily="34" charset="-120"/>
+                          <a:ea typeface="微軟正黑體" panose="020B0604030504040204" pitchFamily="34" charset="-120"/>
                         </a:rPr>
                         <a:t>萬用字元</a:t>
                       </a:r>
@@ -36418,6 +38889,8 @@
                       <a:r>
                         <a:rPr lang="zh-TW" altLang="en-US">
                           <a:effectLst/>
+                          <a:latin typeface="微軟正黑體" panose="020B0604030504040204" pitchFamily="34" charset="-120"/>
+                          <a:ea typeface="微軟正黑體" panose="020B0604030504040204" pitchFamily="34" charset="-120"/>
                         </a:rPr>
                         <a:t>說明</a:t>
                       </a:r>
@@ -36481,6 +38954,8 @@
                       <a:r>
                         <a:rPr lang="zh-TW" altLang="en-US" dirty="0">
                           <a:effectLst/>
+                          <a:latin typeface="微軟正黑體" panose="020B0604030504040204" pitchFamily="34" charset="-120"/>
+                          <a:ea typeface="微軟正黑體" panose="020B0604030504040204" pitchFamily="34" charset="-120"/>
                         </a:rPr>
                         <a:t>*</a:t>
                       </a:r>
@@ -36537,18 +39012,24 @@
                       <a:r>
                         <a:rPr lang="zh-TW" altLang="en-US">
                           <a:effectLst/>
+                          <a:latin typeface="微軟正黑體" panose="020B0604030504040204" pitchFamily="34" charset="-120"/>
+                          <a:ea typeface="微軟正黑體" panose="020B0604030504040204" pitchFamily="34" charset="-120"/>
                         </a:rPr>
                         <a:t>匹配任意</a:t>
                       </a:r>
                       <a:r>
                         <a:rPr lang="en-US">
                           <a:effectLst/>
+                          <a:latin typeface="微軟正黑體" panose="020B0604030504040204" pitchFamily="34" charset="-120"/>
+                          <a:ea typeface="微軟正黑體" panose="020B0604030504040204" pitchFamily="34" charset="-120"/>
                         </a:rPr>
                         <a:t>element</a:t>
                       </a:r>
                       <a:r>
                         <a:rPr lang="zh-TW" altLang="en-US">
                           <a:effectLst/>
+                          <a:latin typeface="微軟正黑體" panose="020B0604030504040204" pitchFamily="34" charset="-120"/>
+                          <a:ea typeface="微軟正黑體" panose="020B0604030504040204" pitchFamily="34" charset="-120"/>
                         </a:rPr>
                         <a:t>節點</a:t>
                       </a:r>
@@ -36612,6 +39093,8 @@
                       <a:r>
                         <a:rPr lang="en-US" altLang="zh-TW" dirty="0">
                           <a:effectLst/>
+                          <a:latin typeface="微軟正黑體" panose="020B0604030504040204" pitchFamily="34" charset="-120"/>
+                          <a:ea typeface="微軟正黑體" panose="020B0604030504040204" pitchFamily="34" charset="-120"/>
                         </a:rPr>
                         <a:t>@*</a:t>
                       </a:r>
@@ -36668,18 +39151,24 @@
                       <a:r>
                         <a:rPr lang="zh-TW" altLang="en-US">
                           <a:effectLst/>
+                          <a:latin typeface="微軟正黑體" panose="020B0604030504040204" pitchFamily="34" charset="-120"/>
+                          <a:ea typeface="微軟正黑體" panose="020B0604030504040204" pitchFamily="34" charset="-120"/>
                         </a:rPr>
                         <a:t>匹配任意</a:t>
                       </a:r>
                       <a:r>
                         <a:rPr lang="en-US">
                           <a:effectLst/>
+                          <a:latin typeface="微軟正黑體" panose="020B0604030504040204" pitchFamily="34" charset="-120"/>
+                          <a:ea typeface="微軟正黑體" panose="020B0604030504040204" pitchFamily="34" charset="-120"/>
                         </a:rPr>
                         <a:t>attribute</a:t>
                       </a:r>
                       <a:r>
                         <a:rPr lang="zh-TW" altLang="en-US">
                           <a:effectLst/>
+                          <a:latin typeface="微軟正黑體" panose="020B0604030504040204" pitchFamily="34" charset="-120"/>
+                          <a:ea typeface="微軟正黑體" panose="020B0604030504040204" pitchFamily="34" charset="-120"/>
                         </a:rPr>
                         <a:t>節點</a:t>
                       </a:r>
@@ -36743,6 +39232,8 @@
                       <a:r>
                         <a:rPr lang="en-US">
                           <a:effectLst/>
+                          <a:latin typeface="微軟正黑體" panose="020B0604030504040204" pitchFamily="34" charset="-120"/>
+                          <a:ea typeface="微軟正黑體" panose="020B0604030504040204" pitchFamily="34" charset="-120"/>
                         </a:rPr>
                         <a:t>node()</a:t>
                       </a:r>
@@ -36799,6 +39290,8 @@
                       <a:r>
                         <a:rPr lang="zh-TW" altLang="en-US" dirty="0">
                           <a:effectLst/>
+                          <a:latin typeface="微軟正黑體" panose="020B0604030504040204" pitchFamily="34" charset="-120"/>
+                          <a:ea typeface="微軟正黑體" panose="020B0604030504040204" pitchFamily="34" charset="-120"/>
                         </a:rPr>
                         <a:t>匹配任意節點</a:t>
                       </a:r>
@@ -37048,7 +39541,13 @@
           <p:cNvGraphicFramePr>
             <a:graphicFrameLocks noGrp="1"/>
           </p:cNvGraphicFramePr>
-          <p:nvPr/>
+          <p:nvPr>
+            <p:extLst>
+              <p:ext uri="{D42A27DB-BD31-4B8C-83A1-F6EECF244321}">
+                <p14:modId xmlns:p14="http://schemas.microsoft.com/office/powerpoint/2010/main" val="484697092"/>
+              </p:ext>
+            </p:extLst>
+          </p:nvPr>
         </p:nvGraphicFramePr>
         <p:xfrm>
           <a:off x="457200" y="2735421"/>
@@ -37084,12 +39583,16 @@
                       <a:r>
                         <a:rPr lang="en-US">
                           <a:effectLst/>
+                          <a:latin typeface="微軟正黑體" panose="020B0604030504040204" pitchFamily="34" charset="-120"/>
+                          <a:ea typeface="微軟正黑體" panose="020B0604030504040204" pitchFamily="34" charset="-120"/>
                         </a:rPr>
                         <a:t>Path </a:t>
                       </a:r>
                       <a:r>
                         <a:rPr lang="zh-TW" altLang="en-US">
                           <a:effectLst/>
+                          <a:latin typeface="微軟正黑體" panose="020B0604030504040204" pitchFamily="34" charset="-120"/>
+                          <a:ea typeface="微軟正黑體" panose="020B0604030504040204" pitchFamily="34" charset="-120"/>
                         </a:rPr>
                         <a:t>表示式</a:t>
                       </a:r>
@@ -37146,6 +39649,8 @@
                       <a:r>
                         <a:rPr lang="zh-TW" altLang="en-US">
                           <a:effectLst/>
+                          <a:latin typeface="微軟正黑體" panose="020B0604030504040204" pitchFamily="34" charset="-120"/>
+                          <a:ea typeface="微軟正黑體" panose="020B0604030504040204" pitchFamily="34" charset="-120"/>
                         </a:rPr>
                         <a:t>說明</a:t>
                       </a:r>
@@ -37207,8 +39712,10 @@
                     <a:p>
                       <a:pPr algn="l"/>
                       <a:r>
-                        <a:rPr lang="en-US">
+                        <a:rPr lang="en-US" dirty="0">
                           <a:effectLst/>
+                          <a:latin typeface="微軟正黑體" panose="020B0604030504040204" pitchFamily="34" charset="-120"/>
+                          <a:ea typeface="微軟正黑體" panose="020B0604030504040204" pitchFamily="34" charset="-120"/>
                         </a:rPr>
                         <a:t>/bookstore/*</a:t>
                       </a:r>
@@ -37265,36 +39772,48 @@
                       <a:r>
                         <a:rPr lang="zh-TW" altLang="en-US">
                           <a:effectLst/>
+                          <a:latin typeface="微軟正黑體" panose="020B0604030504040204" pitchFamily="34" charset="-120"/>
+                          <a:ea typeface="微軟正黑體" panose="020B0604030504040204" pitchFamily="34" charset="-120"/>
                         </a:rPr>
                         <a:t>選擇</a:t>
                       </a:r>
                       <a:r>
                         <a:rPr lang="en-US" altLang="zh-TW">
                           <a:effectLst/>
+                          <a:latin typeface="微軟正黑體" panose="020B0604030504040204" pitchFamily="34" charset="-120"/>
+                          <a:ea typeface="微軟正黑體" panose="020B0604030504040204" pitchFamily="34" charset="-120"/>
                         </a:rPr>
                         <a:t>&lt;</a:t>
                       </a:r>
                       <a:r>
                         <a:rPr lang="en-US">
                           <a:effectLst/>
+                          <a:latin typeface="微軟正黑體" panose="020B0604030504040204" pitchFamily="34" charset="-120"/>
+                          <a:ea typeface="微軟正黑體" panose="020B0604030504040204" pitchFamily="34" charset="-120"/>
                         </a:rPr>
                         <a:t>bookstore&gt;</a:t>
                       </a:r>
                       <a:r>
                         <a:rPr lang="zh-TW" altLang="en-US">
                           <a:effectLst/>
+                          <a:latin typeface="微軟正黑體" panose="020B0604030504040204" pitchFamily="34" charset="-120"/>
+                          <a:ea typeface="微軟正黑體" panose="020B0604030504040204" pitchFamily="34" charset="-120"/>
                         </a:rPr>
                         <a:t>下的所有</a:t>
                       </a:r>
                       <a:r>
                         <a:rPr lang="en-US">
                           <a:effectLst/>
+                          <a:latin typeface="微軟正黑體" panose="020B0604030504040204" pitchFamily="34" charset="-120"/>
+                          <a:ea typeface="微軟正黑體" panose="020B0604030504040204" pitchFamily="34" charset="-120"/>
                         </a:rPr>
                         <a:t>children element</a:t>
                       </a:r>
                       <a:r>
                         <a:rPr lang="zh-TW" altLang="en-US">
                           <a:effectLst/>
+                          <a:latin typeface="微軟正黑體" panose="020B0604030504040204" pitchFamily="34" charset="-120"/>
+                          <a:ea typeface="微軟正黑體" panose="020B0604030504040204" pitchFamily="34" charset="-120"/>
                         </a:rPr>
                         <a:t>節點</a:t>
                       </a:r>
@@ -37358,6 +39877,8 @@
                       <a:r>
                         <a:rPr lang="en-US" altLang="zh-TW">
                           <a:effectLst/>
+                          <a:latin typeface="微軟正黑體" panose="020B0604030504040204" pitchFamily="34" charset="-120"/>
+                          <a:ea typeface="微軟正黑體" panose="020B0604030504040204" pitchFamily="34" charset="-120"/>
                         </a:rPr>
                         <a:t>//*</a:t>
                       </a:r>
@@ -37414,6 +39935,8 @@
                       <a:r>
                         <a:rPr lang="zh-TW" altLang="en-US">
                           <a:effectLst/>
+                          <a:latin typeface="微軟正黑體" panose="020B0604030504040204" pitchFamily="34" charset="-120"/>
+                          <a:ea typeface="微軟正黑體" panose="020B0604030504040204" pitchFamily="34" charset="-120"/>
                         </a:rPr>
                         <a:t>選擇文件中的全部節點</a:t>
                       </a:r>
@@ -37475,8 +39998,10 @@
                     <a:p>
                       <a:pPr algn="l"/>
                       <a:r>
-                        <a:rPr lang="en-US">
+                        <a:rPr lang="en-US" dirty="0">
                           <a:effectLst/>
+                          <a:latin typeface="微軟正黑體" panose="020B0604030504040204" pitchFamily="34" charset="-120"/>
+                          <a:ea typeface="微軟正黑體" panose="020B0604030504040204" pitchFamily="34" charset="-120"/>
                         </a:rPr>
                         <a:t>//title[@*]</a:t>
                       </a:r>
@@ -37533,18 +40058,24 @@
                       <a:r>
                         <a:rPr lang="zh-TW" altLang="en-US" dirty="0">
                           <a:effectLst/>
+                          <a:latin typeface="微軟正黑體" panose="020B0604030504040204" pitchFamily="34" charset="-120"/>
+                          <a:ea typeface="微軟正黑體" panose="020B0604030504040204" pitchFamily="34" charset="-120"/>
                         </a:rPr>
                         <a:t>選擇文件中全部的</a:t>
                       </a:r>
                       <a:r>
                         <a:rPr lang="en-US" altLang="zh-TW" dirty="0">
                           <a:effectLst/>
+                          <a:latin typeface="微軟正黑體" panose="020B0604030504040204" pitchFamily="34" charset="-120"/>
+                          <a:ea typeface="微軟正黑體" panose="020B0604030504040204" pitchFamily="34" charset="-120"/>
                         </a:rPr>
                         <a:t>&lt;title&gt;</a:t>
                       </a:r>
                       <a:r>
                         <a:rPr lang="zh-TW" altLang="en-US" dirty="0">
                           <a:effectLst/>
+                          <a:latin typeface="微軟正黑體" panose="020B0604030504040204" pitchFamily="34" charset="-120"/>
+                          <a:ea typeface="微軟正黑體" panose="020B0604030504040204" pitchFamily="34" charset="-120"/>
                         </a:rPr>
                         <a:t>，其至少含有一個屬性</a:t>
                       </a:r>
@@ -37682,11 +40213,17 @@
           <p:cNvGraphicFramePr>
             <a:graphicFrameLocks noGrp="1"/>
           </p:cNvGraphicFramePr>
-          <p:nvPr/>
+          <p:nvPr>
+            <p:extLst>
+              <p:ext uri="{D42A27DB-BD31-4B8C-83A1-F6EECF244321}">
+                <p14:modId xmlns:p14="http://schemas.microsoft.com/office/powerpoint/2010/main" val="1305563307"/>
+              </p:ext>
+            </p:extLst>
+          </p:nvPr>
         </p:nvGraphicFramePr>
         <p:xfrm>
           <a:off x="457200" y="2872581"/>
-          <a:ext cx="8229600" cy="1981200"/>
+          <a:ext cx="8229600" cy="2255520"/>
         </p:xfrm>
         <a:graphic>
           <a:graphicData uri="http://schemas.openxmlformats.org/drawingml/2006/table">
@@ -37718,12 +40255,16 @@
                       <a:r>
                         <a:rPr lang="en-US">
                           <a:effectLst/>
+                          <a:latin typeface="微軟正黑體" panose="020B0604030504040204" pitchFamily="34" charset="-120"/>
+                          <a:ea typeface="微軟正黑體" panose="020B0604030504040204" pitchFamily="34" charset="-120"/>
                         </a:rPr>
                         <a:t>Path </a:t>
                       </a:r>
                       <a:r>
                         <a:rPr lang="zh-TW" altLang="en-US">
                           <a:effectLst/>
+                          <a:latin typeface="微軟正黑體" panose="020B0604030504040204" pitchFamily="34" charset="-120"/>
+                          <a:ea typeface="微軟正黑體" panose="020B0604030504040204" pitchFamily="34" charset="-120"/>
                         </a:rPr>
                         <a:t>表示式</a:t>
                       </a:r>
@@ -37780,6 +40321,8 @@
                       <a:r>
                         <a:rPr lang="zh-TW" altLang="en-US">
                           <a:effectLst/>
+                          <a:latin typeface="微軟正黑體" panose="020B0604030504040204" pitchFamily="34" charset="-120"/>
+                          <a:ea typeface="微軟正黑體" panose="020B0604030504040204" pitchFamily="34" charset="-120"/>
                         </a:rPr>
                         <a:t>說明</a:t>
                       </a:r>
@@ -37843,6 +40386,8 @@
                       <a:r>
                         <a:rPr lang="en-US">
                           <a:effectLst/>
+                          <a:latin typeface="微軟正黑體" panose="020B0604030504040204" pitchFamily="34" charset="-120"/>
+                          <a:ea typeface="微軟正黑體" panose="020B0604030504040204" pitchFamily="34" charset="-120"/>
                         </a:rPr>
                         <a:t>//book/title | //book/price</a:t>
                       </a:r>
@@ -37899,54 +40444,72 @@
                       <a:r>
                         <a:rPr lang="zh-TW" altLang="en-US">
                           <a:effectLst/>
+                          <a:latin typeface="微軟正黑體" panose="020B0604030504040204" pitchFamily="34" charset="-120"/>
+                          <a:ea typeface="微軟正黑體" panose="020B0604030504040204" pitchFamily="34" charset="-120"/>
                         </a:rPr>
                         <a:t>選擇所有</a:t>
                       </a:r>
                       <a:r>
                         <a:rPr lang="en-US" altLang="zh-TW">
                           <a:effectLst/>
+                          <a:latin typeface="微軟正黑體" panose="020B0604030504040204" pitchFamily="34" charset="-120"/>
+                          <a:ea typeface="微軟正黑體" panose="020B0604030504040204" pitchFamily="34" charset="-120"/>
                         </a:rPr>
                         <a:t>&lt;</a:t>
                       </a:r>
                       <a:r>
                         <a:rPr lang="en-US">
                           <a:effectLst/>
+                          <a:latin typeface="微軟正黑體" panose="020B0604030504040204" pitchFamily="34" charset="-120"/>
+                          <a:ea typeface="微軟正黑體" panose="020B0604030504040204" pitchFamily="34" charset="-120"/>
                         </a:rPr>
                         <a:t>book&gt;</a:t>
                       </a:r>
                       <a:r>
                         <a:rPr lang="zh-TW" altLang="en-US">
                           <a:effectLst/>
+                          <a:latin typeface="微軟正黑體" panose="020B0604030504040204" pitchFamily="34" charset="-120"/>
+                          <a:ea typeface="微軟正黑體" panose="020B0604030504040204" pitchFamily="34" charset="-120"/>
                         </a:rPr>
                         <a:t>下的</a:t>
                       </a:r>
                       <a:r>
                         <a:rPr lang="en-US" altLang="zh-TW">
                           <a:effectLst/>
+                          <a:latin typeface="微軟正黑體" panose="020B0604030504040204" pitchFamily="34" charset="-120"/>
+                          <a:ea typeface="微軟正黑體" panose="020B0604030504040204" pitchFamily="34" charset="-120"/>
                         </a:rPr>
                         <a:t>&lt;</a:t>
                       </a:r>
                       <a:r>
                         <a:rPr lang="en-US">
                           <a:effectLst/>
+                          <a:latin typeface="微軟正黑體" panose="020B0604030504040204" pitchFamily="34" charset="-120"/>
+                          <a:ea typeface="微軟正黑體" panose="020B0604030504040204" pitchFamily="34" charset="-120"/>
                         </a:rPr>
                         <a:t>title&gt;</a:t>
                       </a:r>
                       <a:r>
                         <a:rPr lang="zh-TW" altLang="en-US">
                           <a:effectLst/>
+                          <a:latin typeface="微軟正黑體" panose="020B0604030504040204" pitchFamily="34" charset="-120"/>
+                          <a:ea typeface="微軟正黑體" panose="020B0604030504040204" pitchFamily="34" charset="-120"/>
                         </a:rPr>
                         <a:t>及</a:t>
                       </a:r>
                       <a:r>
                         <a:rPr lang="en-US" altLang="zh-TW">
                           <a:effectLst/>
+                          <a:latin typeface="微軟正黑體" panose="020B0604030504040204" pitchFamily="34" charset="-120"/>
+                          <a:ea typeface="微軟正黑體" panose="020B0604030504040204" pitchFamily="34" charset="-120"/>
                         </a:rPr>
                         <a:t>&lt;</a:t>
                       </a:r>
                       <a:r>
                         <a:rPr lang="en-US">
                           <a:effectLst/>
+                          <a:latin typeface="微軟正黑體" panose="020B0604030504040204" pitchFamily="34" charset="-120"/>
+                          <a:ea typeface="微軟正黑體" panose="020B0604030504040204" pitchFamily="34" charset="-120"/>
                         </a:rPr>
                         <a:t>price&gt;</a:t>
                       </a:r>
@@ -38008,8 +40571,10 @@
                     <a:p>
                       <a:pPr algn="l"/>
                       <a:r>
-                        <a:rPr lang="en-US">
+                        <a:rPr lang="en-US" dirty="0">
                           <a:effectLst/>
+                          <a:latin typeface="微軟正黑體" panose="020B0604030504040204" pitchFamily="34" charset="-120"/>
+                          <a:ea typeface="微軟正黑體" panose="020B0604030504040204" pitchFamily="34" charset="-120"/>
                         </a:rPr>
                         <a:t>//title | //price</a:t>
                       </a:r>
@@ -38066,36 +40631,48 @@
                       <a:r>
                         <a:rPr lang="zh-TW" altLang="en-US">
                           <a:effectLst/>
+                          <a:latin typeface="微軟正黑體" panose="020B0604030504040204" pitchFamily="34" charset="-120"/>
+                          <a:ea typeface="微軟正黑體" panose="020B0604030504040204" pitchFamily="34" charset="-120"/>
                         </a:rPr>
                         <a:t>選擇文件中的全部的</a:t>
                       </a:r>
                       <a:r>
                         <a:rPr lang="en-US" altLang="zh-TW">
                           <a:effectLst/>
+                          <a:latin typeface="微軟正黑體" panose="020B0604030504040204" pitchFamily="34" charset="-120"/>
+                          <a:ea typeface="微軟正黑體" panose="020B0604030504040204" pitchFamily="34" charset="-120"/>
                         </a:rPr>
                         <a:t>&lt;</a:t>
                       </a:r>
                       <a:r>
                         <a:rPr lang="en-US">
                           <a:effectLst/>
+                          <a:latin typeface="微軟正黑體" panose="020B0604030504040204" pitchFamily="34" charset="-120"/>
+                          <a:ea typeface="微軟正黑體" panose="020B0604030504040204" pitchFamily="34" charset="-120"/>
                         </a:rPr>
                         <a:t>title&gt;</a:t>
                       </a:r>
                       <a:r>
                         <a:rPr lang="zh-TW" altLang="en-US">
                           <a:effectLst/>
+                          <a:latin typeface="微軟正黑體" panose="020B0604030504040204" pitchFamily="34" charset="-120"/>
+                          <a:ea typeface="微軟正黑體" panose="020B0604030504040204" pitchFamily="34" charset="-120"/>
                         </a:rPr>
                         <a:t>及</a:t>
                       </a:r>
                       <a:r>
                         <a:rPr lang="en-US" altLang="zh-TW">
                           <a:effectLst/>
+                          <a:latin typeface="微軟正黑體" panose="020B0604030504040204" pitchFamily="34" charset="-120"/>
+                          <a:ea typeface="微軟正黑體" panose="020B0604030504040204" pitchFamily="34" charset="-120"/>
                         </a:rPr>
                         <a:t>&lt;</a:t>
                       </a:r>
                       <a:r>
                         <a:rPr lang="en-US">
                           <a:effectLst/>
+                          <a:latin typeface="微軟正黑體" panose="020B0604030504040204" pitchFamily="34" charset="-120"/>
+                          <a:ea typeface="微軟正黑體" panose="020B0604030504040204" pitchFamily="34" charset="-120"/>
                         </a:rPr>
                         <a:t>price&gt;</a:t>
                       </a:r>
@@ -38159,6 +40736,8 @@
                       <a:r>
                         <a:rPr lang="en-US">
                           <a:effectLst/>
+                          <a:latin typeface="微軟正黑體" panose="020B0604030504040204" pitchFamily="34" charset="-120"/>
+                          <a:ea typeface="微軟正黑體" panose="020B0604030504040204" pitchFamily="34" charset="-120"/>
                         </a:rPr>
                         <a:t>/bookstore/book/title | //price</a:t>
                       </a:r>
@@ -38215,72 +40794,96 @@
                       <a:r>
                         <a:rPr lang="zh-TW" altLang="en-US" dirty="0">
                           <a:effectLst/>
+                          <a:latin typeface="微軟正黑體" panose="020B0604030504040204" pitchFamily="34" charset="-120"/>
+                          <a:ea typeface="微軟正黑體" panose="020B0604030504040204" pitchFamily="34" charset="-120"/>
                         </a:rPr>
                         <a:t>選擇文件中</a:t>
                       </a:r>
                       <a:r>
                         <a:rPr lang="en-US" altLang="zh-TW" dirty="0">
                           <a:effectLst/>
+                          <a:latin typeface="微軟正黑體" panose="020B0604030504040204" pitchFamily="34" charset="-120"/>
+                          <a:ea typeface="微軟正黑體" panose="020B0604030504040204" pitchFamily="34" charset="-120"/>
                         </a:rPr>
                         <a:t>&lt;</a:t>
                       </a:r>
                       <a:r>
                         <a:rPr lang="en-US" dirty="0">
                           <a:effectLst/>
+                          <a:latin typeface="微軟正黑體" panose="020B0604030504040204" pitchFamily="34" charset="-120"/>
+                          <a:ea typeface="微軟正黑體" panose="020B0604030504040204" pitchFamily="34" charset="-120"/>
                         </a:rPr>
                         <a:t>bookstore&gt;</a:t>
                       </a:r>
                       <a:r>
                         <a:rPr lang="zh-TW" altLang="en-US" dirty="0">
                           <a:effectLst/>
+                          <a:latin typeface="微軟正黑體" panose="020B0604030504040204" pitchFamily="34" charset="-120"/>
+                          <a:ea typeface="微軟正黑體" panose="020B0604030504040204" pitchFamily="34" charset="-120"/>
                         </a:rPr>
                         <a:t>中的</a:t>
                       </a:r>
                       <a:r>
                         <a:rPr lang="en-US" altLang="zh-TW" dirty="0">
                           <a:effectLst/>
+                          <a:latin typeface="微軟正黑體" panose="020B0604030504040204" pitchFamily="34" charset="-120"/>
+                          <a:ea typeface="微軟正黑體" panose="020B0604030504040204" pitchFamily="34" charset="-120"/>
                         </a:rPr>
                         <a:t>&lt;</a:t>
                       </a:r>
                       <a:r>
                         <a:rPr lang="en-US" dirty="0">
                           <a:effectLst/>
+                          <a:latin typeface="微軟正黑體" panose="020B0604030504040204" pitchFamily="34" charset="-120"/>
+                          <a:ea typeface="微軟正黑體" panose="020B0604030504040204" pitchFamily="34" charset="-120"/>
                         </a:rPr>
                         <a:t>book&gt;</a:t>
                       </a:r>
                       <a:r>
                         <a:rPr lang="zh-TW" altLang="en-US" dirty="0">
                           <a:effectLst/>
+                          <a:latin typeface="微軟正黑體" panose="020B0604030504040204" pitchFamily="34" charset="-120"/>
+                          <a:ea typeface="微軟正黑體" panose="020B0604030504040204" pitchFamily="34" charset="-120"/>
                         </a:rPr>
                         <a:t>中的</a:t>
                       </a:r>
                       <a:r>
                         <a:rPr lang="en-US" altLang="zh-TW" dirty="0">
                           <a:effectLst/>
+                          <a:latin typeface="微軟正黑體" panose="020B0604030504040204" pitchFamily="34" charset="-120"/>
+                          <a:ea typeface="微軟正黑體" panose="020B0604030504040204" pitchFamily="34" charset="-120"/>
                         </a:rPr>
                         <a:t>&lt;</a:t>
                       </a:r>
                       <a:r>
                         <a:rPr lang="en-US" dirty="0">
                           <a:effectLst/>
+                          <a:latin typeface="微軟正黑體" panose="020B0604030504040204" pitchFamily="34" charset="-120"/>
+                          <a:ea typeface="微軟正黑體" panose="020B0604030504040204" pitchFamily="34" charset="-120"/>
                         </a:rPr>
                         <a:t>title&gt;，</a:t>
                       </a:r>
                       <a:r>
                         <a:rPr lang="zh-TW" altLang="en-US" dirty="0">
                           <a:effectLst/>
+                          <a:latin typeface="微軟正黑體" panose="020B0604030504040204" pitchFamily="34" charset="-120"/>
+                          <a:ea typeface="微軟正黑體" panose="020B0604030504040204" pitchFamily="34" charset="-120"/>
                         </a:rPr>
                         <a:t>及全部的</a:t>
                       </a:r>
                       <a:r>
                         <a:rPr lang="en-US" altLang="zh-TW" dirty="0">
                           <a:effectLst/>
+                          <a:latin typeface="微軟正黑體" panose="020B0604030504040204" pitchFamily="34" charset="-120"/>
+                          <a:ea typeface="微軟正黑體" panose="020B0604030504040204" pitchFamily="34" charset="-120"/>
                         </a:rPr>
                         <a:t>&lt;</a:t>
                       </a:r>
                       <a:r>
                         <a:rPr lang="en-US" dirty="0">
                           <a:effectLst/>
+                          <a:latin typeface="微軟正黑體" panose="020B0604030504040204" pitchFamily="34" charset="-120"/>
+                          <a:ea typeface="微軟正黑體" panose="020B0604030504040204" pitchFamily="34" charset="-120"/>
                         </a:rPr>
                         <a:t>price&gt;</a:t>
                       </a:r>
@@ -39033,7 +41636,7 @@
                   <a:schemeClr val="tx2"/>
                 </a:solidFill>
               </a:rPr>
-              <a:t>5/18/2023</a:t>
+              <a:t>5/24/2023</a:t>
             </a:fld>
             <a:endParaRPr kumimoji="0" lang="en-US" dirty="0"/>
           </a:p>
@@ -42085,7 +44688,7 @@
                 <a:latin typeface="Arial" panose="020B0604020202020204" pitchFamily="34" charset="0"/>
                 <a:cs typeface="Arial" panose="020B0604020202020204" pitchFamily="34" charset="0"/>
               </a:rPr>
-              <a:t>5/18/2023</a:t>
+              <a:t>5/24/2023</a:t>
             </a:fld>
             <a:endParaRPr kumimoji="0" lang="en-US" dirty="0">
               <a:latin typeface="Arial" panose="020B0604020202020204" pitchFamily="34" charset="0"/>
@@ -43530,7 +46133,7 @@
                 <a:latin typeface="Arial" panose="020B0604020202020204" pitchFamily="34" charset="0"/>
                 <a:cs typeface="Arial" panose="020B0604020202020204" pitchFamily="34" charset="0"/>
               </a:rPr>
-              <a:t>5/18/2023</a:t>
+              <a:t>5/24/2023</a:t>
             </a:fld>
             <a:endParaRPr kumimoji="0" lang="en-US" dirty="0">
               <a:latin typeface="Arial" panose="020B0604020202020204" pitchFamily="34" charset="0"/>
@@ -44081,7 +46684,7 @@
                 <a:latin typeface="Arial" panose="020B0604020202020204" pitchFamily="34" charset="0"/>
                 <a:cs typeface="Arial" panose="020B0604020202020204" pitchFamily="34" charset="0"/>
               </a:rPr>
-              <a:t>5/18/2023</a:t>
+              <a:t>5/24/2023</a:t>
             </a:fld>
             <a:endParaRPr kumimoji="0" lang="en-US" dirty="0">
               <a:latin typeface="Arial" panose="020B0604020202020204" pitchFamily="34" charset="0"/>
